--- a/基础PPT/第16章：Java XML简介.pptx
+++ b/基础PPT/第16章：Java XML简介.pptx
@@ -5,38 +5,35 @@
     <p:sldMasterId id="2147483648" r:id="rId1"/>
   </p:sldMasterIdLst>
   <p:notesMasterIdLst>
-    <p:notesMasterId r:id="rId32"/>
+    <p:notesMasterId r:id="rId29"/>
   </p:notesMasterIdLst>
   <p:sldIdLst>
     <p:sldId id="660" r:id="rId3"/>
     <p:sldId id="661" r:id="rId4"/>
     <p:sldId id="681" r:id="rId5"/>
     <p:sldId id="682" r:id="rId6"/>
-    <p:sldId id="683" r:id="rId7"/>
-    <p:sldId id="684" r:id="rId8"/>
-    <p:sldId id="709" r:id="rId9"/>
-    <p:sldId id="710" r:id="rId10"/>
-    <p:sldId id="711" r:id="rId11"/>
-    <p:sldId id="685" r:id="rId12"/>
-    <p:sldId id="691" r:id="rId13"/>
-    <p:sldId id="712" r:id="rId14"/>
-    <p:sldId id="713" r:id="rId15"/>
-    <p:sldId id="708" r:id="rId16"/>
-    <p:sldId id="686" r:id="rId17"/>
-    <p:sldId id="705" r:id="rId18"/>
-    <p:sldId id="706" r:id="rId19"/>
-    <p:sldId id="707" r:id="rId20"/>
-    <p:sldId id="687" r:id="rId21"/>
-    <p:sldId id="688" r:id="rId22"/>
-    <p:sldId id="696" r:id="rId23"/>
-    <p:sldId id="697" r:id="rId24"/>
-    <p:sldId id="699" r:id="rId25"/>
-    <p:sldId id="700" r:id="rId26"/>
-    <p:sldId id="701" r:id="rId27"/>
-    <p:sldId id="702" r:id="rId28"/>
-    <p:sldId id="703" r:id="rId29"/>
-    <p:sldId id="704" r:id="rId30"/>
-    <p:sldId id="662" r:id="rId31"/>
+    <p:sldId id="733" r:id="rId7"/>
+    <p:sldId id="683" r:id="rId8"/>
+    <p:sldId id="684" r:id="rId9"/>
+    <p:sldId id="709" r:id="rId10"/>
+    <p:sldId id="710" r:id="rId11"/>
+    <p:sldId id="711" r:id="rId12"/>
+    <p:sldId id="685" r:id="rId13"/>
+    <p:sldId id="691" r:id="rId14"/>
+    <p:sldId id="712" r:id="rId15"/>
+    <p:sldId id="713" r:id="rId16"/>
+    <p:sldId id="708" r:id="rId17"/>
+    <p:sldId id="686" r:id="rId18"/>
+    <p:sldId id="705" r:id="rId19"/>
+    <p:sldId id="706" r:id="rId20"/>
+    <p:sldId id="707" r:id="rId21"/>
+    <p:sldId id="687" r:id="rId22"/>
+    <p:sldId id="688" r:id="rId23"/>
+    <p:sldId id="696" r:id="rId24"/>
+    <p:sldId id="697" r:id="rId25"/>
+    <p:sldId id="699" r:id="rId26"/>
+    <p:sldId id="704" r:id="rId27"/>
+    <p:sldId id="662" r:id="rId28"/>
   </p:sldIdLst>
   <p:sldSz cx="12192000" cy="6858000"/>
   <p:notesSz cx="6858000" cy="9144000"/>
@@ -6381,471 +6378,33 @@
         <p:nvPr/>
       </p:nvGrpSpPr>
       <p:grpSpPr/>
-      <p:sp>
-        <p:nvSpPr>
-          <p:cNvPr id="4" name="文本框 3"/>
-          <p:cNvSpPr txBox="1"/>
+      <p:pic>
+        <p:nvPicPr>
+          <p:cNvPr id="2" name="图片 1"/>
+          <p:cNvPicPr>
+            <a:picLocks noChangeAspect="1"/>
+          </p:cNvPicPr>
           <p:nvPr/>
-        </p:nvSpPr>
+        </p:nvPicPr>
+        <p:blipFill>
+          <a:blip r:embed="rId2"/>
+          <a:stretch>
+            <a:fillRect/>
+          </a:stretch>
+        </p:blipFill>
         <p:spPr>
           <a:xfrm>
-            <a:off x="275590" y="800735"/>
-            <a:ext cx="11593830" cy="2306955"/>
+            <a:off x="1813560" y="782320"/>
+            <a:ext cx="8564880" cy="5364480"/>
           </a:xfrm>
           <a:prstGeom prst="rect">
             <a:avLst/>
           </a:prstGeom>
-          <a:noFill/>
         </p:spPr>
-        <p:txBody>
-          <a:bodyPr wrap="square" rtlCol="0">
-            <a:spAutoFit/>
-          </a:bodyPr>
-          <a:p>
-            <a:r>
-              <a:rPr lang="en-US" altLang="zh-CN" sz="1600">
-                <a:solidFill>
-                  <a:srgbClr val="FF0000"/>
-                </a:solidFill>
-                <a:latin typeface="宋体" panose="02010600030101010101" pitchFamily="2" charset="-122"/>
-                <a:ea typeface="宋体" panose="02010600030101010101" pitchFamily="2" charset="-122"/>
-                <a:cs typeface="宋体" panose="02010600030101010101" pitchFamily="2" charset="-122"/>
-                <a:sym typeface="+mn-ea"/>
-              </a:rPr>
-              <a:t>XPATH </a:t>
-            </a:r>
-            <a:r>
-              <a:rPr lang="zh-CN" altLang="en-US" sz="1600">
-                <a:solidFill>
-                  <a:srgbClr val="FF0000"/>
-                </a:solidFill>
-                <a:latin typeface="宋体" panose="02010600030101010101" pitchFamily="2" charset="-122"/>
-                <a:ea typeface="宋体" panose="02010600030101010101" pitchFamily="2" charset="-122"/>
-                <a:cs typeface="宋体" panose="02010600030101010101" pitchFamily="2" charset="-122"/>
-                <a:sym typeface="+mn-ea"/>
-              </a:rPr>
-              <a:t>路径表达式</a:t>
-            </a:r>
-            <a:endParaRPr lang="zh-CN" altLang="en-US" sz="1600">
-              <a:solidFill>
-                <a:srgbClr val="FF0000"/>
-              </a:solidFill>
-              <a:latin typeface="宋体" panose="02010600030101010101" pitchFamily="2" charset="-122"/>
-              <a:ea typeface="宋体" panose="02010600030101010101" pitchFamily="2" charset="-122"/>
-              <a:cs typeface="宋体" panose="02010600030101010101" pitchFamily="2" charset="-122"/>
-            </a:endParaRPr>
-          </a:p>
-          <a:p>
-            <a:r>
-              <a:rPr lang="en-US" altLang="zh-CN" sz="1600">
-                <a:solidFill>
-                  <a:schemeClr val="tx1"/>
-                </a:solidFill>
-                <a:latin typeface="宋体" panose="02010600030101010101" pitchFamily="2" charset="-122"/>
-                <a:ea typeface="宋体" panose="02010600030101010101" pitchFamily="2" charset="-122"/>
-                <a:cs typeface="宋体" panose="02010600030101010101" pitchFamily="2" charset="-122"/>
-                <a:sym typeface="+mn-ea"/>
-              </a:rPr>
-              <a:t>XPath </a:t>
-            </a:r>
-            <a:r>
-              <a:rPr lang="zh-CN" altLang="en-US" sz="1600">
-                <a:solidFill>
-                  <a:schemeClr val="tx1"/>
-                </a:solidFill>
-                <a:latin typeface="宋体" panose="02010600030101010101" pitchFamily="2" charset="-122"/>
-                <a:ea typeface="宋体" panose="02010600030101010101" pitchFamily="2" charset="-122"/>
-                <a:cs typeface="宋体" panose="02010600030101010101" pitchFamily="2" charset="-122"/>
-                <a:sym typeface="+mn-ea"/>
-              </a:rPr>
-              <a:t>是一门在 </a:t>
-            </a:r>
-            <a:r>
-              <a:rPr lang="en-US" altLang="zh-CN" sz="1600">
-                <a:solidFill>
-                  <a:schemeClr val="tx1"/>
-                </a:solidFill>
-                <a:latin typeface="宋体" panose="02010600030101010101" pitchFamily="2" charset="-122"/>
-                <a:ea typeface="宋体" panose="02010600030101010101" pitchFamily="2" charset="-122"/>
-                <a:cs typeface="宋体" panose="02010600030101010101" pitchFamily="2" charset="-122"/>
-                <a:sym typeface="+mn-ea"/>
-              </a:rPr>
-              <a:t>XML </a:t>
-            </a:r>
-            <a:r>
-              <a:rPr lang="zh-CN" altLang="en-US" sz="1600">
-                <a:solidFill>
-                  <a:schemeClr val="tx1"/>
-                </a:solidFill>
-                <a:latin typeface="宋体" panose="02010600030101010101" pitchFamily="2" charset="-122"/>
-                <a:ea typeface="宋体" panose="02010600030101010101" pitchFamily="2" charset="-122"/>
-                <a:cs typeface="宋体" panose="02010600030101010101" pitchFamily="2" charset="-122"/>
-                <a:sym typeface="+mn-ea"/>
-              </a:rPr>
-              <a:t>文档中查找信息的语言。</a:t>
-            </a:r>
-            <a:r>
-              <a:rPr lang="en-US" altLang="zh-CN" sz="1600">
-                <a:solidFill>
-                  <a:schemeClr val="tx1"/>
-                </a:solidFill>
-                <a:latin typeface="宋体" panose="02010600030101010101" pitchFamily="2" charset="-122"/>
-                <a:ea typeface="宋体" panose="02010600030101010101" pitchFamily="2" charset="-122"/>
-                <a:cs typeface="宋体" panose="02010600030101010101" pitchFamily="2" charset="-122"/>
-                <a:sym typeface="+mn-ea"/>
-              </a:rPr>
-              <a:t>XPath </a:t>
-            </a:r>
-            <a:r>
-              <a:rPr lang="zh-CN" altLang="en-US" sz="1600">
-                <a:solidFill>
-                  <a:schemeClr val="tx1"/>
-                </a:solidFill>
-                <a:latin typeface="宋体" panose="02010600030101010101" pitchFamily="2" charset="-122"/>
-                <a:ea typeface="宋体" panose="02010600030101010101" pitchFamily="2" charset="-122"/>
-                <a:cs typeface="宋体" panose="02010600030101010101" pitchFamily="2" charset="-122"/>
-                <a:sym typeface="+mn-ea"/>
-              </a:rPr>
-              <a:t>可用来在 </a:t>
-            </a:r>
-            <a:r>
-              <a:rPr lang="en-US" altLang="zh-CN" sz="1600">
-                <a:solidFill>
-                  <a:schemeClr val="tx1"/>
-                </a:solidFill>
-                <a:latin typeface="宋体" panose="02010600030101010101" pitchFamily="2" charset="-122"/>
-                <a:ea typeface="宋体" panose="02010600030101010101" pitchFamily="2" charset="-122"/>
-                <a:cs typeface="宋体" panose="02010600030101010101" pitchFamily="2" charset="-122"/>
-                <a:sym typeface="+mn-ea"/>
-              </a:rPr>
-              <a:t>XML </a:t>
-            </a:r>
-            <a:r>
-              <a:rPr lang="zh-CN" altLang="en-US" sz="1600">
-                <a:solidFill>
-                  <a:schemeClr val="tx1"/>
-                </a:solidFill>
-                <a:latin typeface="宋体" panose="02010600030101010101" pitchFamily="2" charset="-122"/>
-                <a:ea typeface="宋体" panose="02010600030101010101" pitchFamily="2" charset="-122"/>
-                <a:cs typeface="宋体" panose="02010600030101010101" pitchFamily="2" charset="-122"/>
-                <a:sym typeface="+mn-ea"/>
-              </a:rPr>
-              <a:t>文档中对元素和属性进行遍历。由于我们单纯使用</a:t>
-            </a:r>
-            <a:r>
-              <a:rPr lang="en-US" altLang="zh-CN" sz="1600">
-                <a:solidFill>
-                  <a:schemeClr val="tx1"/>
-                </a:solidFill>
-                <a:latin typeface="宋体" panose="02010600030101010101" pitchFamily="2" charset="-122"/>
-                <a:ea typeface="宋体" panose="02010600030101010101" pitchFamily="2" charset="-122"/>
-                <a:cs typeface="宋体" panose="02010600030101010101" pitchFamily="2" charset="-122"/>
-                <a:sym typeface="+mn-ea"/>
-              </a:rPr>
-              <a:t>dom</a:t>
-            </a:r>
-            <a:r>
-              <a:rPr lang="zh-CN" altLang="en-US" sz="1600">
-                <a:solidFill>
-                  <a:schemeClr val="tx1"/>
-                </a:solidFill>
-                <a:latin typeface="宋体" panose="02010600030101010101" pitchFamily="2" charset="-122"/>
-                <a:ea typeface="宋体" panose="02010600030101010101" pitchFamily="2" charset="-122"/>
-                <a:cs typeface="宋体" panose="02010600030101010101" pitchFamily="2" charset="-122"/>
-                <a:sym typeface="+mn-ea"/>
-              </a:rPr>
-              <a:t>定位节点时，大部分时间需要一层一层的处理，如果有了</a:t>
-            </a:r>
-            <a:r>
-              <a:rPr lang="en-US" altLang="zh-CN" sz="1600">
-                <a:solidFill>
-                  <a:schemeClr val="tx1"/>
-                </a:solidFill>
-                <a:latin typeface="宋体" panose="02010600030101010101" pitchFamily="2" charset="-122"/>
-                <a:ea typeface="宋体" panose="02010600030101010101" pitchFamily="2" charset="-122"/>
-                <a:cs typeface="宋体" panose="02010600030101010101" pitchFamily="2" charset="-122"/>
-                <a:sym typeface="+mn-ea"/>
-              </a:rPr>
-              <a:t>xPath</a:t>
-            </a:r>
-            <a:r>
-              <a:rPr lang="zh-CN" altLang="en-US" sz="1600">
-                <a:solidFill>
-                  <a:schemeClr val="tx1"/>
-                </a:solidFill>
-                <a:latin typeface="宋体" panose="02010600030101010101" pitchFamily="2" charset="-122"/>
-                <a:ea typeface="宋体" panose="02010600030101010101" pitchFamily="2" charset="-122"/>
-                <a:cs typeface="宋体" panose="02010600030101010101" pitchFamily="2" charset="-122"/>
-                <a:sym typeface="+mn-ea"/>
-              </a:rPr>
-              <a:t>，我们定位我们的节点将变得很轻松。他可以根据路径，属性，甚至是条件进行节点的检索。</a:t>
-            </a:r>
-            <a:endParaRPr lang="zh-CN" altLang="en-US" sz="1600">
-              <a:solidFill>
-                <a:schemeClr val="tx1"/>
-              </a:solidFill>
-              <a:latin typeface="宋体" panose="02010600030101010101" pitchFamily="2" charset="-122"/>
-              <a:ea typeface="宋体" panose="02010600030101010101" pitchFamily="2" charset="-122"/>
-              <a:cs typeface="宋体" panose="02010600030101010101" pitchFamily="2" charset="-122"/>
-              <a:sym typeface="+mn-ea"/>
-            </a:endParaRPr>
-          </a:p>
-          <a:p>
-            <a:endParaRPr lang="zh-CN" altLang="en-US" sz="1600">
-              <a:solidFill>
-                <a:schemeClr val="tx1"/>
-              </a:solidFill>
-              <a:latin typeface="宋体" panose="02010600030101010101" pitchFamily="2" charset="-122"/>
-              <a:ea typeface="宋体" panose="02010600030101010101" pitchFamily="2" charset="-122"/>
-              <a:cs typeface="宋体" panose="02010600030101010101" pitchFamily="2" charset="-122"/>
-              <a:sym typeface="+mn-ea"/>
-            </a:endParaRPr>
-          </a:p>
-          <a:p>
-            <a:r>
-              <a:rPr lang="zh-CN" altLang="en-US" sz="1600">
-                <a:latin typeface="宋体" panose="02010600030101010101" pitchFamily="2" charset="-122"/>
-                <a:ea typeface="宋体" panose="02010600030101010101" pitchFamily="2" charset="-122"/>
-                <a:cs typeface="宋体" panose="02010600030101010101" pitchFamily="2" charset="-122"/>
-                <a:sym typeface="+mn-ea"/>
-              </a:rPr>
-              <a:t>XPath 使用路径表达式在 XML 文档中进行导航</a:t>
-            </a:r>
-            <a:endParaRPr lang="zh-CN" altLang="en-US" sz="1600">
-              <a:latin typeface="宋体" panose="02010600030101010101" pitchFamily="2" charset="-122"/>
-              <a:ea typeface="宋体" panose="02010600030101010101" pitchFamily="2" charset="-122"/>
-              <a:cs typeface="宋体" panose="02010600030101010101" pitchFamily="2" charset="-122"/>
-            </a:endParaRPr>
-          </a:p>
-          <a:p>
-            <a:r>
-              <a:rPr lang="zh-CN" altLang="en-US" sz="1600">
-                <a:latin typeface="宋体" panose="02010600030101010101" pitchFamily="2" charset="-122"/>
-                <a:ea typeface="宋体" panose="02010600030101010101" pitchFamily="2" charset="-122"/>
-                <a:cs typeface="宋体" panose="02010600030101010101" pitchFamily="2" charset="-122"/>
-                <a:sym typeface="+mn-ea"/>
-              </a:rPr>
-              <a:t>XPath 包含一个标准函数库</a:t>
-            </a:r>
-            <a:endParaRPr lang="zh-CN" altLang="en-US" sz="1600">
-              <a:latin typeface="宋体" panose="02010600030101010101" pitchFamily="2" charset="-122"/>
-              <a:ea typeface="宋体" panose="02010600030101010101" pitchFamily="2" charset="-122"/>
-              <a:cs typeface="宋体" panose="02010600030101010101" pitchFamily="2" charset="-122"/>
-            </a:endParaRPr>
-          </a:p>
-          <a:p>
-            <a:r>
-              <a:rPr lang="zh-CN" altLang="en-US" sz="1600">
-                <a:latin typeface="宋体" panose="02010600030101010101" pitchFamily="2" charset="-122"/>
-                <a:ea typeface="宋体" panose="02010600030101010101" pitchFamily="2" charset="-122"/>
-                <a:cs typeface="宋体" panose="02010600030101010101" pitchFamily="2" charset="-122"/>
-                <a:sym typeface="+mn-ea"/>
-              </a:rPr>
-              <a:t>XPath 是 XSLT 中的主要元素</a:t>
-            </a:r>
-            <a:endParaRPr lang="zh-CN" altLang="en-US" sz="1600">
-              <a:latin typeface="宋体" panose="02010600030101010101" pitchFamily="2" charset="-122"/>
-              <a:ea typeface="宋体" panose="02010600030101010101" pitchFamily="2" charset="-122"/>
-              <a:cs typeface="宋体" panose="02010600030101010101" pitchFamily="2" charset="-122"/>
-            </a:endParaRPr>
-          </a:p>
-          <a:p>
-            <a:r>
-              <a:rPr lang="zh-CN" altLang="en-US" sz="1600">
-                <a:latin typeface="宋体" panose="02010600030101010101" pitchFamily="2" charset="-122"/>
-                <a:ea typeface="宋体" panose="02010600030101010101" pitchFamily="2" charset="-122"/>
-                <a:cs typeface="宋体" panose="02010600030101010101" pitchFamily="2" charset="-122"/>
-                <a:sym typeface="+mn-ea"/>
-              </a:rPr>
-              <a:t>XPath 是一个 W3C 标准</a:t>
-            </a:r>
-            <a:endParaRPr lang="zh-CN" altLang="en-US" sz="1600">
-              <a:solidFill>
-                <a:schemeClr val="tx1"/>
-              </a:solidFill>
-              <a:latin typeface="宋体" panose="02010600030101010101" pitchFamily="2" charset="-122"/>
-              <a:ea typeface="宋体" panose="02010600030101010101" pitchFamily="2" charset="-122"/>
-              <a:cs typeface="宋体" panose="02010600030101010101" pitchFamily="2" charset="-122"/>
-            </a:endParaRPr>
-          </a:p>
-        </p:txBody>
-      </p:sp>
-      <p:sp>
-        <p:nvSpPr>
-          <p:cNvPr id="2" name="文本框 1"/>
-          <p:cNvSpPr txBox="1"/>
-          <p:nvPr/>
-        </p:nvSpPr>
-        <p:spPr>
-          <a:xfrm>
-            <a:off x="5843905" y="3424555"/>
-            <a:ext cx="5709285" cy="2799715"/>
-          </a:xfrm>
-          <a:prstGeom prst="rect">
-            <a:avLst/>
-          </a:prstGeom>
-          <a:noFill/>
-        </p:spPr>
-        <p:txBody>
-          <a:bodyPr wrap="square" rtlCol="0">
-            <a:spAutoFit/>
-          </a:bodyPr>
-          <a:p>
-            <a:r>
-              <a:rPr lang="zh-CN" altLang="en-US" sz="1600">
-                <a:latin typeface="宋体" panose="02010600030101010101" pitchFamily="2" charset="-122"/>
-                <a:ea typeface="宋体" panose="02010600030101010101" pitchFamily="2" charset="-122"/>
-              </a:rPr>
-              <a:t>&lt;?xml version="1.0" encoding="UTF-8"?&gt;</a:t>
-            </a:r>
-            <a:endParaRPr lang="zh-CN" altLang="en-US" sz="1600">
-              <a:latin typeface="宋体" panose="02010600030101010101" pitchFamily="2" charset="-122"/>
-              <a:ea typeface="宋体" panose="02010600030101010101" pitchFamily="2" charset="-122"/>
-            </a:endParaRPr>
-          </a:p>
-          <a:p>
-            <a:r>
-              <a:rPr lang="zh-CN" altLang="en-US" sz="1600">
-                <a:latin typeface="宋体" panose="02010600030101010101" pitchFamily="2" charset="-122"/>
-                <a:ea typeface="宋体" panose="02010600030101010101" pitchFamily="2" charset="-122"/>
-              </a:rPr>
-              <a:t>&lt;bookstore&gt;</a:t>
-            </a:r>
-            <a:endParaRPr lang="zh-CN" altLang="en-US" sz="1600">
-              <a:latin typeface="宋体" panose="02010600030101010101" pitchFamily="2" charset="-122"/>
-              <a:ea typeface="宋体" panose="02010600030101010101" pitchFamily="2" charset="-122"/>
-            </a:endParaRPr>
-          </a:p>
-          <a:p>
-            <a:pPr lvl="1"/>
-            <a:r>
-              <a:rPr lang="zh-CN" altLang="en-US" sz="1600">
-                <a:latin typeface="宋体" panose="02010600030101010101" pitchFamily="2" charset="-122"/>
-                <a:ea typeface="宋体" panose="02010600030101010101" pitchFamily="2" charset="-122"/>
-              </a:rPr>
-              <a:t>&lt;book&gt;</a:t>
-            </a:r>
-            <a:endParaRPr lang="zh-CN" altLang="en-US" sz="1600">
-              <a:latin typeface="宋体" panose="02010600030101010101" pitchFamily="2" charset="-122"/>
-              <a:ea typeface="宋体" panose="02010600030101010101" pitchFamily="2" charset="-122"/>
-            </a:endParaRPr>
-          </a:p>
-          <a:p>
-            <a:pPr lvl="2"/>
-            <a:r>
-              <a:rPr lang="zh-CN" altLang="en-US" sz="1600">
-                <a:latin typeface="宋体" panose="02010600030101010101" pitchFamily="2" charset="-122"/>
-                <a:ea typeface="宋体" panose="02010600030101010101" pitchFamily="2" charset="-122"/>
-              </a:rPr>
-              <a:t>  &lt;title lang="eng"&gt;Harry Potter&lt;/title&gt;</a:t>
-            </a:r>
-            <a:endParaRPr lang="zh-CN" altLang="en-US" sz="1600">
-              <a:latin typeface="宋体" panose="02010600030101010101" pitchFamily="2" charset="-122"/>
-              <a:ea typeface="宋体" panose="02010600030101010101" pitchFamily="2" charset="-122"/>
-            </a:endParaRPr>
-          </a:p>
-          <a:p>
-            <a:pPr lvl="2"/>
-            <a:r>
-              <a:rPr lang="zh-CN" altLang="en-US" sz="1600">
-                <a:latin typeface="宋体" panose="02010600030101010101" pitchFamily="2" charset="-122"/>
-                <a:ea typeface="宋体" panose="02010600030101010101" pitchFamily="2" charset="-122"/>
-              </a:rPr>
-              <a:t>  &lt;price&gt;29.99&lt;/price&gt;</a:t>
-            </a:r>
-            <a:endParaRPr lang="zh-CN" altLang="en-US" sz="1600">
-              <a:latin typeface="宋体" panose="02010600030101010101" pitchFamily="2" charset="-122"/>
-              <a:ea typeface="宋体" panose="02010600030101010101" pitchFamily="2" charset="-122"/>
-            </a:endParaRPr>
-          </a:p>
-          <a:p>
-            <a:pPr lvl="1"/>
-            <a:r>
-              <a:rPr lang="zh-CN" altLang="en-US" sz="1600">
-                <a:latin typeface="宋体" panose="02010600030101010101" pitchFamily="2" charset="-122"/>
-                <a:ea typeface="宋体" panose="02010600030101010101" pitchFamily="2" charset="-122"/>
-              </a:rPr>
-              <a:t>&lt;/book&gt;</a:t>
-            </a:r>
-            <a:endParaRPr lang="zh-CN" altLang="en-US" sz="1600">
-              <a:latin typeface="宋体" panose="02010600030101010101" pitchFamily="2" charset="-122"/>
-              <a:ea typeface="宋体" panose="02010600030101010101" pitchFamily="2" charset="-122"/>
-            </a:endParaRPr>
-          </a:p>
-          <a:p>
-            <a:pPr lvl="1"/>
-            <a:r>
-              <a:rPr lang="zh-CN" altLang="en-US" sz="1600">
-                <a:latin typeface="宋体" panose="02010600030101010101" pitchFamily="2" charset="-122"/>
-                <a:ea typeface="宋体" panose="02010600030101010101" pitchFamily="2" charset="-122"/>
-              </a:rPr>
-              <a:t>&lt;book&gt;</a:t>
-            </a:r>
-            <a:endParaRPr lang="zh-CN" altLang="en-US" sz="1600">
-              <a:latin typeface="宋体" panose="02010600030101010101" pitchFamily="2" charset="-122"/>
-              <a:ea typeface="宋体" panose="02010600030101010101" pitchFamily="2" charset="-122"/>
-            </a:endParaRPr>
-          </a:p>
-          <a:p>
-            <a:pPr lvl="2"/>
-            <a:r>
-              <a:rPr lang="zh-CN" altLang="en-US" sz="1600">
-                <a:latin typeface="宋体" panose="02010600030101010101" pitchFamily="2" charset="-122"/>
-                <a:ea typeface="宋体" panose="02010600030101010101" pitchFamily="2" charset="-122"/>
-              </a:rPr>
-              <a:t>  &lt;title lang="eng"&gt;Learning XML&lt;/title&gt;</a:t>
-            </a:r>
-            <a:endParaRPr lang="zh-CN" altLang="en-US" sz="1600">
-              <a:latin typeface="宋体" panose="02010600030101010101" pitchFamily="2" charset="-122"/>
-              <a:ea typeface="宋体" panose="02010600030101010101" pitchFamily="2" charset="-122"/>
-            </a:endParaRPr>
-          </a:p>
-          <a:p>
-            <a:pPr lvl="2"/>
-            <a:r>
-              <a:rPr lang="zh-CN" altLang="en-US" sz="1600">
-                <a:latin typeface="宋体" panose="02010600030101010101" pitchFamily="2" charset="-122"/>
-                <a:ea typeface="宋体" panose="02010600030101010101" pitchFamily="2" charset="-122"/>
-              </a:rPr>
-              <a:t>  &lt;price&gt;39.95&lt;/price&gt;</a:t>
-            </a:r>
-            <a:endParaRPr lang="zh-CN" altLang="en-US" sz="1600">
-              <a:latin typeface="宋体" panose="02010600030101010101" pitchFamily="2" charset="-122"/>
-              <a:ea typeface="宋体" panose="02010600030101010101" pitchFamily="2" charset="-122"/>
-            </a:endParaRPr>
-          </a:p>
-          <a:p>
-            <a:pPr lvl="1"/>
-            <a:r>
-              <a:rPr lang="zh-CN" altLang="en-US" sz="1600">
-                <a:latin typeface="宋体" panose="02010600030101010101" pitchFamily="2" charset="-122"/>
-                <a:ea typeface="宋体" panose="02010600030101010101" pitchFamily="2" charset="-122"/>
-              </a:rPr>
-              <a:t>&lt;/book&gt;</a:t>
-            </a:r>
-            <a:endParaRPr lang="zh-CN" altLang="en-US" sz="1600">
-              <a:latin typeface="宋体" panose="02010600030101010101" pitchFamily="2" charset="-122"/>
-              <a:ea typeface="宋体" panose="02010600030101010101" pitchFamily="2" charset="-122"/>
-            </a:endParaRPr>
-          </a:p>
-          <a:p>
-            <a:r>
-              <a:rPr lang="zh-CN" altLang="en-US" sz="1600">
-                <a:latin typeface="宋体" panose="02010600030101010101" pitchFamily="2" charset="-122"/>
-                <a:ea typeface="宋体" panose="02010600030101010101" pitchFamily="2" charset="-122"/>
-              </a:rPr>
-              <a:t>&lt;/bookstore&gt;</a:t>
-            </a:r>
-            <a:endParaRPr lang="zh-CN" altLang="en-US" sz="1600">
-              <a:latin typeface="宋体" panose="02010600030101010101" pitchFamily="2" charset="-122"/>
-              <a:ea typeface="宋体" panose="02010600030101010101" pitchFamily="2" charset="-122"/>
-            </a:endParaRPr>
-          </a:p>
-        </p:txBody>
-      </p:sp>
+      </p:pic>
     </p:spTree>
     <p:custDataLst>
-      <p:tags r:id="rId2"/>
+      <p:tags r:id="rId3"/>
     </p:custDataLst>
   </p:cSld>
   <p:clrMapOvr>
@@ -6883,8 +6442,8 @@
         </p:nvSpPr>
         <p:spPr>
           <a:xfrm>
-            <a:off x="275590" y="800735"/>
-            <a:ext cx="11593830" cy="5262245"/>
+            <a:off x="299085" y="1431925"/>
+            <a:ext cx="11593830" cy="2306955"/>
           </a:xfrm>
           <a:prstGeom prst="rect">
             <a:avLst/>
@@ -6896,153 +6455,8 @@
             <a:spAutoFit/>
           </a:bodyPr>
           <a:p>
-            <a:pPr algn="l">
-              <a:buClrTx/>
-              <a:buSzTx/>
-              <a:buNone/>
-            </a:pPr>
-            <a:r>
-              <a:rPr lang="zh-CN" altLang="en-US" sz="1600">
-                <a:latin typeface="宋体" panose="02010600030101010101" pitchFamily="2" charset="-122"/>
-                <a:ea typeface="宋体" panose="02010600030101010101" pitchFamily="2" charset="-122"/>
-                <a:cs typeface="宋体" panose="02010600030101010101" pitchFamily="2" charset="-122"/>
-                <a:sym typeface="+mn-ea"/>
-              </a:rPr>
-              <a:t>路径表达式语法:</a:t>
-            </a:r>
-            <a:endParaRPr lang="zh-CN" altLang="en-US" sz="1600">
-              <a:latin typeface="宋体" panose="02010600030101010101" pitchFamily="2" charset="-122"/>
-              <a:ea typeface="宋体" panose="02010600030101010101" pitchFamily="2" charset="-122"/>
-              <a:cs typeface="宋体" panose="02010600030101010101" pitchFamily="2" charset="-122"/>
-            </a:endParaRPr>
-          </a:p>
-          <a:p>
-            <a:pPr algn="l">
-              <a:buClrTx/>
-              <a:buSzTx/>
-              <a:buNone/>
-            </a:pPr>
-            <a:r>
-              <a:rPr lang="zh-CN" altLang="en-US" sz="1600">
-                <a:latin typeface="宋体" panose="02010600030101010101" pitchFamily="2" charset="-122"/>
-                <a:ea typeface="宋体" panose="02010600030101010101" pitchFamily="2" charset="-122"/>
-                <a:cs typeface="宋体" panose="02010600030101010101" pitchFamily="2" charset="-122"/>
-                <a:sym typeface="+mn-ea"/>
-              </a:rPr>
-              <a:t>斜杠（/）作为路径内部的分割符。</a:t>
-            </a:r>
-            <a:endParaRPr lang="zh-CN" altLang="en-US" sz="1600">
-              <a:latin typeface="宋体" panose="02010600030101010101" pitchFamily="2" charset="-122"/>
-              <a:ea typeface="宋体" panose="02010600030101010101" pitchFamily="2" charset="-122"/>
-              <a:cs typeface="宋体" panose="02010600030101010101" pitchFamily="2" charset="-122"/>
-            </a:endParaRPr>
-          </a:p>
-          <a:p>
-            <a:pPr algn="l">
-              <a:buClrTx/>
-              <a:buSzTx/>
-              <a:buNone/>
-            </a:pPr>
-            <a:r>
-              <a:rPr lang="zh-CN" altLang="en-US" sz="1600">
-                <a:latin typeface="宋体" panose="02010600030101010101" pitchFamily="2" charset="-122"/>
-                <a:ea typeface="宋体" panose="02010600030101010101" pitchFamily="2" charset="-122"/>
-                <a:cs typeface="宋体" panose="02010600030101010101" pitchFamily="2" charset="-122"/>
-                <a:sym typeface="+mn-ea"/>
-              </a:rPr>
-              <a:t>同一个节点有绝对路径和相对路径两种写法:</a:t>
-            </a:r>
-            <a:endParaRPr lang="zh-CN" altLang="en-US" sz="1600">
-              <a:latin typeface="宋体" panose="02010600030101010101" pitchFamily="2" charset="-122"/>
-              <a:ea typeface="宋体" panose="02010600030101010101" pitchFamily="2" charset="-122"/>
-              <a:cs typeface="宋体" panose="02010600030101010101" pitchFamily="2" charset="-122"/>
-            </a:endParaRPr>
-          </a:p>
-          <a:p>
-            <a:pPr algn="l">
-              <a:buClrTx/>
-              <a:buSzTx/>
-              <a:buNone/>
-            </a:pPr>
-            <a:r>
-              <a:rPr lang="zh-CN" altLang="en-US" sz="1600">
-                <a:latin typeface="宋体" panose="02010600030101010101" pitchFamily="2" charset="-122"/>
-                <a:ea typeface="宋体" panose="02010600030101010101" pitchFamily="2" charset="-122"/>
-                <a:cs typeface="宋体" panose="02010600030101010101" pitchFamily="2" charset="-122"/>
-                <a:sym typeface="+mn-ea"/>
-              </a:rPr>
-              <a:t>绝对路径（absolute path）必须用"/"起首，后面紧跟根节点，比如/step/step/...。</a:t>
-            </a:r>
-            <a:endParaRPr lang="zh-CN" altLang="en-US" sz="1600">
-              <a:latin typeface="宋体" panose="02010600030101010101" pitchFamily="2" charset="-122"/>
-              <a:ea typeface="宋体" panose="02010600030101010101" pitchFamily="2" charset="-122"/>
-              <a:cs typeface="宋体" panose="02010600030101010101" pitchFamily="2" charset="-122"/>
-            </a:endParaRPr>
-          </a:p>
-          <a:p>
-            <a:pPr algn="l">
-              <a:buClrTx/>
-              <a:buSzTx/>
-              <a:buNone/>
-            </a:pPr>
-            <a:r>
-              <a:rPr lang="zh-CN" altLang="en-US" sz="1600">
-                <a:latin typeface="宋体" panose="02010600030101010101" pitchFamily="2" charset="-122"/>
-                <a:ea typeface="宋体" panose="02010600030101010101" pitchFamily="2" charset="-122"/>
-                <a:cs typeface="宋体" panose="02010600030101010101" pitchFamily="2" charset="-122"/>
-                <a:sym typeface="+mn-ea"/>
-              </a:rPr>
-              <a:t>相对路径（relative path）则是除了绝对路径以外的其他写法，比如 step/step， 也就是不使用"/"起首。</a:t>
-            </a:r>
-            <a:endParaRPr lang="zh-CN" altLang="en-US" sz="1600">
-              <a:latin typeface="宋体" panose="02010600030101010101" pitchFamily="2" charset="-122"/>
-              <a:ea typeface="宋体" panose="02010600030101010101" pitchFamily="2" charset="-122"/>
-              <a:cs typeface="宋体" panose="02010600030101010101" pitchFamily="2" charset="-122"/>
-              <a:sym typeface="+mn-ea"/>
-            </a:endParaRPr>
-          </a:p>
-          <a:p>
-            <a:pPr algn="l">
-              <a:buClrTx/>
-              <a:buSzTx/>
-              <a:buNone/>
-            </a:pPr>
-            <a:endParaRPr lang="zh-CN" altLang="en-US" sz="1600">
-              <a:latin typeface="宋体" panose="02010600030101010101" pitchFamily="2" charset="-122"/>
-              <a:ea typeface="宋体" panose="02010600030101010101" pitchFamily="2" charset="-122"/>
-              <a:cs typeface="宋体" panose="02010600030101010101" pitchFamily="2" charset="-122"/>
-            </a:endParaRPr>
-          </a:p>
-          <a:p>
-            <a:pPr algn="l">
-              <a:buClrTx/>
-              <a:buSzTx/>
-              <a:buNone/>
-            </a:pPr>
-            <a:r>
-              <a:rPr lang="zh-CN" altLang="en-US" sz="1600">
-                <a:latin typeface="宋体" panose="02010600030101010101" pitchFamily="2" charset="-122"/>
-                <a:ea typeface="宋体" panose="02010600030101010101" pitchFamily="2" charset="-122"/>
-                <a:cs typeface="宋体" panose="02010600030101010101" pitchFamily="2" charset="-122"/>
-                <a:sym typeface="+mn-ea"/>
-              </a:rPr>
-              <a:t>表达式	描述</a:t>
-            </a:r>
-            <a:endParaRPr lang="zh-CN" altLang="en-US" sz="1600">
-              <a:latin typeface="宋体" panose="02010600030101010101" pitchFamily="2" charset="-122"/>
-              <a:ea typeface="宋体" panose="02010600030101010101" pitchFamily="2" charset="-122"/>
-              <a:cs typeface="宋体" panose="02010600030101010101" pitchFamily="2" charset="-122"/>
-              <a:sym typeface="+mn-ea"/>
-            </a:endParaRPr>
-          </a:p>
-          <a:p>
-            <a:pPr algn="l">
-              <a:buClrTx/>
-              <a:buSzTx/>
-              <a:buNone/>
-            </a:pPr>
-            <a:r>
-              <a:rPr lang="zh-CN" altLang="en-US" sz="1600">
+            <a:r>
+              <a:rPr lang="en-US" altLang="zh-CN" sz="1600">
                 <a:solidFill>
                   <a:srgbClr val="FF0000"/>
                 </a:solidFill>
@@ -7051,7 +6465,19 @@
                 <a:cs typeface="宋体" panose="02010600030101010101" pitchFamily="2" charset="-122"/>
                 <a:sym typeface="+mn-ea"/>
               </a:rPr>
-              <a:t>nodename	选取此节点的所有子节点。</a:t>
+              <a:t>XPATH </a:t>
+            </a:r>
+            <a:r>
+              <a:rPr lang="zh-CN" altLang="en-US" sz="1600">
+                <a:solidFill>
+                  <a:srgbClr val="FF0000"/>
+                </a:solidFill>
+                <a:latin typeface="宋体" panose="02010600030101010101" pitchFamily="2" charset="-122"/>
+                <a:ea typeface="宋体" panose="02010600030101010101" pitchFamily="2" charset="-122"/>
+                <a:cs typeface="宋体" panose="02010600030101010101" pitchFamily="2" charset="-122"/>
+                <a:sym typeface="+mn-ea"/>
+              </a:rPr>
+              <a:t>路径表达式</a:t>
             </a:r>
             <a:endParaRPr lang="zh-CN" altLang="en-US" sz="1600">
               <a:solidFill>
@@ -7060,30 +6486,167 @@
               <a:latin typeface="宋体" panose="02010600030101010101" pitchFamily="2" charset="-122"/>
               <a:ea typeface="宋体" panose="02010600030101010101" pitchFamily="2" charset="-122"/>
               <a:cs typeface="宋体" panose="02010600030101010101" pitchFamily="2" charset="-122"/>
+            </a:endParaRPr>
+          </a:p>
+          <a:p>
+            <a:r>
+              <a:rPr lang="en-US" altLang="zh-CN" sz="1600">
+                <a:solidFill>
+                  <a:schemeClr val="tx1"/>
+                </a:solidFill>
+                <a:latin typeface="宋体" panose="02010600030101010101" pitchFamily="2" charset="-122"/>
+                <a:ea typeface="宋体" panose="02010600030101010101" pitchFamily="2" charset="-122"/>
+                <a:cs typeface="宋体" panose="02010600030101010101" pitchFamily="2" charset="-122"/>
+                <a:sym typeface="+mn-ea"/>
+              </a:rPr>
+              <a:t>XPath </a:t>
+            </a:r>
+            <a:r>
+              <a:rPr lang="zh-CN" altLang="en-US" sz="1600">
+                <a:solidFill>
+                  <a:schemeClr val="tx1"/>
+                </a:solidFill>
+                <a:latin typeface="宋体" panose="02010600030101010101" pitchFamily="2" charset="-122"/>
+                <a:ea typeface="宋体" panose="02010600030101010101" pitchFamily="2" charset="-122"/>
+                <a:cs typeface="宋体" panose="02010600030101010101" pitchFamily="2" charset="-122"/>
+                <a:sym typeface="+mn-ea"/>
+              </a:rPr>
+              <a:t>是一门在 </a:t>
+            </a:r>
+            <a:r>
+              <a:rPr lang="en-US" altLang="zh-CN" sz="1600">
+                <a:solidFill>
+                  <a:schemeClr val="tx1"/>
+                </a:solidFill>
+                <a:latin typeface="宋体" panose="02010600030101010101" pitchFamily="2" charset="-122"/>
+                <a:ea typeface="宋体" panose="02010600030101010101" pitchFamily="2" charset="-122"/>
+                <a:cs typeface="宋体" panose="02010600030101010101" pitchFamily="2" charset="-122"/>
+                <a:sym typeface="+mn-ea"/>
+              </a:rPr>
+              <a:t>XML </a:t>
+            </a:r>
+            <a:r>
+              <a:rPr lang="zh-CN" altLang="en-US" sz="1600">
+                <a:solidFill>
+                  <a:schemeClr val="tx1"/>
+                </a:solidFill>
+                <a:latin typeface="宋体" panose="02010600030101010101" pitchFamily="2" charset="-122"/>
+                <a:ea typeface="宋体" panose="02010600030101010101" pitchFamily="2" charset="-122"/>
+                <a:cs typeface="宋体" panose="02010600030101010101" pitchFamily="2" charset="-122"/>
+                <a:sym typeface="+mn-ea"/>
+              </a:rPr>
+              <a:t>文档中查找信息的语言。</a:t>
+            </a:r>
+            <a:r>
+              <a:rPr lang="en-US" altLang="zh-CN" sz="1600">
+                <a:solidFill>
+                  <a:schemeClr val="tx1"/>
+                </a:solidFill>
+                <a:latin typeface="宋体" panose="02010600030101010101" pitchFamily="2" charset="-122"/>
+                <a:ea typeface="宋体" panose="02010600030101010101" pitchFamily="2" charset="-122"/>
+                <a:cs typeface="宋体" panose="02010600030101010101" pitchFamily="2" charset="-122"/>
+                <a:sym typeface="+mn-ea"/>
+              </a:rPr>
+              <a:t>XPath </a:t>
+            </a:r>
+            <a:r>
+              <a:rPr lang="zh-CN" altLang="en-US" sz="1600">
+                <a:solidFill>
+                  <a:schemeClr val="tx1"/>
+                </a:solidFill>
+                <a:latin typeface="宋体" panose="02010600030101010101" pitchFamily="2" charset="-122"/>
+                <a:ea typeface="宋体" panose="02010600030101010101" pitchFamily="2" charset="-122"/>
+                <a:cs typeface="宋体" panose="02010600030101010101" pitchFamily="2" charset="-122"/>
+                <a:sym typeface="+mn-ea"/>
+              </a:rPr>
+              <a:t>可用来在 </a:t>
+            </a:r>
+            <a:r>
+              <a:rPr lang="en-US" altLang="zh-CN" sz="1600">
+                <a:solidFill>
+                  <a:schemeClr val="tx1"/>
+                </a:solidFill>
+                <a:latin typeface="宋体" panose="02010600030101010101" pitchFamily="2" charset="-122"/>
+                <a:ea typeface="宋体" panose="02010600030101010101" pitchFamily="2" charset="-122"/>
+                <a:cs typeface="宋体" panose="02010600030101010101" pitchFamily="2" charset="-122"/>
+                <a:sym typeface="+mn-ea"/>
+              </a:rPr>
+              <a:t>XML </a:t>
+            </a:r>
+            <a:r>
+              <a:rPr lang="zh-CN" altLang="en-US" sz="1600">
+                <a:solidFill>
+                  <a:schemeClr val="tx1"/>
+                </a:solidFill>
+                <a:latin typeface="宋体" panose="02010600030101010101" pitchFamily="2" charset="-122"/>
+                <a:ea typeface="宋体" panose="02010600030101010101" pitchFamily="2" charset="-122"/>
+                <a:cs typeface="宋体" panose="02010600030101010101" pitchFamily="2" charset="-122"/>
+                <a:sym typeface="+mn-ea"/>
+              </a:rPr>
+              <a:t>文档中对元素和属性进行遍历。由于我们单纯使用</a:t>
+            </a:r>
+            <a:r>
+              <a:rPr lang="en-US" altLang="zh-CN" sz="1600">
+                <a:solidFill>
+                  <a:schemeClr val="tx1"/>
+                </a:solidFill>
+                <a:latin typeface="宋体" panose="02010600030101010101" pitchFamily="2" charset="-122"/>
+                <a:ea typeface="宋体" panose="02010600030101010101" pitchFamily="2" charset="-122"/>
+                <a:cs typeface="宋体" panose="02010600030101010101" pitchFamily="2" charset="-122"/>
+                <a:sym typeface="+mn-ea"/>
+              </a:rPr>
+              <a:t>dom</a:t>
+            </a:r>
+            <a:r>
+              <a:rPr lang="zh-CN" altLang="en-US" sz="1600">
+                <a:solidFill>
+                  <a:schemeClr val="tx1"/>
+                </a:solidFill>
+                <a:latin typeface="宋体" panose="02010600030101010101" pitchFamily="2" charset="-122"/>
+                <a:ea typeface="宋体" panose="02010600030101010101" pitchFamily="2" charset="-122"/>
+                <a:cs typeface="宋体" panose="02010600030101010101" pitchFamily="2" charset="-122"/>
+                <a:sym typeface="+mn-ea"/>
+              </a:rPr>
+              <a:t>定位节点时，大部分时间需要一层一层的处理，如果有了</a:t>
+            </a:r>
+            <a:r>
+              <a:rPr lang="en-US" altLang="zh-CN" sz="1600">
+                <a:solidFill>
+                  <a:schemeClr val="tx1"/>
+                </a:solidFill>
+                <a:latin typeface="宋体" panose="02010600030101010101" pitchFamily="2" charset="-122"/>
+                <a:ea typeface="宋体" panose="02010600030101010101" pitchFamily="2" charset="-122"/>
+                <a:cs typeface="宋体" panose="02010600030101010101" pitchFamily="2" charset="-122"/>
+                <a:sym typeface="+mn-ea"/>
+              </a:rPr>
+              <a:t>xPath</a:t>
+            </a:r>
+            <a:r>
+              <a:rPr lang="zh-CN" altLang="en-US" sz="1600">
+                <a:solidFill>
+                  <a:schemeClr val="tx1"/>
+                </a:solidFill>
+                <a:latin typeface="宋体" panose="02010600030101010101" pitchFamily="2" charset="-122"/>
+                <a:ea typeface="宋体" panose="02010600030101010101" pitchFamily="2" charset="-122"/>
+                <a:cs typeface="宋体" panose="02010600030101010101" pitchFamily="2" charset="-122"/>
+                <a:sym typeface="+mn-ea"/>
+              </a:rPr>
+              <a:t>，我们定位我们的节点将变得很轻松。他可以根据路径，属性，甚至是条件进行节点的检索。</a:t>
+            </a:r>
+            <a:endParaRPr lang="zh-CN" altLang="en-US" sz="1600">
+              <a:solidFill>
+                <a:schemeClr val="tx1"/>
+              </a:solidFill>
+              <a:latin typeface="宋体" panose="02010600030101010101" pitchFamily="2" charset="-122"/>
+              <a:ea typeface="宋体" panose="02010600030101010101" pitchFamily="2" charset="-122"/>
+              <a:cs typeface="宋体" panose="02010600030101010101" pitchFamily="2" charset="-122"/>
               <a:sym typeface="+mn-ea"/>
             </a:endParaRPr>
           </a:p>
           <a:p>
-            <a:pPr algn="l">
-              <a:buClrTx/>
-              <a:buSzTx/>
-              <a:buNone/>
-            </a:pPr>
-            <a:r>
-              <a:rPr lang="zh-CN" altLang="en-US" sz="1600">
-                <a:solidFill>
-                  <a:srgbClr val="FF0000"/>
-                </a:solidFill>
-                <a:latin typeface="宋体" panose="02010600030101010101" pitchFamily="2" charset="-122"/>
-                <a:ea typeface="宋体" panose="02010600030101010101" pitchFamily="2" charset="-122"/>
-                <a:cs typeface="宋体" panose="02010600030101010101" pitchFamily="2" charset="-122"/>
-                <a:sym typeface="+mn-ea"/>
-              </a:rPr>
-              <a:t>	从根节点选取。</a:t>
-            </a:r>
             <a:endParaRPr lang="zh-CN" altLang="en-US" sz="1600">
               <a:solidFill>
-                <a:srgbClr val="FF0000"/>
+                <a:schemeClr val="tx1"/>
               </a:solidFill>
               <a:latin typeface="宋体" panose="02010600030101010101" pitchFamily="2" charset="-122"/>
               <a:ea typeface="宋体" panose="02010600030101010101" pitchFamily="2" charset="-122"/>
@@ -7092,435 +6655,291 @@
             </a:endParaRPr>
           </a:p>
           <a:p>
-            <a:pPr algn="l">
-              <a:buClrTx/>
-              <a:buSzTx/>
-              <a:buNone/>
-            </a:pPr>
-            <a:r>
-              <a:rPr lang="zh-CN" altLang="en-US" sz="1600">
-                <a:solidFill>
-                  <a:srgbClr val="FF0000"/>
-                </a:solidFill>
-                <a:latin typeface="宋体" panose="02010600030101010101" pitchFamily="2" charset="-122"/>
-                <a:ea typeface="宋体" panose="02010600030101010101" pitchFamily="2" charset="-122"/>
-                <a:cs typeface="宋体" panose="02010600030101010101" pitchFamily="2" charset="-122"/>
-                <a:sym typeface="+mn-ea"/>
-              </a:rPr>
-              <a:t>//	从匹配选择的当前节点选择文档中的节点，而不考虑它们的位置。</a:t>
+            <a:r>
+              <a:rPr lang="zh-CN" altLang="en-US" sz="1600">
+                <a:latin typeface="宋体" panose="02010600030101010101" pitchFamily="2" charset="-122"/>
+                <a:ea typeface="宋体" panose="02010600030101010101" pitchFamily="2" charset="-122"/>
+                <a:cs typeface="宋体" panose="02010600030101010101" pitchFamily="2" charset="-122"/>
+                <a:sym typeface="+mn-ea"/>
+              </a:rPr>
+              <a:t>XPath 使用路径表达式在 XML 文档中进行导航</a:t>
+            </a:r>
+            <a:endParaRPr lang="zh-CN" altLang="en-US" sz="1600">
+              <a:latin typeface="宋体" panose="02010600030101010101" pitchFamily="2" charset="-122"/>
+              <a:ea typeface="宋体" panose="02010600030101010101" pitchFamily="2" charset="-122"/>
+              <a:cs typeface="宋体" panose="02010600030101010101" pitchFamily="2" charset="-122"/>
+            </a:endParaRPr>
+          </a:p>
+          <a:p>
+            <a:r>
+              <a:rPr lang="zh-CN" altLang="en-US" sz="1600">
+                <a:latin typeface="宋体" panose="02010600030101010101" pitchFamily="2" charset="-122"/>
+                <a:ea typeface="宋体" panose="02010600030101010101" pitchFamily="2" charset="-122"/>
+                <a:cs typeface="宋体" panose="02010600030101010101" pitchFamily="2" charset="-122"/>
+                <a:sym typeface="+mn-ea"/>
+              </a:rPr>
+              <a:t>XPath 包含一个标准函数库</a:t>
+            </a:r>
+            <a:endParaRPr lang="zh-CN" altLang="en-US" sz="1600">
+              <a:latin typeface="宋体" panose="02010600030101010101" pitchFamily="2" charset="-122"/>
+              <a:ea typeface="宋体" panose="02010600030101010101" pitchFamily="2" charset="-122"/>
+              <a:cs typeface="宋体" panose="02010600030101010101" pitchFamily="2" charset="-122"/>
+            </a:endParaRPr>
+          </a:p>
+          <a:p>
+            <a:r>
+              <a:rPr lang="zh-CN" altLang="en-US" sz="1600">
+                <a:latin typeface="宋体" panose="02010600030101010101" pitchFamily="2" charset="-122"/>
+                <a:ea typeface="宋体" panose="02010600030101010101" pitchFamily="2" charset="-122"/>
+                <a:cs typeface="宋体" panose="02010600030101010101" pitchFamily="2" charset="-122"/>
+                <a:sym typeface="+mn-ea"/>
+              </a:rPr>
+              <a:t>XPath 是 XSLT 中的主要元素</a:t>
+            </a:r>
+            <a:endParaRPr lang="zh-CN" altLang="en-US" sz="1600">
+              <a:latin typeface="宋体" panose="02010600030101010101" pitchFamily="2" charset="-122"/>
+              <a:ea typeface="宋体" panose="02010600030101010101" pitchFamily="2" charset="-122"/>
+              <a:cs typeface="宋体" panose="02010600030101010101" pitchFamily="2" charset="-122"/>
+            </a:endParaRPr>
+          </a:p>
+          <a:p>
+            <a:r>
+              <a:rPr lang="zh-CN" altLang="en-US" sz="1600">
+                <a:latin typeface="宋体" panose="02010600030101010101" pitchFamily="2" charset="-122"/>
+                <a:ea typeface="宋体" panose="02010600030101010101" pitchFamily="2" charset="-122"/>
+                <a:cs typeface="宋体" panose="02010600030101010101" pitchFamily="2" charset="-122"/>
+                <a:sym typeface="+mn-ea"/>
+              </a:rPr>
+              <a:t>XPath 是一个 W3C 标准</a:t>
             </a:r>
             <a:endParaRPr lang="zh-CN" altLang="en-US" sz="1600">
               <a:solidFill>
-                <a:srgbClr val="FF0000"/>
+                <a:schemeClr val="tx1"/>
               </a:solidFill>
               <a:latin typeface="宋体" panose="02010600030101010101" pitchFamily="2" charset="-122"/>
               <a:ea typeface="宋体" panose="02010600030101010101" pitchFamily="2" charset="-122"/>
               <a:cs typeface="宋体" panose="02010600030101010101" pitchFamily="2" charset="-122"/>
-              <a:sym typeface="+mn-ea"/>
-            </a:endParaRPr>
-          </a:p>
-          <a:p>
-            <a:pPr algn="l">
-              <a:buClrTx/>
-              <a:buSzTx/>
-              <a:buNone/>
-            </a:pPr>
-            <a:r>
-              <a:rPr lang="zh-CN" altLang="en-US" sz="1600">
-                <a:solidFill>
-                  <a:srgbClr val="FF0000"/>
-                </a:solidFill>
-                <a:latin typeface="宋体" panose="02010600030101010101" pitchFamily="2" charset="-122"/>
-                <a:ea typeface="宋体" panose="02010600030101010101" pitchFamily="2" charset="-122"/>
-                <a:cs typeface="宋体" panose="02010600030101010101" pitchFamily="2" charset="-122"/>
-                <a:sym typeface="+mn-ea"/>
-              </a:rPr>
-              <a:t>.	选取当前节点。</a:t>
-            </a:r>
-            <a:endParaRPr lang="zh-CN" altLang="en-US" sz="1600">
-              <a:solidFill>
-                <a:srgbClr val="FF0000"/>
-              </a:solidFill>
-              <a:latin typeface="宋体" panose="02010600030101010101" pitchFamily="2" charset="-122"/>
-              <a:ea typeface="宋体" panose="02010600030101010101" pitchFamily="2" charset="-122"/>
-              <a:cs typeface="宋体" panose="02010600030101010101" pitchFamily="2" charset="-122"/>
-              <a:sym typeface="+mn-ea"/>
-            </a:endParaRPr>
-          </a:p>
-          <a:p>
-            <a:pPr algn="l">
-              <a:buClrTx/>
-              <a:buSzTx/>
-              <a:buNone/>
-            </a:pPr>
-            <a:r>
-              <a:rPr lang="zh-CN" altLang="en-US" sz="1600">
-                <a:solidFill>
-                  <a:srgbClr val="FF0000"/>
-                </a:solidFill>
-                <a:latin typeface="宋体" panose="02010600030101010101" pitchFamily="2" charset="-122"/>
-                <a:ea typeface="宋体" panose="02010600030101010101" pitchFamily="2" charset="-122"/>
-                <a:cs typeface="宋体" panose="02010600030101010101" pitchFamily="2" charset="-122"/>
-                <a:sym typeface="+mn-ea"/>
-              </a:rPr>
-              <a:t>..	选取当前节点的父节点。</a:t>
-            </a:r>
-            <a:endParaRPr lang="zh-CN" altLang="en-US" sz="1600">
-              <a:solidFill>
-                <a:srgbClr val="FF0000"/>
-              </a:solidFill>
-              <a:latin typeface="宋体" panose="02010600030101010101" pitchFamily="2" charset="-122"/>
-              <a:ea typeface="宋体" panose="02010600030101010101" pitchFamily="2" charset="-122"/>
-              <a:cs typeface="宋体" panose="02010600030101010101" pitchFamily="2" charset="-122"/>
-              <a:sym typeface="+mn-ea"/>
-            </a:endParaRPr>
-          </a:p>
-          <a:p>
-            <a:pPr algn="l">
-              <a:buClrTx/>
-              <a:buSzTx/>
-              <a:buNone/>
-            </a:pPr>
-            <a:r>
-              <a:rPr lang="zh-CN" altLang="en-US" sz="1600">
-                <a:solidFill>
-                  <a:srgbClr val="FF0000"/>
-                </a:solidFill>
-                <a:latin typeface="宋体" panose="02010600030101010101" pitchFamily="2" charset="-122"/>
-                <a:ea typeface="宋体" panose="02010600030101010101" pitchFamily="2" charset="-122"/>
-                <a:cs typeface="宋体" panose="02010600030101010101" pitchFamily="2" charset="-122"/>
-                <a:sym typeface="+mn-ea"/>
-              </a:rPr>
-              <a:t>@	选取属性。</a:t>
-            </a:r>
-            <a:endParaRPr lang="zh-CN" altLang="en-US" sz="1600">
-              <a:solidFill>
-                <a:srgbClr val="FF0000"/>
-              </a:solidFill>
-              <a:latin typeface="宋体" panose="02010600030101010101" pitchFamily="2" charset="-122"/>
-              <a:ea typeface="宋体" panose="02010600030101010101" pitchFamily="2" charset="-122"/>
-              <a:cs typeface="宋体" panose="02010600030101010101" pitchFamily="2" charset="-122"/>
-              <a:sym typeface="+mn-ea"/>
-            </a:endParaRPr>
-          </a:p>
-          <a:p>
-            <a:pPr algn="l">
-              <a:buClrTx/>
-              <a:buSzTx/>
-              <a:buNone/>
-            </a:pPr>
-            <a:endParaRPr lang="zh-CN" altLang="en-US" sz="1600">
-              <a:latin typeface="宋体" panose="02010600030101010101" pitchFamily="2" charset="-122"/>
-              <a:ea typeface="宋体" panose="02010600030101010101" pitchFamily="2" charset="-122"/>
-              <a:cs typeface="宋体" panose="02010600030101010101" pitchFamily="2" charset="-122"/>
-              <a:sym typeface="+mn-ea"/>
-            </a:endParaRPr>
-          </a:p>
-          <a:p>
-            <a:pPr algn="l">
-              <a:buClrTx/>
-              <a:buSzTx/>
-              <a:buNone/>
-            </a:pPr>
-            <a:r>
-              <a:rPr lang="zh-CN" altLang="en-US" sz="1600">
-                <a:solidFill>
-                  <a:schemeClr val="accent1">
-                    <a:lumMod val="75000"/>
-                  </a:schemeClr>
-                </a:solidFill>
-                <a:latin typeface="宋体" panose="02010600030101010101" pitchFamily="2" charset="-122"/>
-                <a:ea typeface="宋体" panose="02010600030101010101" pitchFamily="2" charset="-122"/>
-                <a:cs typeface="宋体" panose="02010600030101010101" pitchFamily="2" charset="-122"/>
-                <a:sym typeface="+mn-ea"/>
-              </a:rPr>
-              <a:t>示例：</a:t>
-            </a:r>
-            <a:endParaRPr lang="zh-CN" altLang="en-US" sz="1600">
-              <a:solidFill>
-                <a:schemeClr val="accent1">
-                  <a:lumMod val="75000"/>
-                </a:schemeClr>
-              </a:solidFill>
-              <a:latin typeface="宋体" panose="02010600030101010101" pitchFamily="2" charset="-122"/>
-              <a:ea typeface="宋体" panose="02010600030101010101" pitchFamily="2" charset="-122"/>
-              <a:cs typeface="宋体" panose="02010600030101010101" pitchFamily="2" charset="-122"/>
-              <a:sym typeface="+mn-ea"/>
-            </a:endParaRPr>
-          </a:p>
-          <a:p>
-            <a:pPr algn="l">
-              <a:buClrTx/>
-              <a:buSzTx/>
-              <a:buNone/>
-            </a:pPr>
-            <a:r>
-              <a:rPr lang="zh-CN" altLang="en-US" sz="1600">
-                <a:solidFill>
-                  <a:schemeClr val="accent1">
-                    <a:lumMod val="75000"/>
-                  </a:schemeClr>
-                </a:solidFill>
-                <a:latin typeface="宋体" panose="02010600030101010101" pitchFamily="2" charset="-122"/>
-                <a:ea typeface="宋体" panose="02010600030101010101" pitchFamily="2" charset="-122"/>
-                <a:cs typeface="宋体" panose="02010600030101010101" pitchFamily="2" charset="-122"/>
-                <a:sym typeface="+mn-ea"/>
-              </a:rPr>
-              <a:t>bookstore	选取 bookstore 元素的所有子节点。</a:t>
-            </a:r>
-            <a:endParaRPr lang="zh-CN" altLang="en-US" sz="1600">
-              <a:solidFill>
-                <a:schemeClr val="accent1">
-                  <a:lumMod val="75000"/>
-                </a:schemeClr>
-              </a:solidFill>
-              <a:latin typeface="宋体" panose="02010600030101010101" pitchFamily="2" charset="-122"/>
-              <a:ea typeface="宋体" panose="02010600030101010101" pitchFamily="2" charset="-122"/>
-              <a:cs typeface="宋体" panose="02010600030101010101" pitchFamily="2" charset="-122"/>
-              <a:sym typeface="+mn-ea"/>
-            </a:endParaRPr>
-          </a:p>
-          <a:p>
-            <a:pPr algn="l">
-              <a:buClrTx/>
-              <a:buSzTx/>
-              <a:buNone/>
-            </a:pPr>
-            <a:r>
-              <a:rPr lang="zh-CN" altLang="en-US" sz="1600">
-                <a:solidFill>
-                  <a:schemeClr val="accent1">
-                    <a:lumMod val="75000"/>
-                  </a:schemeClr>
-                </a:solidFill>
-                <a:latin typeface="宋体" panose="02010600030101010101" pitchFamily="2" charset="-122"/>
-                <a:ea typeface="宋体" panose="02010600030101010101" pitchFamily="2" charset="-122"/>
-                <a:cs typeface="宋体" panose="02010600030101010101" pitchFamily="2" charset="-122"/>
-                <a:sym typeface="+mn-ea"/>
-              </a:rPr>
-              <a:t>/bookstore</a:t>
-            </a:r>
-            <a:r>
-              <a:rPr lang="en-US" altLang="zh-CN" sz="1600">
-                <a:solidFill>
-                  <a:schemeClr val="accent1">
-                    <a:lumMod val="75000"/>
-                  </a:schemeClr>
-                </a:solidFill>
-                <a:latin typeface="宋体" panose="02010600030101010101" pitchFamily="2" charset="-122"/>
-                <a:ea typeface="宋体" panose="02010600030101010101" pitchFamily="2" charset="-122"/>
-                <a:cs typeface="宋体" panose="02010600030101010101" pitchFamily="2" charset="-122"/>
-                <a:sym typeface="+mn-ea"/>
-              </a:rPr>
-              <a:t>	</a:t>
-            </a:r>
-            <a:r>
-              <a:rPr lang="zh-CN" altLang="en-US" sz="1600">
-                <a:solidFill>
-                  <a:schemeClr val="accent1">
-                    <a:lumMod val="75000"/>
-                  </a:schemeClr>
-                </a:solidFill>
-                <a:latin typeface="宋体" panose="02010600030101010101" pitchFamily="2" charset="-122"/>
-                <a:ea typeface="宋体" panose="02010600030101010101" pitchFamily="2" charset="-122"/>
-                <a:cs typeface="宋体" panose="02010600030101010101" pitchFamily="2" charset="-122"/>
-                <a:sym typeface="+mn-ea"/>
-              </a:rPr>
-              <a:t>选取根元素 bookstore。</a:t>
-            </a:r>
-            <a:endParaRPr lang="zh-CN" altLang="en-US" sz="1600">
-              <a:solidFill>
-                <a:schemeClr val="accent1">
-                  <a:lumMod val="75000"/>
-                </a:schemeClr>
-              </a:solidFill>
-              <a:latin typeface="宋体" panose="02010600030101010101" pitchFamily="2" charset="-122"/>
-              <a:ea typeface="宋体" panose="02010600030101010101" pitchFamily="2" charset="-122"/>
-              <a:cs typeface="宋体" panose="02010600030101010101" pitchFamily="2" charset="-122"/>
-              <a:sym typeface="+mn-ea"/>
-            </a:endParaRPr>
-          </a:p>
-          <a:p>
-            <a:pPr algn="l">
-              <a:buClrTx/>
-              <a:buSzTx/>
-              <a:buNone/>
-            </a:pPr>
-            <a:r>
-              <a:rPr lang="zh-CN" altLang="en-US" sz="1600">
-                <a:solidFill>
-                  <a:schemeClr val="accent1">
-                    <a:lumMod val="75000"/>
-                  </a:schemeClr>
-                </a:solidFill>
-                <a:latin typeface="宋体" panose="02010600030101010101" pitchFamily="2" charset="-122"/>
-                <a:ea typeface="宋体" panose="02010600030101010101" pitchFamily="2" charset="-122"/>
-                <a:cs typeface="宋体" panose="02010600030101010101" pitchFamily="2" charset="-122"/>
-                <a:sym typeface="+mn-ea"/>
-              </a:rPr>
-              <a:t>bookstore/book	选取属于 bookstore 的子元素的所有 book 元素。</a:t>
-            </a:r>
-            <a:endParaRPr lang="zh-CN" altLang="en-US" sz="1600">
-              <a:solidFill>
-                <a:schemeClr val="accent1">
-                  <a:lumMod val="75000"/>
-                </a:schemeClr>
-              </a:solidFill>
-              <a:latin typeface="宋体" panose="02010600030101010101" pitchFamily="2" charset="-122"/>
-              <a:ea typeface="宋体" panose="02010600030101010101" pitchFamily="2" charset="-122"/>
-              <a:cs typeface="宋体" panose="02010600030101010101" pitchFamily="2" charset="-122"/>
-              <a:sym typeface="+mn-ea"/>
-            </a:endParaRPr>
-          </a:p>
-          <a:p>
-            <a:pPr algn="l">
-              <a:buClrTx/>
-              <a:buSzTx/>
-              <a:buNone/>
-            </a:pPr>
-            <a:r>
-              <a:rPr lang="zh-CN" altLang="en-US" sz="1600">
-                <a:solidFill>
-                  <a:schemeClr val="accent1">
-                    <a:lumMod val="75000"/>
-                  </a:schemeClr>
-                </a:solidFill>
-                <a:latin typeface="宋体" panose="02010600030101010101" pitchFamily="2" charset="-122"/>
-                <a:ea typeface="宋体" panose="02010600030101010101" pitchFamily="2" charset="-122"/>
-                <a:cs typeface="宋体" panose="02010600030101010101" pitchFamily="2" charset="-122"/>
-                <a:sym typeface="+mn-ea"/>
-              </a:rPr>
-              <a:t>//book	</a:t>
-            </a:r>
-            <a:r>
-              <a:rPr lang="en-US" altLang="zh-CN" sz="1600">
-                <a:solidFill>
-                  <a:schemeClr val="accent1">
-                    <a:lumMod val="75000"/>
-                  </a:schemeClr>
-                </a:solidFill>
-                <a:latin typeface="宋体" panose="02010600030101010101" pitchFamily="2" charset="-122"/>
-                <a:ea typeface="宋体" panose="02010600030101010101" pitchFamily="2" charset="-122"/>
-                <a:cs typeface="宋体" panose="02010600030101010101" pitchFamily="2" charset="-122"/>
-                <a:sym typeface="+mn-ea"/>
-              </a:rPr>
-              <a:t>	</a:t>
-            </a:r>
-            <a:r>
-              <a:rPr lang="zh-CN" altLang="en-US" sz="1600">
-                <a:solidFill>
-                  <a:schemeClr val="accent1">
-                    <a:lumMod val="75000"/>
-                  </a:schemeClr>
-                </a:solidFill>
-                <a:latin typeface="宋体" panose="02010600030101010101" pitchFamily="2" charset="-122"/>
-                <a:ea typeface="宋体" panose="02010600030101010101" pitchFamily="2" charset="-122"/>
-                <a:cs typeface="宋体" panose="02010600030101010101" pitchFamily="2" charset="-122"/>
-                <a:sym typeface="+mn-ea"/>
-              </a:rPr>
-              <a:t>选取所有 book 子元素，而不管它们在文档中的位置。</a:t>
-            </a:r>
-            <a:endParaRPr lang="zh-CN" altLang="en-US" sz="1600">
-              <a:solidFill>
-                <a:schemeClr val="accent1">
-                  <a:lumMod val="75000"/>
-                </a:schemeClr>
-              </a:solidFill>
-              <a:latin typeface="宋体" panose="02010600030101010101" pitchFamily="2" charset="-122"/>
-              <a:ea typeface="宋体" panose="02010600030101010101" pitchFamily="2" charset="-122"/>
-              <a:cs typeface="宋体" panose="02010600030101010101" pitchFamily="2" charset="-122"/>
-              <a:sym typeface="+mn-ea"/>
-            </a:endParaRPr>
-          </a:p>
-          <a:p>
-            <a:pPr algn="l">
-              <a:buClrTx/>
-              <a:buSzTx/>
-              <a:buNone/>
-            </a:pPr>
-            <a:r>
-              <a:rPr lang="zh-CN" altLang="en-US" sz="1600">
-                <a:solidFill>
-                  <a:schemeClr val="accent1">
-                    <a:lumMod val="75000"/>
-                  </a:schemeClr>
-                </a:solidFill>
-                <a:latin typeface="宋体" panose="02010600030101010101" pitchFamily="2" charset="-122"/>
-                <a:ea typeface="宋体" panose="02010600030101010101" pitchFamily="2" charset="-122"/>
-                <a:cs typeface="宋体" panose="02010600030101010101" pitchFamily="2" charset="-122"/>
-                <a:sym typeface="+mn-ea"/>
-              </a:rPr>
-              <a:t>bookstore//book	选择属于 bookstore 元素的后代的所有 book 元素，而不管它们位于 bookstore 之下的什么位置。</a:t>
-            </a:r>
-            <a:endParaRPr lang="zh-CN" altLang="en-US" sz="1600">
-              <a:solidFill>
-                <a:schemeClr val="accent1">
-                  <a:lumMod val="75000"/>
-                </a:schemeClr>
-              </a:solidFill>
-              <a:latin typeface="宋体" panose="02010600030101010101" pitchFamily="2" charset="-122"/>
-              <a:ea typeface="宋体" panose="02010600030101010101" pitchFamily="2" charset="-122"/>
-              <a:cs typeface="宋体" panose="02010600030101010101" pitchFamily="2" charset="-122"/>
-              <a:sym typeface="+mn-ea"/>
-            </a:endParaRPr>
-          </a:p>
-          <a:p>
-            <a:pPr algn="l">
-              <a:buClrTx/>
-              <a:buSzTx/>
-              <a:buNone/>
-            </a:pPr>
-            <a:r>
-              <a:rPr lang="zh-CN" altLang="en-US" sz="1600">
-                <a:solidFill>
-                  <a:schemeClr val="accent1">
-                    <a:lumMod val="75000"/>
-                  </a:schemeClr>
-                </a:solidFill>
-                <a:latin typeface="宋体" panose="02010600030101010101" pitchFamily="2" charset="-122"/>
-                <a:ea typeface="宋体" panose="02010600030101010101" pitchFamily="2" charset="-122"/>
-                <a:cs typeface="宋体" panose="02010600030101010101" pitchFamily="2" charset="-122"/>
-                <a:sym typeface="+mn-ea"/>
-              </a:rPr>
-              <a:t>//@lang	</a:t>
-            </a:r>
-            <a:r>
-              <a:rPr lang="en-US" altLang="zh-CN" sz="1600">
-                <a:solidFill>
-                  <a:schemeClr val="accent1">
-                    <a:lumMod val="75000"/>
-                  </a:schemeClr>
-                </a:solidFill>
-                <a:latin typeface="宋体" panose="02010600030101010101" pitchFamily="2" charset="-122"/>
-                <a:ea typeface="宋体" panose="02010600030101010101" pitchFamily="2" charset="-122"/>
-                <a:cs typeface="宋体" panose="02010600030101010101" pitchFamily="2" charset="-122"/>
-                <a:sym typeface="+mn-ea"/>
-              </a:rPr>
-              <a:t>	</a:t>
-            </a:r>
-            <a:r>
-              <a:rPr lang="zh-CN" altLang="en-US" sz="1600">
-                <a:solidFill>
-                  <a:schemeClr val="accent1">
-                    <a:lumMod val="75000"/>
-                  </a:schemeClr>
-                </a:solidFill>
-                <a:latin typeface="宋体" panose="02010600030101010101" pitchFamily="2" charset="-122"/>
-                <a:ea typeface="宋体" panose="02010600030101010101" pitchFamily="2" charset="-122"/>
-                <a:cs typeface="宋体" panose="02010600030101010101" pitchFamily="2" charset="-122"/>
-                <a:sym typeface="+mn-ea"/>
-              </a:rPr>
-              <a:t>选取名为 lang 的所有属性。</a:t>
-            </a:r>
-            <a:endParaRPr lang="zh-CN" altLang="en-US" sz="1600">
-              <a:solidFill>
-                <a:schemeClr val="accent1">
-                  <a:lumMod val="75000"/>
-                </a:schemeClr>
-              </a:solidFill>
-              <a:latin typeface="宋体" panose="02010600030101010101" pitchFamily="2" charset="-122"/>
-              <a:ea typeface="宋体" panose="02010600030101010101" pitchFamily="2" charset="-122"/>
-              <a:cs typeface="宋体" panose="02010600030101010101" pitchFamily="2" charset="-122"/>
+            </a:endParaRPr>
+          </a:p>
+        </p:txBody>
+      </p:sp>
+      <p:sp>
+        <p:nvSpPr>
+          <p:cNvPr id="2" name="文本框 1"/>
+          <p:cNvSpPr txBox="1"/>
+          <p:nvPr/>
+        </p:nvSpPr>
+        <p:spPr>
+          <a:xfrm>
+            <a:off x="5843905" y="3424555"/>
+            <a:ext cx="5709285" cy="2799715"/>
+          </a:xfrm>
+          <a:prstGeom prst="rect">
+            <a:avLst/>
+          </a:prstGeom>
+          <a:noFill/>
+        </p:spPr>
+        <p:txBody>
+          <a:bodyPr wrap="square" rtlCol="0">
+            <a:spAutoFit/>
+          </a:bodyPr>
+          <a:p>
+            <a:r>
+              <a:rPr lang="zh-CN" altLang="en-US" sz="1600">
+                <a:latin typeface="宋体" panose="02010600030101010101" pitchFamily="2" charset="-122"/>
+                <a:ea typeface="宋体" panose="02010600030101010101" pitchFamily="2" charset="-122"/>
+              </a:rPr>
+              <a:t>&lt;?xml version="1.0" encoding="UTF-8"?&gt;</a:t>
+            </a:r>
+            <a:endParaRPr lang="zh-CN" altLang="en-US" sz="1600">
+              <a:latin typeface="宋体" panose="02010600030101010101" pitchFamily="2" charset="-122"/>
+              <a:ea typeface="宋体" panose="02010600030101010101" pitchFamily="2" charset="-122"/>
+            </a:endParaRPr>
+          </a:p>
+          <a:p>
+            <a:r>
+              <a:rPr lang="zh-CN" altLang="en-US" sz="1600">
+                <a:latin typeface="宋体" panose="02010600030101010101" pitchFamily="2" charset="-122"/>
+                <a:ea typeface="宋体" panose="02010600030101010101" pitchFamily="2" charset="-122"/>
+              </a:rPr>
+              <a:t>&lt;bookstore&gt;</a:t>
+            </a:r>
+            <a:endParaRPr lang="zh-CN" altLang="en-US" sz="1600">
+              <a:latin typeface="宋体" panose="02010600030101010101" pitchFamily="2" charset="-122"/>
+              <a:ea typeface="宋体" panose="02010600030101010101" pitchFamily="2" charset="-122"/>
+            </a:endParaRPr>
+          </a:p>
+          <a:p>
+            <a:pPr lvl="1"/>
+            <a:r>
+              <a:rPr lang="zh-CN" altLang="en-US" sz="1600">
+                <a:latin typeface="宋体" panose="02010600030101010101" pitchFamily="2" charset="-122"/>
+                <a:ea typeface="宋体" panose="02010600030101010101" pitchFamily="2" charset="-122"/>
+              </a:rPr>
+              <a:t>&lt;book&gt;</a:t>
+            </a:r>
+            <a:endParaRPr lang="zh-CN" altLang="en-US" sz="1600">
+              <a:latin typeface="宋体" panose="02010600030101010101" pitchFamily="2" charset="-122"/>
+              <a:ea typeface="宋体" panose="02010600030101010101" pitchFamily="2" charset="-122"/>
+            </a:endParaRPr>
+          </a:p>
+          <a:p>
+            <a:pPr lvl="2"/>
+            <a:r>
+              <a:rPr lang="zh-CN" altLang="en-US" sz="1600">
+                <a:latin typeface="宋体" panose="02010600030101010101" pitchFamily="2" charset="-122"/>
+                <a:ea typeface="宋体" panose="02010600030101010101" pitchFamily="2" charset="-122"/>
+              </a:rPr>
+              <a:t>  &lt;title lang="eng"&gt;Harry Potter&lt;/title&gt;</a:t>
+            </a:r>
+            <a:endParaRPr lang="zh-CN" altLang="en-US" sz="1600">
+              <a:latin typeface="宋体" panose="02010600030101010101" pitchFamily="2" charset="-122"/>
+              <a:ea typeface="宋体" panose="02010600030101010101" pitchFamily="2" charset="-122"/>
+            </a:endParaRPr>
+          </a:p>
+          <a:p>
+            <a:pPr lvl="2"/>
+            <a:r>
+              <a:rPr lang="zh-CN" altLang="en-US" sz="1600">
+                <a:latin typeface="宋体" panose="02010600030101010101" pitchFamily="2" charset="-122"/>
+                <a:ea typeface="宋体" panose="02010600030101010101" pitchFamily="2" charset="-122"/>
+              </a:rPr>
+              <a:t>  &lt;price&gt;29.99&lt;/price&gt;</a:t>
+            </a:r>
+            <a:endParaRPr lang="zh-CN" altLang="en-US" sz="1600">
+              <a:latin typeface="宋体" panose="02010600030101010101" pitchFamily="2" charset="-122"/>
+              <a:ea typeface="宋体" panose="02010600030101010101" pitchFamily="2" charset="-122"/>
+            </a:endParaRPr>
+          </a:p>
+          <a:p>
+            <a:pPr lvl="1"/>
+            <a:r>
+              <a:rPr lang="zh-CN" altLang="en-US" sz="1600">
+                <a:latin typeface="宋体" panose="02010600030101010101" pitchFamily="2" charset="-122"/>
+                <a:ea typeface="宋体" panose="02010600030101010101" pitchFamily="2" charset="-122"/>
+              </a:rPr>
+              <a:t>&lt;/book&gt;</a:t>
+            </a:r>
+            <a:endParaRPr lang="zh-CN" altLang="en-US" sz="1600">
+              <a:latin typeface="宋体" panose="02010600030101010101" pitchFamily="2" charset="-122"/>
+              <a:ea typeface="宋体" panose="02010600030101010101" pitchFamily="2" charset="-122"/>
+            </a:endParaRPr>
+          </a:p>
+          <a:p>
+            <a:pPr lvl="1"/>
+            <a:r>
+              <a:rPr lang="zh-CN" altLang="en-US" sz="1600">
+                <a:latin typeface="宋体" panose="02010600030101010101" pitchFamily="2" charset="-122"/>
+                <a:ea typeface="宋体" panose="02010600030101010101" pitchFamily="2" charset="-122"/>
+              </a:rPr>
+              <a:t>&lt;book&gt;</a:t>
+            </a:r>
+            <a:endParaRPr lang="zh-CN" altLang="en-US" sz="1600">
+              <a:latin typeface="宋体" panose="02010600030101010101" pitchFamily="2" charset="-122"/>
+              <a:ea typeface="宋体" panose="02010600030101010101" pitchFamily="2" charset="-122"/>
+            </a:endParaRPr>
+          </a:p>
+          <a:p>
+            <a:pPr lvl="2"/>
+            <a:r>
+              <a:rPr lang="zh-CN" altLang="en-US" sz="1600">
+                <a:latin typeface="宋体" panose="02010600030101010101" pitchFamily="2" charset="-122"/>
+                <a:ea typeface="宋体" panose="02010600030101010101" pitchFamily="2" charset="-122"/>
+              </a:rPr>
+              <a:t>  &lt;title lang="eng"&gt;Learning XML&lt;/title&gt;</a:t>
+            </a:r>
+            <a:endParaRPr lang="zh-CN" altLang="en-US" sz="1600">
+              <a:latin typeface="宋体" panose="02010600030101010101" pitchFamily="2" charset="-122"/>
+              <a:ea typeface="宋体" panose="02010600030101010101" pitchFamily="2" charset="-122"/>
+            </a:endParaRPr>
+          </a:p>
+          <a:p>
+            <a:pPr lvl="2"/>
+            <a:r>
+              <a:rPr lang="zh-CN" altLang="en-US" sz="1600">
+                <a:latin typeface="宋体" panose="02010600030101010101" pitchFamily="2" charset="-122"/>
+                <a:ea typeface="宋体" panose="02010600030101010101" pitchFamily="2" charset="-122"/>
+              </a:rPr>
+              <a:t>  &lt;price&gt;39.95&lt;/price&gt;</a:t>
+            </a:r>
+            <a:endParaRPr lang="zh-CN" altLang="en-US" sz="1600">
+              <a:latin typeface="宋体" panose="02010600030101010101" pitchFamily="2" charset="-122"/>
+              <a:ea typeface="宋体" panose="02010600030101010101" pitchFamily="2" charset="-122"/>
+            </a:endParaRPr>
+          </a:p>
+          <a:p>
+            <a:pPr lvl="1"/>
+            <a:r>
+              <a:rPr lang="zh-CN" altLang="en-US" sz="1600">
+                <a:latin typeface="宋体" panose="02010600030101010101" pitchFamily="2" charset="-122"/>
+                <a:ea typeface="宋体" panose="02010600030101010101" pitchFamily="2" charset="-122"/>
+              </a:rPr>
+              <a:t>&lt;/book&gt;</a:t>
+            </a:r>
+            <a:endParaRPr lang="zh-CN" altLang="en-US" sz="1600">
+              <a:latin typeface="宋体" panose="02010600030101010101" pitchFamily="2" charset="-122"/>
+              <a:ea typeface="宋体" panose="02010600030101010101" pitchFamily="2" charset="-122"/>
+            </a:endParaRPr>
+          </a:p>
+          <a:p>
+            <a:r>
+              <a:rPr lang="zh-CN" altLang="en-US" sz="1600">
+                <a:latin typeface="宋体" panose="02010600030101010101" pitchFamily="2" charset="-122"/>
+                <a:ea typeface="宋体" panose="02010600030101010101" pitchFamily="2" charset="-122"/>
+              </a:rPr>
+              <a:t>&lt;/bookstore&gt;</a:t>
+            </a:r>
+            <a:endParaRPr lang="zh-CN" altLang="en-US" sz="1600">
+              <a:latin typeface="宋体" panose="02010600030101010101" pitchFamily="2" charset="-122"/>
+              <a:ea typeface="宋体" panose="02010600030101010101" pitchFamily="2" charset="-122"/>
+            </a:endParaRPr>
+          </a:p>
+        </p:txBody>
+      </p:sp>
+      <p:sp>
+        <p:nvSpPr>
+          <p:cNvPr id="6" name="文本框 5"/>
+          <p:cNvSpPr txBox="1"/>
+          <p:nvPr/>
+        </p:nvSpPr>
+        <p:spPr>
+          <a:xfrm>
+            <a:off x="220980" y="768985"/>
+            <a:ext cx="11749405" cy="583565"/>
+          </a:xfrm>
+          <a:prstGeom prst="rect">
+            <a:avLst/>
+          </a:prstGeom>
+          <a:noFill/>
+        </p:spPr>
+        <p:txBody>
+          <a:bodyPr wrap="square" rtlCol="0">
+            <a:spAutoFit/>
+          </a:bodyPr>
+          <a:p>
+            <a:pPr algn="ctr"/>
+            <a:r>
+              <a:rPr lang="en-US" sz="3200">
+                <a:latin typeface="+mj-ea"/>
+                <a:ea typeface="+mj-ea"/>
+                <a:cs typeface="+mj-ea"/>
+                <a:sym typeface="+mn-ea"/>
+              </a:rPr>
+              <a:t>XPATH </a:t>
+            </a:r>
+            <a:r>
+              <a:rPr lang="zh-CN" altLang="en-US" sz="3200">
+                <a:latin typeface="+mj-ea"/>
+                <a:ea typeface="+mj-ea"/>
+                <a:cs typeface="+mj-ea"/>
+                <a:sym typeface="+mn-ea"/>
+              </a:rPr>
+              <a:t>表达式</a:t>
+            </a:r>
+            <a:endParaRPr lang="zh-CN" altLang="en-US" sz="3200">
+              <a:latin typeface="+mj-ea"/>
+              <a:ea typeface="+mj-ea"/>
+              <a:cs typeface="+mj-ea"/>
               <a:sym typeface="+mn-ea"/>
             </a:endParaRPr>
           </a:p>
@@ -7567,7 +6986,7 @@
         <p:spPr>
           <a:xfrm>
             <a:off x="275590" y="800735"/>
-            <a:ext cx="11593830" cy="6000750"/>
+            <a:ext cx="11593830" cy="5262245"/>
           </a:xfrm>
           <a:prstGeom prst="rect">
             <a:avLst/>
@@ -7591,7 +7010,7 @@
                 <a:cs typeface="宋体" panose="02010600030101010101" pitchFamily="2" charset="-122"/>
                 <a:sym typeface="+mn-ea"/>
               </a:rPr>
-              <a:t> 谓语</a:t>
+              <a:t>路径表达式语法:</a:t>
             </a:r>
             <a:endParaRPr lang="zh-CN" altLang="en-US" sz="1600">
               <a:latin typeface="宋体" panose="02010600030101010101" pitchFamily="2" charset="-122"/>
@@ -7612,34 +7031,12 @@
                 <a:cs typeface="宋体" panose="02010600030101010101" pitchFamily="2" charset="-122"/>
                 <a:sym typeface="+mn-ea"/>
               </a:rPr>
-              <a:t>所谓"谓语条件"，就是对路径表达式的附加条件。所有的条件，</a:t>
-            </a:r>
-            <a:r>
-              <a:rPr lang="zh-CN" altLang="en-US" sz="1600">
-                <a:solidFill>
-                  <a:srgbClr val="FF0000"/>
-                </a:solidFill>
-                <a:latin typeface="宋体" panose="02010600030101010101" pitchFamily="2" charset="-122"/>
-                <a:ea typeface="宋体" panose="02010600030101010101" pitchFamily="2" charset="-122"/>
-                <a:cs typeface="宋体" panose="02010600030101010101" pitchFamily="2" charset="-122"/>
-                <a:sym typeface="+mn-ea"/>
-              </a:rPr>
-              <a:t>都写在方括号"[ ]"中</a:t>
-            </a:r>
-            <a:r>
-              <a:rPr lang="zh-CN" altLang="en-US" sz="1600">
-                <a:latin typeface="宋体" panose="02010600030101010101" pitchFamily="2" charset="-122"/>
-                <a:ea typeface="宋体" panose="02010600030101010101" pitchFamily="2" charset="-122"/>
-                <a:cs typeface="宋体" panose="02010600030101010101" pitchFamily="2" charset="-122"/>
-                <a:sym typeface="+mn-ea"/>
-              </a:rPr>
-              <a:t>，表示对节点进行进一步的筛选。</a:t>
-            </a:r>
-            <a:endParaRPr lang="zh-CN" altLang="en-US" sz="1600">
-              <a:latin typeface="宋体" panose="02010600030101010101" pitchFamily="2" charset="-122"/>
-              <a:ea typeface="宋体" panose="02010600030101010101" pitchFamily="2" charset="-122"/>
-              <a:cs typeface="宋体" panose="02010600030101010101" pitchFamily="2" charset="-122"/>
-              <a:sym typeface="+mn-ea"/>
+              <a:t>斜杠（/）作为路径内部的分割符。</a:t>
+            </a:r>
+            <a:endParaRPr lang="zh-CN" altLang="en-US" sz="1600">
+              <a:latin typeface="宋体" panose="02010600030101010101" pitchFamily="2" charset="-122"/>
+              <a:ea typeface="宋体" panose="02010600030101010101" pitchFamily="2" charset="-122"/>
+              <a:cs typeface="宋体" panose="02010600030101010101" pitchFamily="2" charset="-122"/>
             </a:endParaRPr>
           </a:p>
           <a:p>
@@ -7648,11 +7045,19 @@
               <a:buSzTx/>
               <a:buNone/>
             </a:pPr>
-            <a:endParaRPr lang="zh-CN" altLang="en-US" sz="1600">
-              <a:latin typeface="宋体" panose="02010600030101010101" pitchFamily="2" charset="-122"/>
-              <a:ea typeface="宋体" panose="02010600030101010101" pitchFamily="2" charset="-122"/>
-              <a:cs typeface="宋体" panose="02010600030101010101" pitchFamily="2" charset="-122"/>
-              <a:sym typeface="+mn-ea"/>
+            <a:r>
+              <a:rPr lang="zh-CN" altLang="en-US" sz="1600">
+                <a:latin typeface="宋体" panose="02010600030101010101" pitchFamily="2" charset="-122"/>
+                <a:ea typeface="宋体" panose="02010600030101010101" pitchFamily="2" charset="-122"/>
+                <a:cs typeface="宋体" panose="02010600030101010101" pitchFamily="2" charset="-122"/>
+                <a:sym typeface="+mn-ea"/>
+              </a:rPr>
+              <a:t>同一个节点有绝对路径和相对路径两种写法:</a:t>
+            </a:r>
+            <a:endParaRPr lang="zh-CN" altLang="en-US" sz="1600">
+              <a:latin typeface="宋体" panose="02010600030101010101" pitchFamily="2" charset="-122"/>
+              <a:ea typeface="宋体" panose="02010600030101010101" pitchFamily="2" charset="-122"/>
+              <a:cs typeface="宋体" panose="02010600030101010101" pitchFamily="2" charset="-122"/>
             </a:endParaRPr>
           </a:p>
           <a:p>
@@ -7663,24 +7068,17 @@
             </a:pPr>
             <a:r>
               <a:rPr lang="zh-CN" altLang="en-US" sz="1600">
-                <a:solidFill>
-                  <a:srgbClr val="36A44E"/>
-                </a:solidFill>
-                <a:latin typeface="宋体" panose="02010600030101010101" pitchFamily="2" charset="-122"/>
-                <a:ea typeface="宋体" panose="02010600030101010101" pitchFamily="2" charset="-122"/>
-                <a:cs typeface="宋体" panose="02010600030101010101" pitchFamily="2" charset="-122"/>
-                <a:sym typeface="+mn-ea"/>
-              </a:rPr>
-              <a:t>示例：</a:t>
-            </a:r>
-            <a:endParaRPr lang="zh-CN" altLang="en-US" sz="1600">
-              <a:solidFill>
-                <a:srgbClr val="36A44E"/>
-              </a:solidFill>
-              <a:latin typeface="宋体" panose="02010600030101010101" pitchFamily="2" charset="-122"/>
-              <a:ea typeface="宋体" panose="02010600030101010101" pitchFamily="2" charset="-122"/>
-              <a:cs typeface="宋体" panose="02010600030101010101" pitchFamily="2" charset="-122"/>
-              <a:sym typeface="+mn-ea"/>
+                <a:latin typeface="宋体" panose="02010600030101010101" pitchFamily="2" charset="-122"/>
+                <a:ea typeface="宋体" panose="02010600030101010101" pitchFamily="2" charset="-122"/>
+                <a:cs typeface="宋体" panose="02010600030101010101" pitchFamily="2" charset="-122"/>
+                <a:sym typeface="+mn-ea"/>
+              </a:rPr>
+              <a:t>绝对路径（absolute path）必须用"/"起首，后面紧跟根节点，比如/step/step/...。</a:t>
+            </a:r>
+            <a:endParaRPr lang="zh-CN" altLang="en-US" sz="1600">
+              <a:latin typeface="宋体" panose="02010600030101010101" pitchFamily="2" charset="-122"/>
+              <a:ea typeface="宋体" panose="02010600030101010101" pitchFamily="2" charset="-122"/>
+              <a:cs typeface="宋体" panose="02010600030101010101" pitchFamily="2" charset="-122"/>
             </a:endParaRPr>
           </a:p>
           <a:p>
@@ -7691,44 +7089,14 @@
             </a:pPr>
             <a:r>
               <a:rPr lang="zh-CN" altLang="en-US" sz="1600">
-                <a:solidFill>
-                  <a:srgbClr val="36A44E"/>
-                </a:solidFill>
-                <a:latin typeface="宋体" panose="02010600030101010101" pitchFamily="2" charset="-122"/>
-                <a:ea typeface="宋体" panose="02010600030101010101" pitchFamily="2" charset="-122"/>
-                <a:cs typeface="宋体" panose="02010600030101010101" pitchFamily="2" charset="-122"/>
-                <a:sym typeface="+mn-ea"/>
-              </a:rPr>
-              <a:t>/bookstore/book[1]	</a:t>
-            </a:r>
-            <a:r>
-              <a:rPr lang="en-US" altLang="zh-CN" sz="1600">
-                <a:solidFill>
-                  <a:srgbClr val="36A44E"/>
-                </a:solidFill>
-                <a:latin typeface="宋体" panose="02010600030101010101" pitchFamily="2" charset="-122"/>
-                <a:ea typeface="宋体" panose="02010600030101010101" pitchFamily="2" charset="-122"/>
-                <a:cs typeface="宋体" panose="02010600030101010101" pitchFamily="2" charset="-122"/>
-                <a:sym typeface="+mn-ea"/>
-              </a:rPr>
-              <a:t>	</a:t>
-            </a:r>
-            <a:r>
-              <a:rPr lang="zh-CN" altLang="en-US" sz="1600">
-                <a:solidFill>
-                  <a:srgbClr val="36A44E"/>
-                </a:solidFill>
-                <a:latin typeface="宋体" panose="02010600030101010101" pitchFamily="2" charset="-122"/>
-                <a:ea typeface="宋体" panose="02010600030101010101" pitchFamily="2" charset="-122"/>
-                <a:cs typeface="宋体" panose="02010600030101010101" pitchFamily="2" charset="-122"/>
-                <a:sym typeface="+mn-ea"/>
-              </a:rPr>
-              <a:t>选取属于 bookstore 子元素的第一个 book 元素。</a:t>
-            </a:r>
-            <a:endParaRPr lang="zh-CN" altLang="en-US" sz="1600">
-              <a:solidFill>
-                <a:srgbClr val="36A44E"/>
-              </a:solidFill>
+                <a:latin typeface="宋体" panose="02010600030101010101" pitchFamily="2" charset="-122"/>
+                <a:ea typeface="宋体" panose="02010600030101010101" pitchFamily="2" charset="-122"/>
+                <a:cs typeface="宋体" panose="02010600030101010101" pitchFamily="2" charset="-122"/>
+                <a:sym typeface="+mn-ea"/>
+              </a:rPr>
+              <a:t>相对路径（relative path）则是除了绝对路径以外的其他写法，比如 step/step， 也就是不使用"/"起首。</a:t>
+            </a:r>
+            <a:endParaRPr lang="zh-CN" altLang="en-US" sz="1600">
               <a:latin typeface="宋体" panose="02010600030101010101" pitchFamily="2" charset="-122"/>
               <a:ea typeface="宋体" panose="02010600030101010101" pitchFamily="2" charset="-122"/>
               <a:cs typeface="宋体" panose="02010600030101010101" pitchFamily="2" charset="-122"/>
@@ -7741,50 +7109,10 @@
               <a:buSzTx/>
               <a:buNone/>
             </a:pPr>
-            <a:r>
-              <a:rPr lang="zh-CN" altLang="en-US" sz="1600">
-                <a:solidFill>
-                  <a:srgbClr val="36A44E"/>
-                </a:solidFill>
-                <a:latin typeface="宋体" panose="02010600030101010101" pitchFamily="2" charset="-122"/>
-                <a:ea typeface="宋体" panose="02010600030101010101" pitchFamily="2" charset="-122"/>
-                <a:cs typeface="宋体" panose="02010600030101010101" pitchFamily="2" charset="-122"/>
-                <a:sym typeface="+mn-ea"/>
-              </a:rPr>
-              <a:t>/bookstore/book[last()]	</a:t>
-            </a:r>
-            <a:r>
-              <a:rPr lang="en-US" altLang="zh-CN" sz="1600">
-                <a:solidFill>
-                  <a:srgbClr val="36A44E"/>
-                </a:solidFill>
-                <a:latin typeface="宋体" panose="02010600030101010101" pitchFamily="2" charset="-122"/>
-                <a:ea typeface="宋体" panose="02010600030101010101" pitchFamily="2" charset="-122"/>
-                <a:cs typeface="宋体" panose="02010600030101010101" pitchFamily="2" charset="-122"/>
-                <a:sym typeface="+mn-ea"/>
-              </a:rPr>
-              <a:t>	</a:t>
-            </a:r>
-            <a:r>
-              <a:rPr lang="zh-CN" altLang="en-US" sz="1600">
-                <a:solidFill>
-                  <a:srgbClr val="36A44E"/>
-                </a:solidFill>
-                <a:latin typeface="宋体" panose="02010600030101010101" pitchFamily="2" charset="-122"/>
-                <a:ea typeface="宋体" panose="02010600030101010101" pitchFamily="2" charset="-122"/>
-                <a:cs typeface="宋体" panose="02010600030101010101" pitchFamily="2" charset="-122"/>
-                <a:sym typeface="+mn-ea"/>
-              </a:rPr>
-              <a:t>选取属于 bookstore 子元素的最后一个 book 元素。</a:t>
-            </a:r>
-            <a:endParaRPr lang="zh-CN" altLang="en-US" sz="1600">
-              <a:solidFill>
-                <a:srgbClr val="36A44E"/>
-              </a:solidFill>
-              <a:latin typeface="宋体" panose="02010600030101010101" pitchFamily="2" charset="-122"/>
-              <a:ea typeface="宋体" panose="02010600030101010101" pitchFamily="2" charset="-122"/>
-              <a:cs typeface="宋体" panose="02010600030101010101" pitchFamily="2" charset="-122"/>
-              <a:sym typeface="+mn-ea"/>
+            <a:endParaRPr lang="zh-CN" altLang="en-US" sz="1600">
+              <a:latin typeface="宋体" panose="02010600030101010101" pitchFamily="2" charset="-122"/>
+              <a:ea typeface="宋体" panose="02010600030101010101" pitchFamily="2" charset="-122"/>
+              <a:cs typeface="宋体" panose="02010600030101010101" pitchFamily="2" charset="-122"/>
             </a:endParaRPr>
           </a:p>
           <a:p>
@@ -7795,44 +7123,14 @@
             </a:pPr>
             <a:r>
               <a:rPr lang="zh-CN" altLang="en-US" sz="1600">
-                <a:solidFill>
-                  <a:srgbClr val="36A44E"/>
-                </a:solidFill>
-                <a:latin typeface="宋体" panose="02010600030101010101" pitchFamily="2" charset="-122"/>
-                <a:ea typeface="宋体" panose="02010600030101010101" pitchFamily="2" charset="-122"/>
-                <a:cs typeface="宋体" panose="02010600030101010101" pitchFamily="2" charset="-122"/>
-                <a:sym typeface="+mn-ea"/>
-              </a:rPr>
-              <a:t>/bookstore/book[last()-1]	</a:t>
-            </a:r>
-            <a:r>
-              <a:rPr lang="en-US" altLang="zh-CN" sz="1600">
-                <a:solidFill>
-                  <a:srgbClr val="36A44E"/>
-                </a:solidFill>
-                <a:latin typeface="宋体" panose="02010600030101010101" pitchFamily="2" charset="-122"/>
-                <a:ea typeface="宋体" panose="02010600030101010101" pitchFamily="2" charset="-122"/>
-                <a:cs typeface="宋体" panose="02010600030101010101" pitchFamily="2" charset="-122"/>
-                <a:sym typeface="+mn-ea"/>
-              </a:rPr>
-              <a:t>	</a:t>
-            </a:r>
-            <a:r>
-              <a:rPr lang="zh-CN" altLang="en-US" sz="1600">
-                <a:solidFill>
-                  <a:srgbClr val="36A44E"/>
-                </a:solidFill>
-                <a:latin typeface="宋体" panose="02010600030101010101" pitchFamily="2" charset="-122"/>
-                <a:ea typeface="宋体" panose="02010600030101010101" pitchFamily="2" charset="-122"/>
-                <a:cs typeface="宋体" panose="02010600030101010101" pitchFamily="2" charset="-122"/>
-                <a:sym typeface="+mn-ea"/>
-              </a:rPr>
-              <a:t>选取属于 bookstore 子元素的倒数第二个 book 元素。</a:t>
-            </a:r>
-            <a:endParaRPr lang="zh-CN" altLang="en-US" sz="1600">
-              <a:solidFill>
-                <a:srgbClr val="36A44E"/>
-              </a:solidFill>
+                <a:latin typeface="宋体" panose="02010600030101010101" pitchFamily="2" charset="-122"/>
+                <a:ea typeface="宋体" panose="02010600030101010101" pitchFamily="2" charset="-122"/>
+                <a:cs typeface="宋体" panose="02010600030101010101" pitchFamily="2" charset="-122"/>
+                <a:sym typeface="+mn-ea"/>
+              </a:rPr>
+              <a:t>表达式	描述</a:t>
+            </a:r>
+            <a:endParaRPr lang="zh-CN" altLang="en-US" sz="1600">
               <a:latin typeface="宋体" panose="02010600030101010101" pitchFamily="2" charset="-122"/>
               <a:ea typeface="宋体" panose="02010600030101010101" pitchFamily="2" charset="-122"/>
               <a:cs typeface="宋体" panose="02010600030101010101" pitchFamily="2" charset="-122"/>
@@ -7848,18 +7146,18 @@
             <a:r>
               <a:rPr lang="zh-CN" altLang="en-US" sz="1600">
                 <a:solidFill>
-                  <a:srgbClr val="36A44E"/>
-                </a:solidFill>
-                <a:latin typeface="宋体" panose="02010600030101010101" pitchFamily="2" charset="-122"/>
-                <a:ea typeface="宋体" panose="02010600030101010101" pitchFamily="2" charset="-122"/>
-                <a:cs typeface="宋体" panose="02010600030101010101" pitchFamily="2" charset="-122"/>
-                <a:sym typeface="+mn-ea"/>
-              </a:rPr>
-              <a:t>/bookstore/book[position()&lt;3]	选取最前面的两个属于 bookstore 元素的子元素的 book 元素。</a:t>
+                  <a:srgbClr val="FF0000"/>
+                </a:solidFill>
+                <a:latin typeface="宋体" panose="02010600030101010101" pitchFamily="2" charset="-122"/>
+                <a:ea typeface="宋体" panose="02010600030101010101" pitchFamily="2" charset="-122"/>
+                <a:cs typeface="宋体" panose="02010600030101010101" pitchFamily="2" charset="-122"/>
+                <a:sym typeface="+mn-ea"/>
+              </a:rPr>
+              <a:t>nodename	选取此节点的所有子节点。</a:t>
             </a:r>
             <a:endParaRPr lang="zh-CN" altLang="en-US" sz="1600">
               <a:solidFill>
-                <a:srgbClr val="36A44E"/>
+                <a:srgbClr val="FF0000"/>
               </a:solidFill>
               <a:latin typeface="宋体" panose="02010600030101010101" pitchFamily="2" charset="-122"/>
               <a:ea typeface="宋体" panose="02010600030101010101" pitchFamily="2" charset="-122"/>
@@ -7876,42 +7174,18 @@
             <a:r>
               <a:rPr lang="zh-CN" altLang="en-US" sz="1600">
                 <a:solidFill>
-                  <a:srgbClr val="36A44E"/>
-                </a:solidFill>
-                <a:latin typeface="宋体" panose="02010600030101010101" pitchFamily="2" charset="-122"/>
-                <a:ea typeface="宋体" panose="02010600030101010101" pitchFamily="2" charset="-122"/>
-                <a:cs typeface="宋体" panose="02010600030101010101" pitchFamily="2" charset="-122"/>
-                <a:sym typeface="+mn-ea"/>
-              </a:rPr>
-              <a:t>//title[@lang]	</a:t>
-            </a:r>
-            <a:r>
-              <a:rPr lang="en-US" altLang="zh-CN" sz="1600">
-                <a:solidFill>
-                  <a:srgbClr val="36A44E"/>
-                </a:solidFill>
-                <a:latin typeface="宋体" panose="02010600030101010101" pitchFamily="2" charset="-122"/>
-                <a:ea typeface="宋体" panose="02010600030101010101" pitchFamily="2" charset="-122"/>
-                <a:cs typeface="宋体" panose="02010600030101010101" pitchFamily="2" charset="-122"/>
-                <a:sym typeface="+mn-ea"/>
-              </a:rPr>
-              <a:t>		</a:t>
-            </a:r>
-            <a:r>
-              <a:rPr lang="zh-CN" altLang="en-US" sz="1600">
-                <a:solidFill>
-                  <a:srgbClr val="36A44E"/>
-                </a:solidFill>
-                <a:latin typeface="宋体" panose="02010600030101010101" pitchFamily="2" charset="-122"/>
-                <a:ea typeface="宋体" panose="02010600030101010101" pitchFamily="2" charset="-122"/>
-                <a:cs typeface="宋体" panose="02010600030101010101" pitchFamily="2" charset="-122"/>
-                <a:sym typeface="+mn-ea"/>
-              </a:rPr>
-              <a:t>选取所有拥有名为 lang 的属性的 title 元素。</a:t>
+                  <a:srgbClr val="FF0000"/>
+                </a:solidFill>
+                <a:latin typeface="宋体" panose="02010600030101010101" pitchFamily="2" charset="-122"/>
+                <a:ea typeface="宋体" panose="02010600030101010101" pitchFamily="2" charset="-122"/>
+                <a:cs typeface="宋体" panose="02010600030101010101" pitchFamily="2" charset="-122"/>
+                <a:sym typeface="+mn-ea"/>
+              </a:rPr>
+              <a:t>	从根节点选取。</a:t>
             </a:r>
             <a:endParaRPr lang="zh-CN" altLang="en-US" sz="1600">
               <a:solidFill>
-                <a:srgbClr val="36A44E"/>
+                <a:srgbClr val="FF0000"/>
               </a:solidFill>
               <a:latin typeface="宋体" panose="02010600030101010101" pitchFamily="2" charset="-122"/>
               <a:ea typeface="宋体" panose="02010600030101010101" pitchFamily="2" charset="-122"/>
@@ -7928,42 +7202,18 @@
             <a:r>
               <a:rPr lang="zh-CN" altLang="en-US" sz="1600">
                 <a:solidFill>
-                  <a:srgbClr val="36A44E"/>
-                </a:solidFill>
-                <a:latin typeface="宋体" panose="02010600030101010101" pitchFamily="2" charset="-122"/>
-                <a:ea typeface="宋体" panose="02010600030101010101" pitchFamily="2" charset="-122"/>
-                <a:cs typeface="宋体" panose="02010600030101010101" pitchFamily="2" charset="-122"/>
-                <a:sym typeface="+mn-ea"/>
-              </a:rPr>
-              <a:t>//title[@lang='eng']	</a:t>
-            </a:r>
-            <a:r>
-              <a:rPr lang="en-US" altLang="zh-CN" sz="1600">
-                <a:solidFill>
-                  <a:srgbClr val="36A44E"/>
-                </a:solidFill>
-                <a:latin typeface="宋体" panose="02010600030101010101" pitchFamily="2" charset="-122"/>
-                <a:ea typeface="宋体" panose="02010600030101010101" pitchFamily="2" charset="-122"/>
-                <a:cs typeface="宋体" panose="02010600030101010101" pitchFamily="2" charset="-122"/>
-                <a:sym typeface="+mn-ea"/>
-              </a:rPr>
-              <a:t>	</a:t>
-            </a:r>
-            <a:r>
-              <a:rPr lang="zh-CN" altLang="en-US" sz="1600">
-                <a:solidFill>
-                  <a:srgbClr val="36A44E"/>
-                </a:solidFill>
-                <a:latin typeface="宋体" panose="02010600030101010101" pitchFamily="2" charset="-122"/>
-                <a:ea typeface="宋体" panose="02010600030101010101" pitchFamily="2" charset="-122"/>
-                <a:cs typeface="宋体" panose="02010600030101010101" pitchFamily="2" charset="-122"/>
-                <a:sym typeface="+mn-ea"/>
-              </a:rPr>
-              <a:t>选取所有 title 元素，且这些元素拥有值为 eng 的 lang 属性。</a:t>
+                  <a:srgbClr val="FF0000"/>
+                </a:solidFill>
+                <a:latin typeface="宋体" panose="02010600030101010101" pitchFamily="2" charset="-122"/>
+                <a:ea typeface="宋体" panose="02010600030101010101" pitchFamily="2" charset="-122"/>
+                <a:cs typeface="宋体" panose="02010600030101010101" pitchFamily="2" charset="-122"/>
+                <a:sym typeface="+mn-ea"/>
+              </a:rPr>
+              <a:t>//	从匹配选择的当前节点选择文档中的节点，而不考虑它们的位置。</a:t>
             </a:r>
             <a:endParaRPr lang="zh-CN" altLang="en-US" sz="1600">
               <a:solidFill>
-                <a:srgbClr val="36A44E"/>
+                <a:srgbClr val="FF0000"/>
               </a:solidFill>
               <a:latin typeface="宋体" panose="02010600030101010101" pitchFamily="2" charset="-122"/>
               <a:ea typeface="宋体" panose="02010600030101010101" pitchFamily="2" charset="-122"/>
@@ -7980,18 +7230,18 @@
             <a:r>
               <a:rPr lang="zh-CN" altLang="en-US" sz="1600">
                 <a:solidFill>
-                  <a:srgbClr val="36A44E"/>
-                </a:solidFill>
-                <a:latin typeface="宋体" panose="02010600030101010101" pitchFamily="2" charset="-122"/>
-                <a:ea typeface="宋体" panose="02010600030101010101" pitchFamily="2" charset="-122"/>
-                <a:cs typeface="宋体" panose="02010600030101010101" pitchFamily="2" charset="-122"/>
-                <a:sym typeface="+mn-ea"/>
-              </a:rPr>
-              <a:t>/bookstore/book[price&gt;35.00]	选取 bookstore 元素的所有 book 元素，且其中的 price 元素的值须大于 35.00。</a:t>
+                  <a:srgbClr val="FF0000"/>
+                </a:solidFill>
+                <a:latin typeface="宋体" panose="02010600030101010101" pitchFamily="2" charset="-122"/>
+                <a:ea typeface="宋体" panose="02010600030101010101" pitchFamily="2" charset="-122"/>
+                <a:cs typeface="宋体" panose="02010600030101010101" pitchFamily="2" charset="-122"/>
+                <a:sym typeface="+mn-ea"/>
+              </a:rPr>
+              <a:t>.	选取当前节点。</a:t>
             </a:r>
             <a:endParaRPr lang="zh-CN" altLang="en-US" sz="1600">
               <a:solidFill>
-                <a:srgbClr val="36A44E"/>
+                <a:srgbClr val="FF0000"/>
               </a:solidFill>
               <a:latin typeface="宋体" panose="02010600030101010101" pitchFamily="2" charset="-122"/>
               <a:ea typeface="宋体" panose="02010600030101010101" pitchFamily="2" charset="-122"/>
@@ -8008,16 +7258,19 @@
             <a:r>
               <a:rPr lang="zh-CN" altLang="en-US" sz="1600">
                 <a:solidFill>
-                  <a:srgbClr val="36A44E"/>
-                </a:solidFill>
-                <a:latin typeface="宋体" panose="02010600030101010101" pitchFamily="2" charset="-122"/>
-                <a:ea typeface="宋体" panose="02010600030101010101" pitchFamily="2" charset="-122"/>
-                <a:cs typeface="宋体" panose="02010600030101010101" pitchFamily="2" charset="-122"/>
-                <a:sym typeface="+mn-ea"/>
-              </a:rPr>
-              <a:t>/bookstore/book[price&gt;35.00]/title	选取 bookstore 元素中的 book 元素的所有 title 元素，且其中的 price 元素的值须大于 35.00。</a:t>
-            </a:r>
-            <a:endParaRPr lang="zh-CN" altLang="en-US" sz="1600">
+                  <a:srgbClr val="FF0000"/>
+                </a:solidFill>
+                <a:latin typeface="宋体" panose="02010600030101010101" pitchFamily="2" charset="-122"/>
+                <a:ea typeface="宋体" panose="02010600030101010101" pitchFamily="2" charset="-122"/>
+                <a:cs typeface="宋体" panose="02010600030101010101" pitchFamily="2" charset="-122"/>
+                <a:sym typeface="+mn-ea"/>
+              </a:rPr>
+              <a:t>..	选取当前节点的父节点。</a:t>
+            </a:r>
+            <a:endParaRPr lang="zh-CN" altLang="en-US" sz="1600">
+              <a:solidFill>
+                <a:srgbClr val="FF0000"/>
+              </a:solidFill>
               <a:latin typeface="宋体" panose="02010600030101010101" pitchFamily="2" charset="-122"/>
               <a:ea typeface="宋体" panose="02010600030101010101" pitchFamily="2" charset="-122"/>
               <a:cs typeface="宋体" panose="02010600030101010101" pitchFamily="2" charset="-122"/>
@@ -8030,10 +7283,26 @@
               <a:buSzTx/>
               <a:buNone/>
             </a:pPr>
-            <a:endParaRPr lang="zh-CN" altLang="en-US" sz="1600">
-              <a:latin typeface="宋体" panose="02010600030101010101" pitchFamily="2" charset="-122"/>
-              <a:ea typeface="宋体" panose="02010600030101010101" pitchFamily="2" charset="-122"/>
-              <a:cs typeface="宋体" panose="02010600030101010101" pitchFamily="2" charset="-122"/>
+            <a:r>
+              <a:rPr lang="zh-CN" altLang="en-US" sz="1600">
+                <a:solidFill>
+                  <a:srgbClr val="FF0000"/>
+                </a:solidFill>
+                <a:latin typeface="宋体" panose="02010600030101010101" pitchFamily="2" charset="-122"/>
+                <a:ea typeface="宋体" panose="02010600030101010101" pitchFamily="2" charset="-122"/>
+                <a:cs typeface="宋体" panose="02010600030101010101" pitchFamily="2" charset="-122"/>
+                <a:sym typeface="+mn-ea"/>
+              </a:rPr>
+              <a:t>@	选取属性。</a:t>
+            </a:r>
+            <a:endParaRPr lang="zh-CN" altLang="en-US" sz="1600">
+              <a:solidFill>
+                <a:srgbClr val="FF0000"/>
+              </a:solidFill>
+              <a:latin typeface="宋体" panose="02010600030101010101" pitchFamily="2" charset="-122"/>
+              <a:ea typeface="宋体" panose="02010600030101010101" pitchFamily="2" charset="-122"/>
+              <a:cs typeface="宋体" panose="02010600030101010101" pitchFamily="2" charset="-122"/>
+              <a:sym typeface="+mn-ea"/>
             </a:endParaRPr>
           </a:p>
           <a:p>
@@ -8042,25 +7311,11 @@
               <a:buSzTx/>
               <a:buNone/>
             </a:pPr>
-            <a:r>
-              <a:rPr lang="zh-CN" altLang="en-US" sz="1600">
-                <a:solidFill>
-                  <a:srgbClr val="FF0000"/>
-                </a:solidFill>
-                <a:latin typeface="宋体" panose="02010600030101010101" pitchFamily="2" charset="-122"/>
-                <a:ea typeface="宋体" panose="02010600030101010101" pitchFamily="2" charset="-122"/>
-                <a:cs typeface="宋体" panose="02010600030101010101" pitchFamily="2" charset="-122"/>
-                <a:sym typeface="+mn-ea"/>
-              </a:rPr>
-              <a:t>通配符</a:t>
-            </a:r>
-            <a:endParaRPr lang="zh-CN" altLang="en-US" sz="1600">
-              <a:solidFill>
-                <a:srgbClr val="FF0000"/>
-              </a:solidFill>
-              <a:latin typeface="宋体" panose="02010600030101010101" pitchFamily="2" charset="-122"/>
-              <a:ea typeface="宋体" panose="02010600030101010101" pitchFamily="2" charset="-122"/>
-              <a:cs typeface="宋体" panose="02010600030101010101" pitchFamily="2" charset="-122"/>
+            <a:endParaRPr lang="zh-CN" altLang="en-US" sz="1600">
+              <a:latin typeface="宋体" panose="02010600030101010101" pitchFamily="2" charset="-122"/>
+              <a:ea typeface="宋体" panose="02010600030101010101" pitchFamily="2" charset="-122"/>
+              <a:cs typeface="宋体" panose="02010600030101010101" pitchFamily="2" charset="-122"/>
+              <a:sym typeface="+mn-ea"/>
             </a:endParaRPr>
           </a:p>
           <a:p>
@@ -8072,22 +7327,27 @@
             <a:r>
               <a:rPr lang="zh-CN" altLang="en-US" sz="1600">
                 <a:solidFill>
-                  <a:srgbClr val="FF0000"/>
-                </a:solidFill>
-                <a:latin typeface="宋体" panose="02010600030101010101" pitchFamily="2" charset="-122"/>
-                <a:ea typeface="宋体" panose="02010600030101010101" pitchFamily="2" charset="-122"/>
-                <a:cs typeface="宋体" panose="02010600030101010101" pitchFamily="2" charset="-122"/>
-                <a:sym typeface="+mn-ea"/>
-              </a:rPr>
-              <a:t>通配符的使用如下:</a:t>
+                  <a:schemeClr val="accent1">
+                    <a:lumMod val="75000"/>
+                  </a:schemeClr>
+                </a:solidFill>
+                <a:latin typeface="宋体" panose="02010600030101010101" pitchFamily="2" charset="-122"/>
+                <a:ea typeface="宋体" panose="02010600030101010101" pitchFamily="2" charset="-122"/>
+                <a:cs typeface="宋体" panose="02010600030101010101" pitchFamily="2" charset="-122"/>
+                <a:sym typeface="+mn-ea"/>
+              </a:rPr>
+              <a:t>示例：</a:t>
             </a:r>
             <a:endParaRPr lang="zh-CN" altLang="en-US" sz="1600">
               <a:solidFill>
-                <a:srgbClr val="FF0000"/>
+                <a:schemeClr val="accent1">
+                  <a:lumMod val="75000"/>
+                </a:schemeClr>
               </a:solidFill>
               <a:latin typeface="宋体" panose="02010600030101010101" pitchFamily="2" charset="-122"/>
               <a:ea typeface="宋体" panose="02010600030101010101" pitchFamily="2" charset="-122"/>
               <a:cs typeface="宋体" panose="02010600030101010101" pitchFamily="2" charset="-122"/>
+              <a:sym typeface="+mn-ea"/>
             </a:endParaRPr>
           </a:p>
           <a:p>
@@ -8099,22 +7359,27 @@
             <a:r>
               <a:rPr lang="zh-CN" altLang="en-US" sz="1600">
                 <a:solidFill>
-                  <a:srgbClr val="FF0000"/>
-                </a:solidFill>
-                <a:latin typeface="宋体" panose="02010600030101010101" pitchFamily="2" charset="-122"/>
-                <a:ea typeface="宋体" panose="02010600030101010101" pitchFamily="2" charset="-122"/>
-                <a:cs typeface="宋体" panose="02010600030101010101" pitchFamily="2" charset="-122"/>
-                <a:sym typeface="+mn-ea"/>
-              </a:rPr>
-              <a:t>"*"表示匹配任何元素节点。</a:t>
+                  <a:schemeClr val="accent1">
+                    <a:lumMod val="75000"/>
+                  </a:schemeClr>
+                </a:solidFill>
+                <a:latin typeface="宋体" panose="02010600030101010101" pitchFamily="2" charset="-122"/>
+                <a:ea typeface="宋体" panose="02010600030101010101" pitchFamily="2" charset="-122"/>
+                <a:cs typeface="宋体" panose="02010600030101010101" pitchFamily="2" charset="-122"/>
+                <a:sym typeface="+mn-ea"/>
+              </a:rPr>
+              <a:t>bookstore	选取 bookstore 元素的所有子节点。</a:t>
             </a:r>
             <a:endParaRPr lang="zh-CN" altLang="en-US" sz="1600">
               <a:solidFill>
-                <a:srgbClr val="FF0000"/>
+                <a:schemeClr val="accent1">
+                  <a:lumMod val="75000"/>
+                </a:schemeClr>
               </a:solidFill>
               <a:latin typeface="宋体" panose="02010600030101010101" pitchFamily="2" charset="-122"/>
               <a:ea typeface="宋体" panose="02010600030101010101" pitchFamily="2" charset="-122"/>
               <a:cs typeface="宋体" panose="02010600030101010101" pitchFamily="2" charset="-122"/>
+              <a:sym typeface="+mn-ea"/>
             </a:endParaRPr>
           </a:p>
           <a:p>
@@ -8126,22 +7391,55 @@
             <a:r>
               <a:rPr lang="zh-CN" altLang="en-US" sz="1600">
                 <a:solidFill>
-                  <a:srgbClr val="FF0000"/>
-                </a:solidFill>
-                <a:latin typeface="宋体" panose="02010600030101010101" pitchFamily="2" charset="-122"/>
-                <a:ea typeface="宋体" panose="02010600030101010101" pitchFamily="2" charset="-122"/>
-                <a:cs typeface="宋体" panose="02010600030101010101" pitchFamily="2" charset="-122"/>
-                <a:sym typeface="+mn-ea"/>
-              </a:rPr>
-              <a:t>"@*"表示匹配任何属性值。</a:t>
+                  <a:schemeClr val="accent1">
+                    <a:lumMod val="75000"/>
+                  </a:schemeClr>
+                </a:solidFill>
+                <a:latin typeface="宋体" panose="02010600030101010101" pitchFamily="2" charset="-122"/>
+                <a:ea typeface="宋体" panose="02010600030101010101" pitchFamily="2" charset="-122"/>
+                <a:cs typeface="宋体" panose="02010600030101010101" pitchFamily="2" charset="-122"/>
+                <a:sym typeface="+mn-ea"/>
+              </a:rPr>
+              <a:t>/bookstore</a:t>
+            </a:r>
+            <a:r>
+              <a:rPr lang="en-US" altLang="zh-CN" sz="1600">
+                <a:solidFill>
+                  <a:schemeClr val="accent1">
+                    <a:lumMod val="75000"/>
+                  </a:schemeClr>
+                </a:solidFill>
+                <a:latin typeface="宋体" panose="02010600030101010101" pitchFamily="2" charset="-122"/>
+                <a:ea typeface="宋体" panose="02010600030101010101" pitchFamily="2" charset="-122"/>
+                <a:cs typeface="宋体" panose="02010600030101010101" pitchFamily="2" charset="-122"/>
+                <a:sym typeface="+mn-ea"/>
+              </a:rPr>
+              <a:t>	</a:t>
+            </a:r>
+            <a:r>
+              <a:rPr lang="zh-CN" altLang="en-US" sz="1600">
+                <a:solidFill>
+                  <a:schemeClr val="accent1">
+                    <a:lumMod val="75000"/>
+                  </a:schemeClr>
+                </a:solidFill>
+                <a:latin typeface="宋体" panose="02010600030101010101" pitchFamily="2" charset="-122"/>
+                <a:ea typeface="宋体" panose="02010600030101010101" pitchFamily="2" charset="-122"/>
+                <a:cs typeface="宋体" panose="02010600030101010101" pitchFamily="2" charset="-122"/>
+                <a:sym typeface="+mn-ea"/>
+              </a:rPr>
+              <a:t>选取根元素 bookstore。</a:t>
             </a:r>
             <a:endParaRPr lang="zh-CN" altLang="en-US" sz="1600">
               <a:solidFill>
-                <a:srgbClr val="FF0000"/>
+                <a:schemeClr val="accent1">
+                  <a:lumMod val="75000"/>
+                </a:schemeClr>
               </a:solidFill>
               <a:latin typeface="宋体" panose="02010600030101010101" pitchFamily="2" charset="-122"/>
               <a:ea typeface="宋体" panose="02010600030101010101" pitchFamily="2" charset="-122"/>
               <a:cs typeface="宋体" panose="02010600030101010101" pitchFamily="2" charset="-122"/>
+              <a:sym typeface="+mn-ea"/>
             </a:endParaRPr>
           </a:p>
           <a:p>
@@ -8153,18 +7451,22 @@
             <a:r>
               <a:rPr lang="zh-CN" altLang="en-US" sz="1600">
                 <a:solidFill>
-                  <a:srgbClr val="FF0000"/>
-                </a:solidFill>
-                <a:latin typeface="宋体" panose="02010600030101010101" pitchFamily="2" charset="-122"/>
-                <a:ea typeface="宋体" panose="02010600030101010101" pitchFamily="2" charset="-122"/>
-                <a:cs typeface="宋体" panose="02010600030101010101" pitchFamily="2" charset="-122"/>
-                <a:sym typeface="+mn-ea"/>
-              </a:rPr>
-              <a:t>node()表示匹配任何类型的节点。</a:t>
+                  <a:schemeClr val="accent1">
+                    <a:lumMod val="75000"/>
+                  </a:schemeClr>
+                </a:solidFill>
+                <a:latin typeface="宋体" panose="02010600030101010101" pitchFamily="2" charset="-122"/>
+                <a:ea typeface="宋体" panose="02010600030101010101" pitchFamily="2" charset="-122"/>
+                <a:cs typeface="宋体" panose="02010600030101010101" pitchFamily="2" charset="-122"/>
+                <a:sym typeface="+mn-ea"/>
+              </a:rPr>
+              <a:t>bookstore/book	选取属于 bookstore 的子元素的所有 book 元素。</a:t>
             </a:r>
             <a:endParaRPr lang="zh-CN" altLang="en-US" sz="1600">
               <a:solidFill>
-                <a:srgbClr val="FF0000"/>
+                <a:schemeClr val="accent1">
+                  <a:lumMod val="75000"/>
+                </a:schemeClr>
               </a:solidFill>
               <a:latin typeface="宋体" panose="02010600030101010101" pitchFamily="2" charset="-122"/>
               <a:ea typeface="宋体" panose="02010600030101010101" pitchFamily="2" charset="-122"/>
@@ -8178,9 +7480,53 @@
               <a:buSzTx/>
               <a:buNone/>
             </a:pPr>
+            <a:r>
+              <a:rPr lang="zh-CN" altLang="en-US" sz="1600">
+                <a:solidFill>
+                  <a:schemeClr val="accent1">
+                    <a:lumMod val="75000"/>
+                  </a:schemeClr>
+                </a:solidFill>
+                <a:latin typeface="宋体" panose="02010600030101010101" pitchFamily="2" charset="-122"/>
+                <a:ea typeface="宋体" panose="02010600030101010101" pitchFamily="2" charset="-122"/>
+                <a:cs typeface="宋体" panose="02010600030101010101" pitchFamily="2" charset="-122"/>
+                <a:sym typeface="+mn-ea"/>
+              </a:rPr>
+              <a:t>//book	</a:t>
+            </a:r>
+            <a:r>
+              <a:rPr lang="en-US" altLang="zh-CN" sz="1600">
+                <a:solidFill>
+                  <a:schemeClr val="accent1">
+                    <a:lumMod val="75000"/>
+                  </a:schemeClr>
+                </a:solidFill>
+                <a:latin typeface="宋体" panose="02010600030101010101" pitchFamily="2" charset="-122"/>
+                <a:ea typeface="宋体" panose="02010600030101010101" pitchFamily="2" charset="-122"/>
+                <a:cs typeface="宋体" panose="02010600030101010101" pitchFamily="2" charset="-122"/>
+                <a:sym typeface="+mn-ea"/>
+              </a:rPr>
+              <a:t>	</a:t>
+            </a:r>
+            <a:r>
+              <a:rPr lang="zh-CN" altLang="en-US" sz="1600">
+                <a:solidFill>
+                  <a:schemeClr val="accent1">
+                    <a:lumMod val="75000"/>
+                  </a:schemeClr>
+                </a:solidFill>
+                <a:latin typeface="宋体" panose="02010600030101010101" pitchFamily="2" charset="-122"/>
+                <a:ea typeface="宋体" panose="02010600030101010101" pitchFamily="2" charset="-122"/>
+                <a:cs typeface="宋体" panose="02010600030101010101" pitchFamily="2" charset="-122"/>
+                <a:sym typeface="+mn-ea"/>
+              </a:rPr>
+              <a:t>选取所有 book 子元素，而不管它们在文档中的位置。</a:t>
+            </a:r>
             <a:endParaRPr lang="zh-CN" altLang="en-US" sz="1600">
               <a:solidFill>
-                <a:srgbClr val="FF0000"/>
+                <a:schemeClr val="accent1">
+                  <a:lumMod val="75000"/>
+                </a:schemeClr>
               </a:solidFill>
               <a:latin typeface="宋体" panose="02010600030101010101" pitchFamily="2" charset="-122"/>
               <a:ea typeface="宋体" panose="02010600030101010101" pitchFamily="2" charset="-122"/>
@@ -8197,18 +7543,22 @@
             <a:r>
               <a:rPr lang="zh-CN" altLang="en-US" sz="1600">
                 <a:solidFill>
-                  <a:srgbClr val="36A44E"/>
-                </a:solidFill>
-                <a:latin typeface="宋体" panose="02010600030101010101" pitchFamily="2" charset="-122"/>
-                <a:ea typeface="宋体" panose="02010600030101010101" pitchFamily="2" charset="-122"/>
-                <a:cs typeface="宋体" panose="02010600030101010101" pitchFamily="2" charset="-122"/>
-                <a:sym typeface="+mn-ea"/>
-              </a:rPr>
-              <a:t>示例：</a:t>
+                  <a:schemeClr val="accent1">
+                    <a:lumMod val="75000"/>
+                  </a:schemeClr>
+                </a:solidFill>
+                <a:latin typeface="宋体" panose="02010600030101010101" pitchFamily="2" charset="-122"/>
+                <a:ea typeface="宋体" panose="02010600030101010101" pitchFamily="2" charset="-122"/>
+                <a:cs typeface="宋体" panose="02010600030101010101" pitchFamily="2" charset="-122"/>
+                <a:sym typeface="+mn-ea"/>
+              </a:rPr>
+              <a:t>bookstore//book	选择属于 bookstore 元素的后代的所有 book 元素，而不管它们位于 bookstore 之下的什么位置。</a:t>
             </a:r>
             <a:endParaRPr lang="zh-CN" altLang="en-US" sz="1600">
               <a:solidFill>
-                <a:srgbClr val="FF0000"/>
+                <a:schemeClr val="accent1">
+                  <a:lumMod val="75000"/>
+                </a:schemeClr>
               </a:solidFill>
               <a:latin typeface="宋体" panose="02010600030101010101" pitchFamily="2" charset="-122"/>
               <a:ea typeface="宋体" panose="02010600030101010101" pitchFamily="2" charset="-122"/>
@@ -8225,98 +7575,50 @@
             <a:r>
               <a:rPr lang="zh-CN" altLang="en-US" sz="1600">
                 <a:solidFill>
-                  <a:srgbClr val="36A44E"/>
-                </a:solidFill>
-                <a:latin typeface="宋体" panose="02010600030101010101" pitchFamily="2" charset="-122"/>
-                <a:ea typeface="宋体" panose="02010600030101010101" pitchFamily="2" charset="-122"/>
-                <a:cs typeface="宋体" panose="02010600030101010101" pitchFamily="2" charset="-122"/>
-                <a:sym typeface="+mn-ea"/>
-              </a:rPr>
-              <a:t>/bookstore/*	选取 bookstore 元素的所有子元素。</a:t>
+                  <a:schemeClr val="accent1">
+                    <a:lumMod val="75000"/>
+                  </a:schemeClr>
+                </a:solidFill>
+                <a:latin typeface="宋体" panose="02010600030101010101" pitchFamily="2" charset="-122"/>
+                <a:ea typeface="宋体" panose="02010600030101010101" pitchFamily="2" charset="-122"/>
+                <a:cs typeface="宋体" panose="02010600030101010101" pitchFamily="2" charset="-122"/>
+                <a:sym typeface="+mn-ea"/>
+              </a:rPr>
+              <a:t>//@lang	</a:t>
+            </a:r>
+            <a:r>
+              <a:rPr lang="en-US" altLang="zh-CN" sz="1600">
+                <a:solidFill>
+                  <a:schemeClr val="accent1">
+                    <a:lumMod val="75000"/>
+                  </a:schemeClr>
+                </a:solidFill>
+                <a:latin typeface="宋体" panose="02010600030101010101" pitchFamily="2" charset="-122"/>
+                <a:ea typeface="宋体" panose="02010600030101010101" pitchFamily="2" charset="-122"/>
+                <a:cs typeface="宋体" panose="02010600030101010101" pitchFamily="2" charset="-122"/>
+                <a:sym typeface="+mn-ea"/>
+              </a:rPr>
+              <a:t>	</a:t>
+            </a:r>
+            <a:r>
+              <a:rPr lang="zh-CN" altLang="en-US" sz="1600">
+                <a:solidFill>
+                  <a:schemeClr val="accent1">
+                    <a:lumMod val="75000"/>
+                  </a:schemeClr>
+                </a:solidFill>
+                <a:latin typeface="宋体" panose="02010600030101010101" pitchFamily="2" charset="-122"/>
+                <a:ea typeface="宋体" panose="02010600030101010101" pitchFamily="2" charset="-122"/>
+                <a:cs typeface="宋体" panose="02010600030101010101" pitchFamily="2" charset="-122"/>
+                <a:sym typeface="+mn-ea"/>
+              </a:rPr>
+              <a:t>选取名为 lang 的所有属性。</a:t>
             </a:r>
             <a:endParaRPr lang="zh-CN" altLang="en-US" sz="1600">
               <a:solidFill>
-                <a:srgbClr val="36A44E"/>
-              </a:solidFill>
-              <a:latin typeface="宋体" panose="02010600030101010101" pitchFamily="2" charset="-122"/>
-              <a:ea typeface="宋体" panose="02010600030101010101" pitchFamily="2" charset="-122"/>
-              <a:cs typeface="宋体" panose="02010600030101010101" pitchFamily="2" charset="-122"/>
-              <a:sym typeface="+mn-ea"/>
-            </a:endParaRPr>
-          </a:p>
-          <a:p>
-            <a:pPr algn="l">
-              <a:buClrTx/>
-              <a:buSzTx/>
-              <a:buNone/>
-            </a:pPr>
-            <a:r>
-              <a:rPr lang="zh-CN" altLang="en-US" sz="1600">
-                <a:solidFill>
-                  <a:srgbClr val="36A44E"/>
-                </a:solidFill>
-                <a:latin typeface="宋体" panose="02010600030101010101" pitchFamily="2" charset="-122"/>
-                <a:ea typeface="宋体" panose="02010600030101010101" pitchFamily="2" charset="-122"/>
-                <a:cs typeface="宋体" panose="02010600030101010101" pitchFamily="2" charset="-122"/>
-                <a:sym typeface="+mn-ea"/>
-              </a:rPr>
-              <a:t>//*	</a:t>
-            </a:r>
-            <a:r>
-              <a:rPr lang="en-US" altLang="zh-CN" sz="1600">
-                <a:solidFill>
-                  <a:srgbClr val="36A44E"/>
-                </a:solidFill>
-                <a:latin typeface="宋体" panose="02010600030101010101" pitchFamily="2" charset="-122"/>
-                <a:ea typeface="宋体" panose="02010600030101010101" pitchFamily="2" charset="-122"/>
-                <a:cs typeface="宋体" panose="02010600030101010101" pitchFamily="2" charset="-122"/>
-                <a:sym typeface="+mn-ea"/>
-              </a:rPr>
-              <a:t>	</a:t>
-            </a:r>
-            <a:r>
-              <a:rPr lang="zh-CN" altLang="en-US" sz="1600">
-                <a:solidFill>
-                  <a:srgbClr val="36A44E"/>
-                </a:solidFill>
-                <a:latin typeface="宋体" panose="02010600030101010101" pitchFamily="2" charset="-122"/>
-                <a:ea typeface="宋体" panose="02010600030101010101" pitchFamily="2" charset="-122"/>
-                <a:cs typeface="宋体" panose="02010600030101010101" pitchFamily="2" charset="-122"/>
-                <a:sym typeface="+mn-ea"/>
-              </a:rPr>
-              <a:t>选取文档中的所有元素。</a:t>
-            </a:r>
-            <a:endParaRPr lang="zh-CN" altLang="en-US" sz="1600">
-              <a:solidFill>
-                <a:srgbClr val="36A44E"/>
-              </a:solidFill>
-              <a:latin typeface="宋体" panose="02010600030101010101" pitchFamily="2" charset="-122"/>
-              <a:ea typeface="宋体" panose="02010600030101010101" pitchFamily="2" charset="-122"/>
-              <a:cs typeface="宋体" panose="02010600030101010101" pitchFamily="2" charset="-122"/>
-              <a:sym typeface="+mn-ea"/>
-            </a:endParaRPr>
-          </a:p>
-          <a:p>
-            <a:pPr algn="l">
-              <a:buClrTx/>
-              <a:buSzTx/>
-              <a:buNone/>
-            </a:pPr>
-            <a:r>
-              <a:rPr lang="zh-CN" altLang="en-US" sz="1600">
-                <a:solidFill>
-                  <a:srgbClr val="36A44E"/>
-                </a:solidFill>
-                <a:latin typeface="宋体" panose="02010600030101010101" pitchFamily="2" charset="-122"/>
-                <a:ea typeface="宋体" panose="02010600030101010101" pitchFamily="2" charset="-122"/>
-                <a:cs typeface="宋体" panose="02010600030101010101" pitchFamily="2" charset="-122"/>
-                <a:sym typeface="+mn-ea"/>
-              </a:rPr>
-              <a:t>//title[@*]	选取所有带有属性的 title 元素。</a:t>
-            </a:r>
-            <a:endParaRPr lang="zh-CN" altLang="en-US" sz="1600">
-              <a:solidFill>
-                <a:srgbClr val="36A44E"/>
+                <a:schemeClr val="accent1">
+                  <a:lumMod val="75000"/>
+                </a:schemeClr>
               </a:solidFill>
               <a:latin typeface="宋体" panose="02010600030101010101" pitchFamily="2" charset="-122"/>
               <a:ea typeface="宋体" panose="02010600030101010101" pitchFamily="2" charset="-122"/>
@@ -8367,7 +7669,7 @@
         <p:spPr>
           <a:xfrm>
             <a:off x="275590" y="800735"/>
-            <a:ext cx="11593830" cy="2061210"/>
+            <a:ext cx="11593830" cy="6000750"/>
           </a:xfrm>
           <a:prstGeom prst="rect">
             <a:avLst/>
@@ -8391,13 +7693,12 @@
                 <a:cs typeface="宋体" panose="02010600030101010101" pitchFamily="2" charset="-122"/>
                 <a:sym typeface="+mn-ea"/>
               </a:rPr>
-              <a:t>选取若干路径</a:t>
-            </a:r>
-            <a:endParaRPr lang="zh-CN" altLang="en-US" sz="1600">
-              <a:latin typeface="宋体" panose="02010600030101010101" pitchFamily="2" charset="-122"/>
-              <a:ea typeface="宋体" panose="02010600030101010101" pitchFamily="2" charset="-122"/>
-              <a:cs typeface="宋体" panose="02010600030101010101" pitchFamily="2" charset="-122"/>
-              <a:sym typeface="+mn-ea"/>
+              <a:t> 谓语</a:t>
+            </a:r>
+            <a:endParaRPr lang="zh-CN" altLang="en-US" sz="1600">
+              <a:latin typeface="宋体" panose="02010600030101010101" pitchFamily="2" charset="-122"/>
+              <a:ea typeface="宋体" panose="02010600030101010101" pitchFamily="2" charset="-122"/>
+              <a:cs typeface="宋体" panose="02010600030101010101" pitchFamily="2" charset="-122"/>
             </a:endParaRPr>
           </a:p>
           <a:p>
@@ -8413,7 +7714,28 @@
                 <a:cs typeface="宋体" panose="02010600030101010101" pitchFamily="2" charset="-122"/>
                 <a:sym typeface="+mn-ea"/>
               </a:rPr>
-              <a:t>通过在路径表达式中使用“|”运算符，您可以选取若干个路径。</a:t>
+              <a:t>所谓"谓语条件"，就是对路径表达式的附加条件。所有的条件，</a:t>
+            </a:r>
+            <a:r>
+              <a:rPr lang="zh-CN" altLang="en-US" sz="1600">
+                <a:solidFill>
+                  <a:srgbClr val="FF0000"/>
+                </a:solidFill>
+                <a:latin typeface="宋体" panose="02010600030101010101" pitchFamily="2" charset="-122"/>
+                <a:ea typeface="宋体" panose="02010600030101010101" pitchFamily="2" charset="-122"/>
+                <a:cs typeface="宋体" panose="02010600030101010101" pitchFamily="2" charset="-122"/>
+                <a:sym typeface="+mn-ea"/>
+              </a:rPr>
+              <a:t>都写在方括号"[ ]"中</a:t>
+            </a:r>
+            <a:r>
+              <a:rPr lang="zh-CN" altLang="en-US" sz="1600">
+                <a:latin typeface="宋体" panose="02010600030101010101" pitchFamily="2" charset="-122"/>
+                <a:ea typeface="宋体" panose="02010600030101010101" pitchFamily="2" charset="-122"/>
+                <a:cs typeface="宋体" panose="02010600030101010101" pitchFamily="2" charset="-122"/>
+                <a:sym typeface="+mn-ea"/>
+              </a:rPr>
+              <a:t>，表示对节点进行进一步的筛选。</a:t>
             </a:r>
             <a:endParaRPr lang="zh-CN" altLang="en-US" sz="1600">
               <a:latin typeface="宋体" panose="02010600030101010101" pitchFamily="2" charset="-122"/>
@@ -8470,7 +7792,7 @@
               <a:buNone/>
             </a:pPr>
             <a:r>
-              <a:rPr sz="1600">
+              <a:rPr lang="zh-CN" altLang="en-US" sz="1600">
                 <a:solidFill>
                   <a:srgbClr val="36A44E"/>
                 </a:solidFill>
@@ -8479,9 +7801,33 @@
                 <a:cs typeface="宋体" panose="02010600030101010101" pitchFamily="2" charset="-122"/>
                 <a:sym typeface="+mn-ea"/>
               </a:rPr>
-              <a:t>//book/title | //book/price	选取 book 元素的所有 title 和 price 元素。</a:t>
-            </a:r>
-            <a:endParaRPr sz="1600">
+              <a:t>/bookstore/book[1]	</a:t>
+            </a:r>
+            <a:r>
+              <a:rPr lang="en-US" altLang="zh-CN" sz="1600">
+                <a:solidFill>
+                  <a:srgbClr val="36A44E"/>
+                </a:solidFill>
+                <a:latin typeface="宋体" panose="02010600030101010101" pitchFamily="2" charset="-122"/>
+                <a:ea typeface="宋体" panose="02010600030101010101" pitchFamily="2" charset="-122"/>
+                <a:cs typeface="宋体" panose="02010600030101010101" pitchFamily="2" charset="-122"/>
+                <a:sym typeface="+mn-ea"/>
+              </a:rPr>
+              <a:t>	</a:t>
+            </a:r>
+            <a:r>
+              <a:rPr lang="zh-CN" altLang="en-US" sz="1600">
+                <a:solidFill>
+                  <a:srgbClr val="36A44E"/>
+                </a:solidFill>
+                <a:latin typeface="宋体" panose="02010600030101010101" pitchFamily="2" charset="-122"/>
+                <a:ea typeface="宋体" panose="02010600030101010101" pitchFamily="2" charset="-122"/>
+                <a:cs typeface="宋体" panose="02010600030101010101" pitchFamily="2" charset="-122"/>
+                <a:sym typeface="+mn-ea"/>
+              </a:rPr>
+              <a:t>选取属于 bookstore 子元素的第一个 book 元素。</a:t>
+            </a:r>
+            <a:endParaRPr lang="zh-CN" altLang="en-US" sz="1600">
               <a:solidFill>
                 <a:srgbClr val="36A44E"/>
               </a:solidFill>
@@ -8498,7 +7844,7 @@
               <a:buNone/>
             </a:pPr>
             <a:r>
-              <a:rPr sz="1600">
+              <a:rPr lang="zh-CN" altLang="en-US" sz="1600">
                 <a:solidFill>
                   <a:srgbClr val="36A44E"/>
                 </a:solidFill>
@@ -8507,10 +7853,10 @@
                 <a:cs typeface="宋体" panose="02010600030101010101" pitchFamily="2" charset="-122"/>
                 <a:sym typeface="+mn-ea"/>
               </a:rPr>
-              <a:t>//title | //price</a:t>
-            </a:r>
-            <a:r>
-              <a:rPr lang="en-US" sz="1600">
+              <a:t>/bookstore/book[last()]	</a:t>
+            </a:r>
+            <a:r>
+              <a:rPr lang="en-US" altLang="zh-CN" sz="1600">
                 <a:solidFill>
                   <a:srgbClr val="36A44E"/>
                 </a:solidFill>
@@ -8519,10 +7865,10 @@
                 <a:cs typeface="宋体" panose="02010600030101010101" pitchFamily="2" charset="-122"/>
                 <a:sym typeface="+mn-ea"/>
               </a:rPr>
-              <a:t>		</a:t>
-            </a:r>
-            <a:r>
-              <a:rPr sz="1600">
+              <a:t>	</a:t>
+            </a:r>
+            <a:r>
+              <a:rPr lang="zh-CN" altLang="en-US" sz="1600">
                 <a:solidFill>
                   <a:srgbClr val="36A44E"/>
                 </a:solidFill>
@@ -8531,9 +7877,9 @@
                 <a:cs typeface="宋体" panose="02010600030101010101" pitchFamily="2" charset="-122"/>
                 <a:sym typeface="+mn-ea"/>
               </a:rPr>
-              <a:t>	选取文档中的所有 title 和 price 元素。</a:t>
-            </a:r>
-            <a:endParaRPr sz="1600">
+              <a:t>选取属于 bookstore 子元素的最后一个 book 元素。</a:t>
+            </a:r>
+            <a:endParaRPr lang="zh-CN" altLang="en-US" sz="1600">
               <a:solidFill>
                 <a:srgbClr val="36A44E"/>
               </a:solidFill>
@@ -8550,7 +7896,7 @@
               <a:buNone/>
             </a:pPr>
             <a:r>
-              <a:rPr sz="1600">
+              <a:rPr lang="zh-CN" altLang="en-US" sz="1600">
                 <a:solidFill>
                   <a:srgbClr val="36A44E"/>
                 </a:solidFill>
@@ -8559,9 +7905,518 @@
                 <a:cs typeface="宋体" panose="02010600030101010101" pitchFamily="2" charset="-122"/>
                 <a:sym typeface="+mn-ea"/>
               </a:rPr>
-              <a:t>/bookstore/book/title | //price	选取属于 bookstore 元素的 book 元素的所有 title 元素，以及文档中所有的 price 元素。</a:t>
-            </a:r>
-            <a:endParaRPr sz="1600">
+              <a:t>/bookstore/book[last()-1]	</a:t>
+            </a:r>
+            <a:r>
+              <a:rPr lang="en-US" altLang="zh-CN" sz="1600">
+                <a:solidFill>
+                  <a:srgbClr val="36A44E"/>
+                </a:solidFill>
+                <a:latin typeface="宋体" panose="02010600030101010101" pitchFamily="2" charset="-122"/>
+                <a:ea typeface="宋体" panose="02010600030101010101" pitchFamily="2" charset="-122"/>
+                <a:cs typeface="宋体" panose="02010600030101010101" pitchFamily="2" charset="-122"/>
+                <a:sym typeface="+mn-ea"/>
+              </a:rPr>
+              <a:t>	</a:t>
+            </a:r>
+            <a:r>
+              <a:rPr lang="zh-CN" altLang="en-US" sz="1600">
+                <a:solidFill>
+                  <a:srgbClr val="36A44E"/>
+                </a:solidFill>
+                <a:latin typeface="宋体" panose="02010600030101010101" pitchFamily="2" charset="-122"/>
+                <a:ea typeface="宋体" panose="02010600030101010101" pitchFamily="2" charset="-122"/>
+                <a:cs typeface="宋体" panose="02010600030101010101" pitchFamily="2" charset="-122"/>
+                <a:sym typeface="+mn-ea"/>
+              </a:rPr>
+              <a:t>选取属于 bookstore 子元素的倒数第二个 book 元素。</a:t>
+            </a:r>
+            <a:endParaRPr lang="zh-CN" altLang="en-US" sz="1600">
+              <a:solidFill>
+                <a:srgbClr val="36A44E"/>
+              </a:solidFill>
+              <a:latin typeface="宋体" panose="02010600030101010101" pitchFamily="2" charset="-122"/>
+              <a:ea typeface="宋体" panose="02010600030101010101" pitchFamily="2" charset="-122"/>
+              <a:cs typeface="宋体" panose="02010600030101010101" pitchFamily="2" charset="-122"/>
+              <a:sym typeface="+mn-ea"/>
+            </a:endParaRPr>
+          </a:p>
+          <a:p>
+            <a:pPr algn="l">
+              <a:buClrTx/>
+              <a:buSzTx/>
+              <a:buNone/>
+            </a:pPr>
+            <a:r>
+              <a:rPr lang="zh-CN" altLang="en-US" sz="1600">
+                <a:solidFill>
+                  <a:srgbClr val="36A44E"/>
+                </a:solidFill>
+                <a:latin typeface="宋体" panose="02010600030101010101" pitchFamily="2" charset="-122"/>
+                <a:ea typeface="宋体" panose="02010600030101010101" pitchFamily="2" charset="-122"/>
+                <a:cs typeface="宋体" panose="02010600030101010101" pitchFamily="2" charset="-122"/>
+                <a:sym typeface="+mn-ea"/>
+              </a:rPr>
+              <a:t>/bookstore/book[position()&lt;3]	选取最前面的两个属于 bookstore 元素的子元素的 book 元素。</a:t>
+            </a:r>
+            <a:endParaRPr lang="zh-CN" altLang="en-US" sz="1600">
+              <a:solidFill>
+                <a:srgbClr val="36A44E"/>
+              </a:solidFill>
+              <a:latin typeface="宋体" panose="02010600030101010101" pitchFamily="2" charset="-122"/>
+              <a:ea typeface="宋体" panose="02010600030101010101" pitchFamily="2" charset="-122"/>
+              <a:cs typeface="宋体" panose="02010600030101010101" pitchFamily="2" charset="-122"/>
+              <a:sym typeface="+mn-ea"/>
+            </a:endParaRPr>
+          </a:p>
+          <a:p>
+            <a:pPr algn="l">
+              <a:buClrTx/>
+              <a:buSzTx/>
+              <a:buNone/>
+            </a:pPr>
+            <a:r>
+              <a:rPr lang="zh-CN" altLang="en-US" sz="1600">
+                <a:solidFill>
+                  <a:srgbClr val="36A44E"/>
+                </a:solidFill>
+                <a:latin typeface="宋体" panose="02010600030101010101" pitchFamily="2" charset="-122"/>
+                <a:ea typeface="宋体" panose="02010600030101010101" pitchFamily="2" charset="-122"/>
+                <a:cs typeface="宋体" panose="02010600030101010101" pitchFamily="2" charset="-122"/>
+                <a:sym typeface="+mn-ea"/>
+              </a:rPr>
+              <a:t>//title[@lang]	</a:t>
+            </a:r>
+            <a:r>
+              <a:rPr lang="en-US" altLang="zh-CN" sz="1600">
+                <a:solidFill>
+                  <a:srgbClr val="36A44E"/>
+                </a:solidFill>
+                <a:latin typeface="宋体" panose="02010600030101010101" pitchFamily="2" charset="-122"/>
+                <a:ea typeface="宋体" panose="02010600030101010101" pitchFamily="2" charset="-122"/>
+                <a:cs typeface="宋体" panose="02010600030101010101" pitchFamily="2" charset="-122"/>
+                <a:sym typeface="+mn-ea"/>
+              </a:rPr>
+              <a:t>		</a:t>
+            </a:r>
+            <a:r>
+              <a:rPr lang="zh-CN" altLang="en-US" sz="1600">
+                <a:solidFill>
+                  <a:srgbClr val="36A44E"/>
+                </a:solidFill>
+                <a:latin typeface="宋体" panose="02010600030101010101" pitchFamily="2" charset="-122"/>
+                <a:ea typeface="宋体" panose="02010600030101010101" pitchFamily="2" charset="-122"/>
+                <a:cs typeface="宋体" panose="02010600030101010101" pitchFamily="2" charset="-122"/>
+                <a:sym typeface="+mn-ea"/>
+              </a:rPr>
+              <a:t>选取所有拥有名为 lang 的属性的 title 元素。</a:t>
+            </a:r>
+            <a:endParaRPr lang="zh-CN" altLang="en-US" sz="1600">
+              <a:solidFill>
+                <a:srgbClr val="36A44E"/>
+              </a:solidFill>
+              <a:latin typeface="宋体" panose="02010600030101010101" pitchFamily="2" charset="-122"/>
+              <a:ea typeface="宋体" panose="02010600030101010101" pitchFamily="2" charset="-122"/>
+              <a:cs typeface="宋体" panose="02010600030101010101" pitchFamily="2" charset="-122"/>
+              <a:sym typeface="+mn-ea"/>
+            </a:endParaRPr>
+          </a:p>
+          <a:p>
+            <a:pPr algn="l">
+              <a:buClrTx/>
+              <a:buSzTx/>
+              <a:buNone/>
+            </a:pPr>
+            <a:r>
+              <a:rPr lang="zh-CN" altLang="en-US" sz="1600">
+                <a:solidFill>
+                  <a:srgbClr val="36A44E"/>
+                </a:solidFill>
+                <a:latin typeface="宋体" panose="02010600030101010101" pitchFamily="2" charset="-122"/>
+                <a:ea typeface="宋体" panose="02010600030101010101" pitchFamily="2" charset="-122"/>
+                <a:cs typeface="宋体" panose="02010600030101010101" pitchFamily="2" charset="-122"/>
+                <a:sym typeface="+mn-ea"/>
+              </a:rPr>
+              <a:t>//title[@lang='eng']	</a:t>
+            </a:r>
+            <a:r>
+              <a:rPr lang="en-US" altLang="zh-CN" sz="1600">
+                <a:solidFill>
+                  <a:srgbClr val="36A44E"/>
+                </a:solidFill>
+                <a:latin typeface="宋体" panose="02010600030101010101" pitchFamily="2" charset="-122"/>
+                <a:ea typeface="宋体" panose="02010600030101010101" pitchFamily="2" charset="-122"/>
+                <a:cs typeface="宋体" panose="02010600030101010101" pitchFamily="2" charset="-122"/>
+                <a:sym typeface="+mn-ea"/>
+              </a:rPr>
+              <a:t>	</a:t>
+            </a:r>
+            <a:r>
+              <a:rPr lang="zh-CN" altLang="en-US" sz="1600">
+                <a:solidFill>
+                  <a:srgbClr val="36A44E"/>
+                </a:solidFill>
+                <a:latin typeface="宋体" panose="02010600030101010101" pitchFamily="2" charset="-122"/>
+                <a:ea typeface="宋体" panose="02010600030101010101" pitchFamily="2" charset="-122"/>
+                <a:cs typeface="宋体" panose="02010600030101010101" pitchFamily="2" charset="-122"/>
+                <a:sym typeface="+mn-ea"/>
+              </a:rPr>
+              <a:t>选取所有 title 元素，且这些元素拥有值为 eng 的 lang 属性。</a:t>
+            </a:r>
+            <a:endParaRPr lang="zh-CN" altLang="en-US" sz="1600">
+              <a:solidFill>
+                <a:srgbClr val="36A44E"/>
+              </a:solidFill>
+              <a:latin typeface="宋体" panose="02010600030101010101" pitchFamily="2" charset="-122"/>
+              <a:ea typeface="宋体" panose="02010600030101010101" pitchFamily="2" charset="-122"/>
+              <a:cs typeface="宋体" panose="02010600030101010101" pitchFamily="2" charset="-122"/>
+              <a:sym typeface="+mn-ea"/>
+            </a:endParaRPr>
+          </a:p>
+          <a:p>
+            <a:pPr algn="l">
+              <a:buClrTx/>
+              <a:buSzTx/>
+              <a:buNone/>
+            </a:pPr>
+            <a:r>
+              <a:rPr lang="zh-CN" altLang="en-US" sz="1600">
+                <a:solidFill>
+                  <a:srgbClr val="36A44E"/>
+                </a:solidFill>
+                <a:latin typeface="宋体" panose="02010600030101010101" pitchFamily="2" charset="-122"/>
+                <a:ea typeface="宋体" panose="02010600030101010101" pitchFamily="2" charset="-122"/>
+                <a:cs typeface="宋体" panose="02010600030101010101" pitchFamily="2" charset="-122"/>
+                <a:sym typeface="+mn-ea"/>
+              </a:rPr>
+              <a:t>/bookstore/book[price&gt;35.00]	选取 bookstore 元素的所有 book 元素，且其中的 price 元素的值须大于 35.00。</a:t>
+            </a:r>
+            <a:endParaRPr lang="zh-CN" altLang="en-US" sz="1600">
+              <a:solidFill>
+                <a:srgbClr val="36A44E"/>
+              </a:solidFill>
+              <a:latin typeface="宋体" panose="02010600030101010101" pitchFamily="2" charset="-122"/>
+              <a:ea typeface="宋体" panose="02010600030101010101" pitchFamily="2" charset="-122"/>
+              <a:cs typeface="宋体" panose="02010600030101010101" pitchFamily="2" charset="-122"/>
+              <a:sym typeface="+mn-ea"/>
+            </a:endParaRPr>
+          </a:p>
+          <a:p>
+            <a:pPr algn="l">
+              <a:buClrTx/>
+              <a:buSzTx/>
+              <a:buNone/>
+            </a:pPr>
+            <a:r>
+              <a:rPr lang="zh-CN" altLang="en-US" sz="1600">
+                <a:solidFill>
+                  <a:srgbClr val="36A44E"/>
+                </a:solidFill>
+                <a:latin typeface="宋体" panose="02010600030101010101" pitchFamily="2" charset="-122"/>
+                <a:ea typeface="宋体" panose="02010600030101010101" pitchFamily="2" charset="-122"/>
+                <a:cs typeface="宋体" panose="02010600030101010101" pitchFamily="2" charset="-122"/>
+                <a:sym typeface="+mn-ea"/>
+              </a:rPr>
+              <a:t>/bookstore/book[price&gt;35.00]/title	选取 bookstore 元素中的 book 元素的所有 title 元素，且其中的 price 元素的值须大于 35.00。</a:t>
+            </a:r>
+            <a:endParaRPr lang="zh-CN" altLang="en-US" sz="1600">
+              <a:latin typeface="宋体" panose="02010600030101010101" pitchFamily="2" charset="-122"/>
+              <a:ea typeface="宋体" panose="02010600030101010101" pitchFamily="2" charset="-122"/>
+              <a:cs typeface="宋体" panose="02010600030101010101" pitchFamily="2" charset="-122"/>
+              <a:sym typeface="+mn-ea"/>
+            </a:endParaRPr>
+          </a:p>
+          <a:p>
+            <a:pPr algn="l">
+              <a:buClrTx/>
+              <a:buSzTx/>
+              <a:buNone/>
+            </a:pPr>
+            <a:endParaRPr lang="zh-CN" altLang="en-US" sz="1600">
+              <a:latin typeface="宋体" panose="02010600030101010101" pitchFamily="2" charset="-122"/>
+              <a:ea typeface="宋体" panose="02010600030101010101" pitchFamily="2" charset="-122"/>
+              <a:cs typeface="宋体" panose="02010600030101010101" pitchFamily="2" charset="-122"/>
+            </a:endParaRPr>
+          </a:p>
+          <a:p>
+            <a:pPr algn="l">
+              <a:buClrTx/>
+              <a:buSzTx/>
+              <a:buNone/>
+            </a:pPr>
+            <a:r>
+              <a:rPr lang="zh-CN" altLang="en-US" sz="1600">
+                <a:solidFill>
+                  <a:srgbClr val="FF0000"/>
+                </a:solidFill>
+                <a:latin typeface="宋体" panose="02010600030101010101" pitchFamily="2" charset="-122"/>
+                <a:ea typeface="宋体" panose="02010600030101010101" pitchFamily="2" charset="-122"/>
+                <a:cs typeface="宋体" panose="02010600030101010101" pitchFamily="2" charset="-122"/>
+                <a:sym typeface="+mn-ea"/>
+              </a:rPr>
+              <a:t>通配符</a:t>
+            </a:r>
+            <a:endParaRPr lang="zh-CN" altLang="en-US" sz="1600">
+              <a:solidFill>
+                <a:srgbClr val="FF0000"/>
+              </a:solidFill>
+              <a:latin typeface="宋体" panose="02010600030101010101" pitchFamily="2" charset="-122"/>
+              <a:ea typeface="宋体" panose="02010600030101010101" pitchFamily="2" charset="-122"/>
+              <a:cs typeface="宋体" panose="02010600030101010101" pitchFamily="2" charset="-122"/>
+            </a:endParaRPr>
+          </a:p>
+          <a:p>
+            <a:pPr algn="l">
+              <a:buClrTx/>
+              <a:buSzTx/>
+              <a:buNone/>
+            </a:pPr>
+            <a:r>
+              <a:rPr lang="zh-CN" altLang="en-US" sz="1600">
+                <a:solidFill>
+                  <a:srgbClr val="FF0000"/>
+                </a:solidFill>
+                <a:latin typeface="宋体" panose="02010600030101010101" pitchFamily="2" charset="-122"/>
+                <a:ea typeface="宋体" panose="02010600030101010101" pitchFamily="2" charset="-122"/>
+                <a:cs typeface="宋体" panose="02010600030101010101" pitchFamily="2" charset="-122"/>
+                <a:sym typeface="+mn-ea"/>
+              </a:rPr>
+              <a:t>通配符的使用如下:</a:t>
+            </a:r>
+            <a:endParaRPr lang="zh-CN" altLang="en-US" sz="1600">
+              <a:solidFill>
+                <a:srgbClr val="FF0000"/>
+              </a:solidFill>
+              <a:latin typeface="宋体" panose="02010600030101010101" pitchFamily="2" charset="-122"/>
+              <a:ea typeface="宋体" panose="02010600030101010101" pitchFamily="2" charset="-122"/>
+              <a:cs typeface="宋体" panose="02010600030101010101" pitchFamily="2" charset="-122"/>
+            </a:endParaRPr>
+          </a:p>
+          <a:p>
+            <a:pPr algn="l">
+              <a:buClrTx/>
+              <a:buSzTx/>
+              <a:buNone/>
+            </a:pPr>
+            <a:r>
+              <a:rPr lang="zh-CN" altLang="en-US" sz="1600">
+                <a:solidFill>
+                  <a:srgbClr val="FF0000"/>
+                </a:solidFill>
+                <a:latin typeface="宋体" panose="02010600030101010101" pitchFamily="2" charset="-122"/>
+                <a:ea typeface="宋体" panose="02010600030101010101" pitchFamily="2" charset="-122"/>
+                <a:cs typeface="宋体" panose="02010600030101010101" pitchFamily="2" charset="-122"/>
+                <a:sym typeface="+mn-ea"/>
+              </a:rPr>
+              <a:t>"*"表示匹配任何元素节点。</a:t>
+            </a:r>
+            <a:endParaRPr lang="zh-CN" altLang="en-US" sz="1600">
+              <a:solidFill>
+                <a:srgbClr val="FF0000"/>
+              </a:solidFill>
+              <a:latin typeface="宋体" panose="02010600030101010101" pitchFamily="2" charset="-122"/>
+              <a:ea typeface="宋体" panose="02010600030101010101" pitchFamily="2" charset="-122"/>
+              <a:cs typeface="宋体" panose="02010600030101010101" pitchFamily="2" charset="-122"/>
+            </a:endParaRPr>
+          </a:p>
+          <a:p>
+            <a:pPr algn="l">
+              <a:buClrTx/>
+              <a:buSzTx/>
+              <a:buNone/>
+            </a:pPr>
+            <a:r>
+              <a:rPr lang="zh-CN" altLang="en-US" sz="1600">
+                <a:solidFill>
+                  <a:srgbClr val="FF0000"/>
+                </a:solidFill>
+                <a:latin typeface="宋体" panose="02010600030101010101" pitchFamily="2" charset="-122"/>
+                <a:ea typeface="宋体" panose="02010600030101010101" pitchFamily="2" charset="-122"/>
+                <a:cs typeface="宋体" panose="02010600030101010101" pitchFamily="2" charset="-122"/>
+                <a:sym typeface="+mn-ea"/>
+              </a:rPr>
+              <a:t>"@*"表示匹配任何属性值。</a:t>
+            </a:r>
+            <a:endParaRPr lang="zh-CN" altLang="en-US" sz="1600">
+              <a:solidFill>
+                <a:srgbClr val="FF0000"/>
+              </a:solidFill>
+              <a:latin typeface="宋体" panose="02010600030101010101" pitchFamily="2" charset="-122"/>
+              <a:ea typeface="宋体" panose="02010600030101010101" pitchFamily="2" charset="-122"/>
+              <a:cs typeface="宋体" panose="02010600030101010101" pitchFamily="2" charset="-122"/>
+            </a:endParaRPr>
+          </a:p>
+          <a:p>
+            <a:pPr algn="l">
+              <a:buClrTx/>
+              <a:buSzTx/>
+              <a:buNone/>
+            </a:pPr>
+            <a:r>
+              <a:rPr lang="zh-CN" altLang="en-US" sz="1600">
+                <a:solidFill>
+                  <a:srgbClr val="FF0000"/>
+                </a:solidFill>
+                <a:latin typeface="宋体" panose="02010600030101010101" pitchFamily="2" charset="-122"/>
+                <a:ea typeface="宋体" panose="02010600030101010101" pitchFamily="2" charset="-122"/>
+                <a:cs typeface="宋体" panose="02010600030101010101" pitchFamily="2" charset="-122"/>
+                <a:sym typeface="+mn-ea"/>
+              </a:rPr>
+              <a:t>node()表示匹配任何类型的节点。</a:t>
+            </a:r>
+            <a:endParaRPr lang="zh-CN" altLang="en-US" sz="1600">
+              <a:solidFill>
+                <a:srgbClr val="FF0000"/>
+              </a:solidFill>
+              <a:latin typeface="宋体" panose="02010600030101010101" pitchFamily="2" charset="-122"/>
+              <a:ea typeface="宋体" panose="02010600030101010101" pitchFamily="2" charset="-122"/>
+              <a:cs typeface="宋体" panose="02010600030101010101" pitchFamily="2" charset="-122"/>
+              <a:sym typeface="+mn-ea"/>
+            </a:endParaRPr>
+          </a:p>
+          <a:p>
+            <a:pPr algn="l">
+              <a:buClrTx/>
+              <a:buSzTx/>
+              <a:buNone/>
+            </a:pPr>
+            <a:endParaRPr lang="zh-CN" altLang="en-US" sz="1600">
+              <a:solidFill>
+                <a:srgbClr val="FF0000"/>
+              </a:solidFill>
+              <a:latin typeface="宋体" panose="02010600030101010101" pitchFamily="2" charset="-122"/>
+              <a:ea typeface="宋体" panose="02010600030101010101" pitchFamily="2" charset="-122"/>
+              <a:cs typeface="宋体" panose="02010600030101010101" pitchFamily="2" charset="-122"/>
+              <a:sym typeface="+mn-ea"/>
+            </a:endParaRPr>
+          </a:p>
+          <a:p>
+            <a:pPr algn="l">
+              <a:buClrTx/>
+              <a:buSzTx/>
+              <a:buNone/>
+            </a:pPr>
+            <a:r>
+              <a:rPr lang="zh-CN" altLang="en-US" sz="1600">
+                <a:solidFill>
+                  <a:srgbClr val="36A44E"/>
+                </a:solidFill>
+                <a:latin typeface="宋体" panose="02010600030101010101" pitchFamily="2" charset="-122"/>
+                <a:ea typeface="宋体" panose="02010600030101010101" pitchFamily="2" charset="-122"/>
+                <a:cs typeface="宋体" panose="02010600030101010101" pitchFamily="2" charset="-122"/>
+                <a:sym typeface="+mn-ea"/>
+              </a:rPr>
+              <a:t>示例：</a:t>
+            </a:r>
+            <a:endParaRPr lang="zh-CN" altLang="en-US" sz="1600">
+              <a:solidFill>
+                <a:srgbClr val="FF0000"/>
+              </a:solidFill>
+              <a:latin typeface="宋体" panose="02010600030101010101" pitchFamily="2" charset="-122"/>
+              <a:ea typeface="宋体" panose="02010600030101010101" pitchFamily="2" charset="-122"/>
+              <a:cs typeface="宋体" panose="02010600030101010101" pitchFamily="2" charset="-122"/>
+              <a:sym typeface="+mn-ea"/>
+            </a:endParaRPr>
+          </a:p>
+          <a:p>
+            <a:pPr algn="l">
+              <a:buClrTx/>
+              <a:buSzTx/>
+              <a:buNone/>
+            </a:pPr>
+            <a:r>
+              <a:rPr lang="zh-CN" altLang="en-US" sz="1600">
+                <a:solidFill>
+                  <a:srgbClr val="36A44E"/>
+                </a:solidFill>
+                <a:latin typeface="宋体" panose="02010600030101010101" pitchFamily="2" charset="-122"/>
+                <a:ea typeface="宋体" panose="02010600030101010101" pitchFamily="2" charset="-122"/>
+                <a:cs typeface="宋体" panose="02010600030101010101" pitchFamily="2" charset="-122"/>
+                <a:sym typeface="+mn-ea"/>
+              </a:rPr>
+              <a:t>/bookstore/*	选取 bookstore 元素的所有子元素。</a:t>
+            </a:r>
+            <a:endParaRPr lang="zh-CN" altLang="en-US" sz="1600">
+              <a:solidFill>
+                <a:srgbClr val="36A44E"/>
+              </a:solidFill>
+              <a:latin typeface="宋体" panose="02010600030101010101" pitchFamily="2" charset="-122"/>
+              <a:ea typeface="宋体" panose="02010600030101010101" pitchFamily="2" charset="-122"/>
+              <a:cs typeface="宋体" panose="02010600030101010101" pitchFamily="2" charset="-122"/>
+              <a:sym typeface="+mn-ea"/>
+            </a:endParaRPr>
+          </a:p>
+          <a:p>
+            <a:pPr algn="l">
+              <a:buClrTx/>
+              <a:buSzTx/>
+              <a:buNone/>
+            </a:pPr>
+            <a:r>
+              <a:rPr lang="zh-CN" altLang="en-US" sz="1600">
+                <a:solidFill>
+                  <a:srgbClr val="36A44E"/>
+                </a:solidFill>
+                <a:latin typeface="宋体" panose="02010600030101010101" pitchFamily="2" charset="-122"/>
+                <a:ea typeface="宋体" panose="02010600030101010101" pitchFamily="2" charset="-122"/>
+                <a:cs typeface="宋体" panose="02010600030101010101" pitchFamily="2" charset="-122"/>
+                <a:sym typeface="+mn-ea"/>
+              </a:rPr>
+              <a:t>//*	</a:t>
+            </a:r>
+            <a:r>
+              <a:rPr lang="en-US" altLang="zh-CN" sz="1600">
+                <a:solidFill>
+                  <a:srgbClr val="36A44E"/>
+                </a:solidFill>
+                <a:latin typeface="宋体" panose="02010600030101010101" pitchFamily="2" charset="-122"/>
+                <a:ea typeface="宋体" panose="02010600030101010101" pitchFamily="2" charset="-122"/>
+                <a:cs typeface="宋体" panose="02010600030101010101" pitchFamily="2" charset="-122"/>
+                <a:sym typeface="+mn-ea"/>
+              </a:rPr>
+              <a:t>	</a:t>
+            </a:r>
+            <a:r>
+              <a:rPr lang="zh-CN" altLang="en-US" sz="1600">
+                <a:solidFill>
+                  <a:srgbClr val="36A44E"/>
+                </a:solidFill>
+                <a:latin typeface="宋体" panose="02010600030101010101" pitchFamily="2" charset="-122"/>
+                <a:ea typeface="宋体" panose="02010600030101010101" pitchFamily="2" charset="-122"/>
+                <a:cs typeface="宋体" panose="02010600030101010101" pitchFamily="2" charset="-122"/>
+                <a:sym typeface="+mn-ea"/>
+              </a:rPr>
+              <a:t>选取文档中的所有元素。</a:t>
+            </a:r>
+            <a:endParaRPr lang="zh-CN" altLang="en-US" sz="1600">
+              <a:solidFill>
+                <a:srgbClr val="36A44E"/>
+              </a:solidFill>
+              <a:latin typeface="宋体" panose="02010600030101010101" pitchFamily="2" charset="-122"/>
+              <a:ea typeface="宋体" panose="02010600030101010101" pitchFamily="2" charset="-122"/>
+              <a:cs typeface="宋体" panose="02010600030101010101" pitchFamily="2" charset="-122"/>
+              <a:sym typeface="+mn-ea"/>
+            </a:endParaRPr>
+          </a:p>
+          <a:p>
+            <a:pPr algn="l">
+              <a:buClrTx/>
+              <a:buSzTx/>
+              <a:buNone/>
+            </a:pPr>
+            <a:r>
+              <a:rPr lang="zh-CN" altLang="en-US" sz="1600">
+                <a:solidFill>
+                  <a:srgbClr val="36A44E"/>
+                </a:solidFill>
+                <a:latin typeface="宋体" panose="02010600030101010101" pitchFamily="2" charset="-122"/>
+                <a:ea typeface="宋体" panose="02010600030101010101" pitchFamily="2" charset="-122"/>
+                <a:cs typeface="宋体" panose="02010600030101010101" pitchFamily="2" charset="-122"/>
+                <a:sym typeface="+mn-ea"/>
+              </a:rPr>
+              <a:t>//title[@*]	选取所有带有属性的 title 元素。</a:t>
+            </a:r>
+            <a:endParaRPr lang="zh-CN" altLang="en-US" sz="1600">
               <a:solidFill>
                 <a:srgbClr val="36A44E"/>
               </a:solidFill>
@@ -8585,6 +8440,253 @@
 </file>
 
 <file path=ppt/slides/slide14.xml><?xml version="1.0" encoding="utf-8"?>
+<p:sld xmlns:a="http://schemas.openxmlformats.org/drawingml/2006/main" xmlns:r="http://schemas.openxmlformats.org/officeDocument/2006/relationships" xmlns:p="http://schemas.openxmlformats.org/presentationml/2006/main">
+  <p:cSld>
+    <p:bg>
+      <p:bgPr>
+        <a:blipFill rotWithShape="1">
+          <a:blip r:embed="rId1"/>
+          <a:stretch>
+            <a:fillRect/>
+          </a:stretch>
+        </a:blipFill>
+        <a:effectLst/>
+      </p:bgPr>
+    </p:bg>
+    <p:spTree>
+      <p:nvGrpSpPr>
+        <p:cNvPr id="1" name=""/>
+        <p:cNvGrpSpPr/>
+        <p:nvPr/>
+      </p:nvGrpSpPr>
+      <p:grpSpPr/>
+      <p:sp>
+        <p:nvSpPr>
+          <p:cNvPr id="4" name="文本框 3"/>
+          <p:cNvSpPr txBox="1"/>
+          <p:nvPr/>
+        </p:nvSpPr>
+        <p:spPr>
+          <a:xfrm>
+            <a:off x="275590" y="800735"/>
+            <a:ext cx="11593830" cy="2061210"/>
+          </a:xfrm>
+          <a:prstGeom prst="rect">
+            <a:avLst/>
+          </a:prstGeom>
+          <a:noFill/>
+        </p:spPr>
+        <p:txBody>
+          <a:bodyPr wrap="square" rtlCol="0">
+            <a:spAutoFit/>
+          </a:bodyPr>
+          <a:p>
+            <a:pPr algn="l">
+              <a:buClrTx/>
+              <a:buSzTx/>
+              <a:buNone/>
+            </a:pPr>
+            <a:r>
+              <a:rPr lang="zh-CN" altLang="en-US" sz="1600">
+                <a:latin typeface="宋体" panose="02010600030101010101" pitchFamily="2" charset="-122"/>
+                <a:ea typeface="宋体" panose="02010600030101010101" pitchFamily="2" charset="-122"/>
+                <a:cs typeface="宋体" panose="02010600030101010101" pitchFamily="2" charset="-122"/>
+                <a:sym typeface="+mn-ea"/>
+              </a:rPr>
+              <a:t>选取若干路径</a:t>
+            </a:r>
+            <a:endParaRPr lang="zh-CN" altLang="en-US" sz="1600">
+              <a:latin typeface="宋体" panose="02010600030101010101" pitchFamily="2" charset="-122"/>
+              <a:ea typeface="宋体" panose="02010600030101010101" pitchFamily="2" charset="-122"/>
+              <a:cs typeface="宋体" panose="02010600030101010101" pitchFamily="2" charset="-122"/>
+              <a:sym typeface="+mn-ea"/>
+            </a:endParaRPr>
+          </a:p>
+          <a:p>
+            <a:pPr algn="l">
+              <a:buClrTx/>
+              <a:buSzTx/>
+              <a:buNone/>
+            </a:pPr>
+            <a:r>
+              <a:rPr lang="zh-CN" altLang="en-US" sz="1600">
+                <a:latin typeface="宋体" panose="02010600030101010101" pitchFamily="2" charset="-122"/>
+                <a:ea typeface="宋体" panose="02010600030101010101" pitchFamily="2" charset="-122"/>
+                <a:cs typeface="宋体" panose="02010600030101010101" pitchFamily="2" charset="-122"/>
+                <a:sym typeface="+mn-ea"/>
+              </a:rPr>
+              <a:t>通过在路径表达式中使用“|”运算符，您可以选取若干个路径。</a:t>
+            </a:r>
+            <a:endParaRPr lang="zh-CN" altLang="en-US" sz="1600">
+              <a:latin typeface="宋体" panose="02010600030101010101" pitchFamily="2" charset="-122"/>
+              <a:ea typeface="宋体" panose="02010600030101010101" pitchFamily="2" charset="-122"/>
+              <a:cs typeface="宋体" panose="02010600030101010101" pitchFamily="2" charset="-122"/>
+              <a:sym typeface="+mn-ea"/>
+            </a:endParaRPr>
+          </a:p>
+          <a:p>
+            <a:pPr algn="l">
+              <a:buClrTx/>
+              <a:buSzTx/>
+              <a:buNone/>
+            </a:pPr>
+            <a:endParaRPr lang="zh-CN" altLang="en-US" sz="1600">
+              <a:latin typeface="宋体" panose="02010600030101010101" pitchFamily="2" charset="-122"/>
+              <a:ea typeface="宋体" panose="02010600030101010101" pitchFamily="2" charset="-122"/>
+              <a:cs typeface="宋体" panose="02010600030101010101" pitchFamily="2" charset="-122"/>
+              <a:sym typeface="+mn-ea"/>
+            </a:endParaRPr>
+          </a:p>
+          <a:p>
+            <a:pPr algn="l">
+              <a:buClrTx/>
+              <a:buSzTx/>
+              <a:buNone/>
+            </a:pPr>
+            <a:r>
+              <a:rPr lang="zh-CN" altLang="en-US" sz="1600">
+                <a:solidFill>
+                  <a:srgbClr val="36A44E"/>
+                </a:solidFill>
+                <a:latin typeface="宋体" panose="02010600030101010101" pitchFamily="2" charset="-122"/>
+                <a:ea typeface="宋体" panose="02010600030101010101" pitchFamily="2" charset="-122"/>
+                <a:cs typeface="宋体" panose="02010600030101010101" pitchFamily="2" charset="-122"/>
+                <a:sym typeface="+mn-ea"/>
+              </a:rPr>
+              <a:t>示例：</a:t>
+            </a:r>
+            <a:endParaRPr lang="zh-CN" altLang="en-US" sz="1600">
+              <a:solidFill>
+                <a:srgbClr val="36A44E"/>
+              </a:solidFill>
+              <a:latin typeface="宋体" panose="02010600030101010101" pitchFamily="2" charset="-122"/>
+              <a:ea typeface="宋体" panose="02010600030101010101" pitchFamily="2" charset="-122"/>
+              <a:cs typeface="宋体" panose="02010600030101010101" pitchFamily="2" charset="-122"/>
+              <a:sym typeface="+mn-ea"/>
+            </a:endParaRPr>
+          </a:p>
+          <a:p>
+            <a:pPr algn="l">
+              <a:buClrTx/>
+              <a:buSzTx/>
+              <a:buNone/>
+            </a:pPr>
+            <a:r>
+              <a:rPr sz="1600">
+                <a:solidFill>
+                  <a:srgbClr val="36A44E"/>
+                </a:solidFill>
+                <a:latin typeface="宋体" panose="02010600030101010101" pitchFamily="2" charset="-122"/>
+                <a:ea typeface="宋体" panose="02010600030101010101" pitchFamily="2" charset="-122"/>
+                <a:cs typeface="宋体" panose="02010600030101010101" pitchFamily="2" charset="-122"/>
+                <a:sym typeface="+mn-ea"/>
+              </a:rPr>
+              <a:t>//book/title | //book/price	选取 book 元素的所有 title 和 price 元素。</a:t>
+            </a:r>
+            <a:endParaRPr sz="1600">
+              <a:solidFill>
+                <a:srgbClr val="36A44E"/>
+              </a:solidFill>
+              <a:latin typeface="宋体" panose="02010600030101010101" pitchFamily="2" charset="-122"/>
+              <a:ea typeface="宋体" panose="02010600030101010101" pitchFamily="2" charset="-122"/>
+              <a:cs typeface="宋体" panose="02010600030101010101" pitchFamily="2" charset="-122"/>
+              <a:sym typeface="+mn-ea"/>
+            </a:endParaRPr>
+          </a:p>
+          <a:p>
+            <a:pPr algn="l">
+              <a:buClrTx/>
+              <a:buSzTx/>
+              <a:buNone/>
+            </a:pPr>
+            <a:r>
+              <a:rPr sz="1600">
+                <a:solidFill>
+                  <a:srgbClr val="36A44E"/>
+                </a:solidFill>
+                <a:latin typeface="宋体" panose="02010600030101010101" pitchFamily="2" charset="-122"/>
+                <a:ea typeface="宋体" panose="02010600030101010101" pitchFamily="2" charset="-122"/>
+                <a:cs typeface="宋体" panose="02010600030101010101" pitchFamily="2" charset="-122"/>
+                <a:sym typeface="+mn-ea"/>
+              </a:rPr>
+              <a:t>//title | //price</a:t>
+            </a:r>
+            <a:r>
+              <a:rPr lang="en-US" sz="1600">
+                <a:solidFill>
+                  <a:srgbClr val="36A44E"/>
+                </a:solidFill>
+                <a:latin typeface="宋体" panose="02010600030101010101" pitchFamily="2" charset="-122"/>
+                <a:ea typeface="宋体" panose="02010600030101010101" pitchFamily="2" charset="-122"/>
+                <a:cs typeface="宋体" panose="02010600030101010101" pitchFamily="2" charset="-122"/>
+                <a:sym typeface="+mn-ea"/>
+              </a:rPr>
+              <a:t>		</a:t>
+            </a:r>
+            <a:r>
+              <a:rPr sz="1600">
+                <a:solidFill>
+                  <a:srgbClr val="36A44E"/>
+                </a:solidFill>
+                <a:latin typeface="宋体" panose="02010600030101010101" pitchFamily="2" charset="-122"/>
+                <a:ea typeface="宋体" panose="02010600030101010101" pitchFamily="2" charset="-122"/>
+                <a:cs typeface="宋体" panose="02010600030101010101" pitchFamily="2" charset="-122"/>
+                <a:sym typeface="+mn-ea"/>
+              </a:rPr>
+              <a:t>	选取文档中的所有 title 和 price 元素。</a:t>
+            </a:r>
+            <a:endParaRPr sz="1600">
+              <a:solidFill>
+                <a:srgbClr val="36A44E"/>
+              </a:solidFill>
+              <a:latin typeface="宋体" panose="02010600030101010101" pitchFamily="2" charset="-122"/>
+              <a:ea typeface="宋体" panose="02010600030101010101" pitchFamily="2" charset="-122"/>
+              <a:cs typeface="宋体" panose="02010600030101010101" pitchFamily="2" charset="-122"/>
+              <a:sym typeface="+mn-ea"/>
+            </a:endParaRPr>
+          </a:p>
+          <a:p>
+            <a:pPr algn="l">
+              <a:buClrTx/>
+              <a:buSzTx/>
+              <a:buNone/>
+            </a:pPr>
+            <a:r>
+              <a:rPr sz="1600">
+                <a:solidFill>
+                  <a:srgbClr val="36A44E"/>
+                </a:solidFill>
+                <a:latin typeface="宋体" panose="02010600030101010101" pitchFamily="2" charset="-122"/>
+                <a:ea typeface="宋体" panose="02010600030101010101" pitchFamily="2" charset="-122"/>
+                <a:cs typeface="宋体" panose="02010600030101010101" pitchFamily="2" charset="-122"/>
+                <a:sym typeface="+mn-ea"/>
+              </a:rPr>
+              <a:t>/bookstore/book/title | //price	选取属于 bookstore 元素的 book 元素的所有 title 元素，以及文档中所有的 price 元素。</a:t>
+            </a:r>
+            <a:endParaRPr sz="1600">
+              <a:solidFill>
+                <a:srgbClr val="36A44E"/>
+              </a:solidFill>
+              <a:latin typeface="宋体" panose="02010600030101010101" pitchFamily="2" charset="-122"/>
+              <a:ea typeface="宋体" panose="02010600030101010101" pitchFamily="2" charset="-122"/>
+              <a:cs typeface="宋体" panose="02010600030101010101" pitchFamily="2" charset="-122"/>
+              <a:sym typeface="+mn-ea"/>
+            </a:endParaRPr>
+          </a:p>
+        </p:txBody>
+      </p:sp>
+    </p:spTree>
+    <p:custDataLst>
+      <p:tags r:id="rId2"/>
+    </p:custDataLst>
+  </p:cSld>
+  <p:clrMapOvr>
+    <a:masterClrMapping/>
+  </p:clrMapOvr>
+</p:sld>
+</file>
+
+<file path=ppt/slides/slide15.xml><?xml version="1.0" encoding="utf-8"?>
 <p:sld xmlns:a="http://schemas.openxmlformats.org/drawingml/2006/main" xmlns:r="http://schemas.openxmlformats.org/officeDocument/2006/relationships" xmlns:p="http://schemas.openxmlformats.org/presentationml/2006/main">
   <p:cSld>
     <p:bg>
@@ -8685,7 +8787,7 @@
 </p:sld>
 </file>
 
-<file path=ppt/slides/slide15.xml><?xml version="1.0" encoding="utf-8"?>
+<file path=ppt/slides/slide16.xml><?xml version="1.0" encoding="utf-8"?>
 <p:sld xmlns:a="http://schemas.openxmlformats.org/drawingml/2006/main" xmlns:r="http://schemas.openxmlformats.org/officeDocument/2006/relationships" xmlns:p="http://schemas.openxmlformats.org/presentationml/2006/main">
   <p:cSld>
     <p:bg>
@@ -8919,299 +9021,6 @@
               </a:rPr>
               <a:t>是一个业界的标准，是一项可以根据XML Schema产生Java类的技术。该过程中，JAXB也提供了将XML实例文档反向生成Java对象树的方法，并能将Java对象树的内容重新写到XML实例文档。从另一方面来讲，JAXB提供了快速而简便的方法将XML模式绑定到Java表示，从而使得Java开发者在Java应用程序中能方便地结合XML数据和处理函数。</a:t>
             </a:r>
-            <a:endParaRPr lang="zh-CN" altLang="en-US" sz="1600">
-              <a:latin typeface="宋体" panose="02010600030101010101" pitchFamily="2" charset="-122"/>
-              <a:ea typeface="宋体" panose="02010600030101010101" pitchFamily="2" charset="-122"/>
-              <a:cs typeface="宋体" panose="02010600030101010101" pitchFamily="2" charset="-122"/>
-            </a:endParaRPr>
-          </a:p>
-        </p:txBody>
-      </p:sp>
-    </p:spTree>
-    <p:custDataLst>
-      <p:tags r:id="rId2"/>
-    </p:custDataLst>
-  </p:cSld>
-  <p:clrMapOvr>
-    <a:masterClrMapping/>
-  </p:clrMapOvr>
-</p:sld>
-</file>
-
-<file path=ppt/slides/slide16.xml><?xml version="1.0" encoding="utf-8"?>
-<p:sld xmlns:a="http://schemas.openxmlformats.org/drawingml/2006/main" xmlns:r="http://schemas.openxmlformats.org/officeDocument/2006/relationships" xmlns:p="http://schemas.openxmlformats.org/presentationml/2006/main">
-  <p:cSld>
-    <p:bg>
-      <p:bgPr>
-        <a:blipFill rotWithShape="1">
-          <a:blip r:embed="rId1"/>
-          <a:stretch>
-            <a:fillRect/>
-          </a:stretch>
-        </a:blipFill>
-        <a:effectLst/>
-      </p:bgPr>
-    </p:bg>
-    <p:spTree>
-      <p:nvGrpSpPr>
-        <p:cNvPr id="1" name=""/>
-        <p:cNvGrpSpPr/>
-        <p:nvPr/>
-      </p:nvGrpSpPr>
-      <p:grpSpPr/>
-      <p:sp>
-        <p:nvSpPr>
-          <p:cNvPr id="3" name="文本框 2"/>
-          <p:cNvSpPr txBox="1"/>
-          <p:nvPr/>
-        </p:nvSpPr>
-        <p:spPr>
-          <a:xfrm>
-            <a:off x="156845" y="810260"/>
-            <a:ext cx="11894185" cy="4769485"/>
-          </a:xfrm>
-          <a:prstGeom prst="rect">
-            <a:avLst/>
-          </a:prstGeom>
-          <a:noFill/>
-        </p:spPr>
-        <p:txBody>
-          <a:bodyPr wrap="square" rtlCol="0">
-            <a:spAutoFit/>
-          </a:bodyPr>
-          <a:p>
-            <a:r>
-              <a:rPr lang="en-US" altLang="zh-CN" sz="1600">
-                <a:latin typeface="宋体" panose="02010600030101010101" pitchFamily="2" charset="-122"/>
-                <a:ea typeface="宋体" panose="02010600030101010101" pitchFamily="2" charset="-122"/>
-                <a:cs typeface="宋体" panose="02010600030101010101" pitchFamily="2" charset="-122"/>
-              </a:rPr>
-              <a:t>JAXB主要通过注解进行节点标识</a:t>
-            </a:r>
-            <a:r>
-              <a:rPr lang="zh-CN" altLang="en-US" sz="1600">
-                <a:latin typeface="宋体" panose="02010600030101010101" pitchFamily="2" charset="-122"/>
-                <a:ea typeface="宋体" panose="02010600030101010101" pitchFamily="2" charset="-122"/>
-                <a:cs typeface="宋体" panose="02010600030101010101" pitchFamily="2" charset="-122"/>
-              </a:rPr>
-              <a:t>：</a:t>
-            </a:r>
-            <a:endParaRPr lang="zh-CN" altLang="en-US" sz="1600">
-              <a:latin typeface="宋体" panose="02010600030101010101" pitchFamily="2" charset="-122"/>
-              <a:ea typeface="宋体" panose="02010600030101010101" pitchFamily="2" charset="-122"/>
-              <a:cs typeface="宋体" panose="02010600030101010101" pitchFamily="2" charset="-122"/>
-            </a:endParaRPr>
-          </a:p>
-          <a:p>
-            <a:endParaRPr lang="zh-CN" altLang="en-US" sz="1600">
-              <a:latin typeface="宋体" panose="02010600030101010101" pitchFamily="2" charset="-122"/>
-              <a:ea typeface="宋体" panose="02010600030101010101" pitchFamily="2" charset="-122"/>
-              <a:cs typeface="宋体" panose="02010600030101010101" pitchFamily="2" charset="-122"/>
-            </a:endParaRPr>
-          </a:p>
-          <a:p>
-            <a:r>
-              <a:rPr lang="zh-CN" altLang="en-US" sz="1600">
-                <a:latin typeface="宋体" panose="02010600030101010101" pitchFamily="2" charset="-122"/>
-                <a:ea typeface="宋体" panose="02010600030101010101" pitchFamily="2" charset="-122"/>
-                <a:cs typeface="宋体" panose="02010600030101010101" pitchFamily="2" charset="-122"/>
-              </a:rPr>
-              <a:t> @XmlRootElement： 标识XML数据根节点，常与@XmlType，@XmlAccessorType，@XmlAccessorOrder一起使用。</a:t>
-            </a:r>
-            <a:endParaRPr lang="zh-CN" altLang="en-US" sz="1600">
-              <a:latin typeface="宋体" panose="02010600030101010101" pitchFamily="2" charset="-122"/>
-              <a:ea typeface="宋体" panose="02010600030101010101" pitchFamily="2" charset="-122"/>
-              <a:cs typeface="宋体" panose="02010600030101010101" pitchFamily="2" charset="-122"/>
-            </a:endParaRPr>
-          </a:p>
-          <a:p>
-            <a:r>
-              <a:rPr lang="zh-CN" altLang="en-US" sz="1600">
-                <a:latin typeface="宋体" panose="02010600030101010101" pitchFamily="2" charset="-122"/>
-                <a:ea typeface="宋体" panose="02010600030101010101" pitchFamily="2" charset="-122"/>
-                <a:cs typeface="宋体" panose="02010600030101010101" pitchFamily="2" charset="-122"/>
-              </a:rPr>
-              <a:t>   级别： 类。</a:t>
-            </a:r>
-            <a:endParaRPr lang="zh-CN" altLang="en-US" sz="1600">
-              <a:latin typeface="宋体" panose="02010600030101010101" pitchFamily="2" charset="-122"/>
-              <a:ea typeface="宋体" panose="02010600030101010101" pitchFamily="2" charset="-122"/>
-              <a:cs typeface="宋体" panose="02010600030101010101" pitchFamily="2" charset="-122"/>
-            </a:endParaRPr>
-          </a:p>
-          <a:p>
-            <a:r>
-              <a:rPr lang="zh-CN" altLang="en-US" sz="1600">
-                <a:latin typeface="宋体" panose="02010600030101010101" pitchFamily="2" charset="-122"/>
-                <a:ea typeface="宋体" panose="02010600030101010101" pitchFamily="2" charset="-122"/>
-                <a:cs typeface="宋体" panose="02010600030101010101" pitchFamily="2" charset="-122"/>
-              </a:rPr>
-              <a:t>   属性：</a:t>
-            </a:r>
-            <a:endParaRPr lang="zh-CN" altLang="en-US" sz="1600">
-              <a:latin typeface="宋体" panose="02010600030101010101" pitchFamily="2" charset="-122"/>
-              <a:ea typeface="宋体" panose="02010600030101010101" pitchFamily="2" charset="-122"/>
-              <a:cs typeface="宋体" panose="02010600030101010101" pitchFamily="2" charset="-122"/>
-            </a:endParaRPr>
-          </a:p>
-          <a:p>
-            <a:r>
-              <a:rPr lang="zh-CN" altLang="en-US" sz="1600">
-                <a:latin typeface="宋体" panose="02010600030101010101" pitchFamily="2" charset="-122"/>
-                <a:ea typeface="宋体" panose="02010600030101010101" pitchFamily="2" charset="-122"/>
-                <a:cs typeface="宋体" panose="02010600030101010101" pitchFamily="2" charset="-122"/>
-              </a:rPr>
-              <a:t>   ① name： 指定根节点名称，若未指定，则使用类名小写形式作为根节点名称。</a:t>
-            </a:r>
-            <a:endParaRPr lang="zh-CN" altLang="en-US" sz="1600">
-              <a:latin typeface="宋体" panose="02010600030101010101" pitchFamily="2" charset="-122"/>
-              <a:ea typeface="宋体" panose="02010600030101010101" pitchFamily="2" charset="-122"/>
-              <a:cs typeface="宋体" panose="02010600030101010101" pitchFamily="2" charset="-122"/>
-            </a:endParaRPr>
-          </a:p>
-          <a:p>
-            <a:r>
-              <a:rPr lang="zh-CN" altLang="en-US" sz="1600">
-                <a:latin typeface="宋体" panose="02010600030101010101" pitchFamily="2" charset="-122"/>
-                <a:ea typeface="宋体" panose="02010600030101010101" pitchFamily="2" charset="-122"/>
-                <a:cs typeface="宋体" panose="02010600030101010101" pitchFamily="2" charset="-122"/>
-              </a:rPr>
-              <a:t>   ② namespace： 指定根节点命名空间。</a:t>
-            </a:r>
-            <a:endParaRPr lang="zh-CN" altLang="en-US" sz="1600">
-              <a:latin typeface="宋体" panose="02010600030101010101" pitchFamily="2" charset="-122"/>
-              <a:ea typeface="宋体" panose="02010600030101010101" pitchFamily="2" charset="-122"/>
-              <a:cs typeface="宋体" panose="02010600030101010101" pitchFamily="2" charset="-122"/>
-            </a:endParaRPr>
-          </a:p>
-          <a:p>
-            <a:endParaRPr lang="zh-CN" altLang="en-US" sz="1600">
-              <a:latin typeface="宋体" panose="02010600030101010101" pitchFamily="2" charset="-122"/>
-              <a:ea typeface="宋体" panose="02010600030101010101" pitchFamily="2" charset="-122"/>
-              <a:cs typeface="宋体" panose="02010600030101010101" pitchFamily="2" charset="-122"/>
-            </a:endParaRPr>
-          </a:p>
-          <a:p>
-            <a:r>
-              <a:rPr lang="zh-CN" altLang="en-US" sz="1600">
-                <a:latin typeface="宋体" panose="02010600030101010101" pitchFamily="2" charset="-122"/>
-                <a:ea typeface="宋体" panose="02010600030101010101" pitchFamily="2" charset="-122"/>
-                <a:cs typeface="宋体" panose="02010600030101010101" pitchFamily="2" charset="-122"/>
-              </a:rPr>
-              <a:t>@XmlType： 将一个类映射到 XML 模式类型。类是通过属性和字段表示的值的数据容器。模式类型是一个数据容器，用于模式类型的内容模式中的模式组件（如模型组件、属性等）所表示的值。</a:t>
-            </a:r>
-            <a:endParaRPr lang="zh-CN" altLang="en-US" sz="1600">
-              <a:latin typeface="宋体" panose="02010600030101010101" pitchFamily="2" charset="-122"/>
-              <a:ea typeface="宋体" panose="02010600030101010101" pitchFamily="2" charset="-122"/>
-              <a:cs typeface="宋体" panose="02010600030101010101" pitchFamily="2" charset="-122"/>
-            </a:endParaRPr>
-          </a:p>
-          <a:p>
-            <a:r>
-              <a:rPr lang="zh-CN" altLang="en-US" sz="1600">
-                <a:latin typeface="宋体" panose="02010600030101010101" pitchFamily="2" charset="-122"/>
-                <a:ea typeface="宋体" panose="02010600030101010101" pitchFamily="2" charset="-122"/>
-                <a:cs typeface="宋体" panose="02010600030101010101" pitchFamily="2" charset="-122"/>
-              </a:rPr>
-              <a:t>   级别： 类。</a:t>
-            </a:r>
-            <a:endParaRPr lang="zh-CN" altLang="en-US" sz="1600">
-              <a:latin typeface="宋体" panose="02010600030101010101" pitchFamily="2" charset="-122"/>
-              <a:ea typeface="宋体" panose="02010600030101010101" pitchFamily="2" charset="-122"/>
-              <a:cs typeface="宋体" panose="02010600030101010101" pitchFamily="2" charset="-122"/>
-            </a:endParaRPr>
-          </a:p>
-          <a:p>
-            <a:r>
-              <a:rPr lang="zh-CN" altLang="en-US" sz="1600">
-                <a:latin typeface="宋体" panose="02010600030101010101" pitchFamily="2" charset="-122"/>
-                <a:ea typeface="宋体" panose="02010600030101010101" pitchFamily="2" charset="-122"/>
-                <a:cs typeface="宋体" panose="02010600030101010101" pitchFamily="2" charset="-122"/>
-              </a:rPr>
-              <a:t>   属性：</a:t>
-            </a:r>
-            <a:endParaRPr lang="zh-CN" altLang="en-US" sz="1600">
-              <a:latin typeface="宋体" panose="02010600030101010101" pitchFamily="2" charset="-122"/>
-              <a:ea typeface="宋体" panose="02010600030101010101" pitchFamily="2" charset="-122"/>
-              <a:cs typeface="宋体" panose="02010600030101010101" pitchFamily="2" charset="-122"/>
-            </a:endParaRPr>
-          </a:p>
-          <a:p>
-            <a:r>
-              <a:rPr lang="zh-CN" altLang="en-US" sz="1600">
-                <a:latin typeface="宋体" panose="02010600030101010101" pitchFamily="2" charset="-122"/>
-                <a:ea typeface="宋体" panose="02010600030101010101" pitchFamily="2" charset="-122"/>
-                <a:cs typeface="宋体" panose="02010600030101010101" pitchFamily="2" charset="-122"/>
-              </a:rPr>
-              <a:t>   ① name： 类映射的XML模型类型的名称。</a:t>
-            </a:r>
-            <a:endParaRPr lang="zh-CN" altLang="en-US" sz="1600">
-              <a:latin typeface="宋体" panose="02010600030101010101" pitchFamily="2" charset="-122"/>
-              <a:ea typeface="宋体" panose="02010600030101010101" pitchFamily="2" charset="-122"/>
-              <a:cs typeface="宋体" panose="02010600030101010101" pitchFamily="2" charset="-122"/>
-            </a:endParaRPr>
-          </a:p>
-          <a:p>
-            <a:r>
-              <a:rPr lang="zh-CN" altLang="en-US" sz="1600">
-                <a:latin typeface="宋体" panose="02010600030101010101" pitchFamily="2" charset="-122"/>
-                <a:ea typeface="宋体" panose="02010600030101010101" pitchFamily="2" charset="-122"/>
-                <a:cs typeface="宋体" panose="02010600030101010101" pitchFamily="2" charset="-122"/>
-              </a:rPr>
-              <a:t>   ② propOrder： 指定类型映射到XML模式复合类型时XML Schema元素的顺序。propOrder中列出的JavaBean属性或字段不得被@XmlTransient注释。propOrder定义的情况下，JavaBean中需要将所有参与属性或字段必须全部列出。</a:t>
-            </a:r>
-            <a:endParaRPr lang="zh-CN" altLang="en-US" sz="1600">
-              <a:latin typeface="宋体" panose="02010600030101010101" pitchFamily="2" charset="-122"/>
-              <a:ea typeface="宋体" panose="02010600030101010101" pitchFamily="2" charset="-122"/>
-              <a:cs typeface="宋体" panose="02010600030101010101" pitchFamily="2" charset="-122"/>
-            </a:endParaRPr>
-          </a:p>
-          <a:p>
-            <a:r>
-              <a:rPr lang="zh-CN" altLang="en-US" sz="1600">
-                <a:latin typeface="宋体" panose="02010600030101010101" pitchFamily="2" charset="-122"/>
-                <a:ea typeface="宋体" panose="02010600030101010101" pitchFamily="2" charset="-122"/>
-                <a:cs typeface="宋体" panose="02010600030101010101" pitchFamily="2" charset="-122"/>
-              </a:rPr>
-              <a:t>   ③ namespace： XML Schema类型的目标命名空间的名称，默认情况下，这是包含该类的包的映射目标命名空间。</a:t>
-            </a:r>
-            <a:endParaRPr lang="zh-CN" altLang="en-US" sz="1600">
-              <a:latin typeface="宋体" panose="02010600030101010101" pitchFamily="2" charset="-122"/>
-              <a:ea typeface="宋体" panose="02010600030101010101" pitchFamily="2" charset="-122"/>
-              <a:cs typeface="宋体" panose="02010600030101010101" pitchFamily="2" charset="-122"/>
-            </a:endParaRPr>
-          </a:p>
-          <a:p>
-            <a:r>
-              <a:rPr lang="zh-CN" altLang="en-US" sz="1600">
-                <a:latin typeface="宋体" panose="02010600030101010101" pitchFamily="2" charset="-122"/>
-                <a:ea typeface="宋体" panose="02010600030101010101" pitchFamily="2" charset="-122"/>
-                <a:cs typeface="宋体" panose="02010600030101010101" pitchFamily="2" charset="-122"/>
-              </a:rPr>
-              <a:t>   ④ factoryClass： 包含用于创建此类的实例的无参数工厂方法的类。</a:t>
-            </a:r>
-            <a:endParaRPr lang="zh-CN" altLang="en-US" sz="1600">
-              <a:latin typeface="宋体" panose="02010600030101010101" pitchFamily="2" charset="-122"/>
-              <a:ea typeface="宋体" panose="02010600030101010101" pitchFamily="2" charset="-122"/>
-              <a:cs typeface="宋体" panose="02010600030101010101" pitchFamily="2" charset="-122"/>
-            </a:endParaRPr>
-          </a:p>
-          <a:p>
-            <a:r>
-              <a:rPr lang="zh-CN" altLang="en-US" sz="1600">
-                <a:latin typeface="宋体" panose="02010600030101010101" pitchFamily="2" charset="-122"/>
-                <a:ea typeface="宋体" panose="02010600030101010101" pitchFamily="2" charset="-122"/>
-                <a:cs typeface="宋体" panose="02010600030101010101" pitchFamily="2" charset="-122"/>
-              </a:rPr>
-              <a:t>   ⑤ factoryMethod： 在factoryClass factoryClass()中指定的类中的无参工厂方法的名称。</a:t>
-            </a:r>
-            <a:endParaRPr lang="zh-CN" altLang="en-US" sz="1600">
-              <a:latin typeface="宋体" panose="02010600030101010101" pitchFamily="2" charset="-122"/>
-              <a:ea typeface="宋体" panose="02010600030101010101" pitchFamily="2" charset="-122"/>
-              <a:cs typeface="宋体" panose="02010600030101010101" pitchFamily="2" charset="-122"/>
-            </a:endParaRPr>
-          </a:p>
-          <a:p>
             <a:endParaRPr lang="zh-CN" altLang="en-US" sz="1600">
               <a:latin typeface="宋体" panose="02010600030101010101" pitchFamily="2" charset="-122"/>
               <a:ea typeface="宋体" panose="02010600030101010101" pitchFamily="2" charset="-122"/>
@@ -9261,7 +9070,7 @@
         <p:spPr>
           <a:xfrm>
             <a:off x="156845" y="810260"/>
-            <a:ext cx="11894185" cy="5262245"/>
+            <a:ext cx="11894185" cy="4769485"/>
           </a:xfrm>
           <a:prstGeom prst="rect">
             <a:avLst/>
@@ -9274,276 +9083,238 @@
           </a:bodyPr>
           <a:p>
             <a:r>
-              <a:rPr sz="1600">
-                <a:latin typeface="宋体" panose="02010600030101010101" pitchFamily="2" charset="-122"/>
-                <a:ea typeface="宋体" panose="02010600030101010101" pitchFamily="2" charset="-122"/>
-                <a:cs typeface="宋体" panose="02010600030101010101" pitchFamily="2" charset="-122"/>
-              </a:rPr>
-              <a:t>@XmlAccessorType： 指定属性或字段是否进行默认序列化。</a:t>
-            </a:r>
-            <a:endParaRPr sz="1600">
-              <a:latin typeface="宋体" panose="02010600030101010101" pitchFamily="2" charset="-122"/>
-              <a:ea typeface="宋体" panose="02010600030101010101" pitchFamily="2" charset="-122"/>
-              <a:cs typeface="宋体" panose="02010600030101010101" pitchFamily="2" charset="-122"/>
-            </a:endParaRPr>
-          </a:p>
-          <a:p>
-            <a:r>
-              <a:rPr sz="1600">
+              <a:rPr lang="en-US" altLang="zh-CN" sz="1600">
+                <a:latin typeface="宋体" panose="02010600030101010101" pitchFamily="2" charset="-122"/>
+                <a:ea typeface="宋体" panose="02010600030101010101" pitchFamily="2" charset="-122"/>
+                <a:cs typeface="宋体" panose="02010600030101010101" pitchFamily="2" charset="-122"/>
+              </a:rPr>
+              <a:t>JAXB主要通过注解进行节点标识</a:t>
+            </a:r>
+            <a:r>
+              <a:rPr lang="zh-CN" altLang="en-US" sz="1600">
+                <a:latin typeface="宋体" panose="02010600030101010101" pitchFamily="2" charset="-122"/>
+                <a:ea typeface="宋体" panose="02010600030101010101" pitchFamily="2" charset="-122"/>
+                <a:cs typeface="宋体" panose="02010600030101010101" pitchFamily="2" charset="-122"/>
+              </a:rPr>
+              <a:t>：</a:t>
+            </a:r>
+            <a:endParaRPr lang="zh-CN" altLang="en-US" sz="1600">
+              <a:latin typeface="宋体" panose="02010600030101010101" pitchFamily="2" charset="-122"/>
+              <a:ea typeface="宋体" panose="02010600030101010101" pitchFamily="2" charset="-122"/>
+              <a:cs typeface="宋体" panose="02010600030101010101" pitchFamily="2" charset="-122"/>
+            </a:endParaRPr>
+          </a:p>
+          <a:p>
+            <a:endParaRPr lang="zh-CN" altLang="en-US" sz="1600">
+              <a:latin typeface="宋体" panose="02010600030101010101" pitchFamily="2" charset="-122"/>
+              <a:ea typeface="宋体" panose="02010600030101010101" pitchFamily="2" charset="-122"/>
+              <a:cs typeface="宋体" panose="02010600030101010101" pitchFamily="2" charset="-122"/>
+            </a:endParaRPr>
+          </a:p>
+          <a:p>
+            <a:r>
+              <a:rPr lang="zh-CN" altLang="en-US" sz="1600">
+                <a:latin typeface="宋体" panose="02010600030101010101" pitchFamily="2" charset="-122"/>
+                <a:ea typeface="宋体" panose="02010600030101010101" pitchFamily="2" charset="-122"/>
+                <a:cs typeface="宋体" panose="02010600030101010101" pitchFamily="2" charset="-122"/>
+              </a:rPr>
+              <a:t> @XmlRootElement： 标识XML数据根节点，常与@XmlType，@XmlAccessorType，@XmlAccessorOrder一起使用。</a:t>
+            </a:r>
+            <a:endParaRPr lang="zh-CN" altLang="en-US" sz="1600">
+              <a:latin typeface="宋体" panose="02010600030101010101" pitchFamily="2" charset="-122"/>
+              <a:ea typeface="宋体" panose="02010600030101010101" pitchFamily="2" charset="-122"/>
+              <a:cs typeface="宋体" panose="02010600030101010101" pitchFamily="2" charset="-122"/>
+            </a:endParaRPr>
+          </a:p>
+          <a:p>
+            <a:r>
+              <a:rPr lang="zh-CN" altLang="en-US" sz="1600">
                 <a:latin typeface="宋体" panose="02010600030101010101" pitchFamily="2" charset="-122"/>
                 <a:ea typeface="宋体" panose="02010600030101010101" pitchFamily="2" charset="-122"/>
                 <a:cs typeface="宋体" panose="02010600030101010101" pitchFamily="2" charset="-122"/>
               </a:rPr>
               <a:t>   级别： 类。</a:t>
             </a:r>
-            <a:endParaRPr sz="1600">
-              <a:latin typeface="宋体" panose="02010600030101010101" pitchFamily="2" charset="-122"/>
-              <a:ea typeface="宋体" panose="02010600030101010101" pitchFamily="2" charset="-122"/>
-              <a:cs typeface="宋体" panose="02010600030101010101" pitchFamily="2" charset="-122"/>
-            </a:endParaRPr>
-          </a:p>
-          <a:p>
-            <a:r>
-              <a:rPr sz="1600">
+            <a:endParaRPr lang="zh-CN" altLang="en-US" sz="1600">
+              <a:latin typeface="宋体" panose="02010600030101010101" pitchFamily="2" charset="-122"/>
+              <a:ea typeface="宋体" panose="02010600030101010101" pitchFamily="2" charset="-122"/>
+              <a:cs typeface="宋体" panose="02010600030101010101" pitchFamily="2" charset="-122"/>
+            </a:endParaRPr>
+          </a:p>
+          <a:p>
+            <a:r>
+              <a:rPr lang="zh-CN" altLang="en-US" sz="1600">
                 <a:latin typeface="宋体" panose="02010600030101010101" pitchFamily="2" charset="-122"/>
                 <a:ea typeface="宋体" panose="02010600030101010101" pitchFamily="2" charset="-122"/>
                 <a:cs typeface="宋体" panose="02010600030101010101" pitchFamily="2" charset="-122"/>
               </a:rPr>
               <a:t>   属性：</a:t>
             </a:r>
-            <a:endParaRPr sz="1600">
-              <a:latin typeface="宋体" panose="02010600030101010101" pitchFamily="2" charset="-122"/>
-              <a:ea typeface="宋体" panose="02010600030101010101" pitchFamily="2" charset="-122"/>
-              <a:cs typeface="宋体" panose="02010600030101010101" pitchFamily="2" charset="-122"/>
-            </a:endParaRPr>
-          </a:p>
-          <a:p>
-            <a:r>
-              <a:rPr sz="1600">
-                <a:latin typeface="宋体" panose="02010600030101010101" pitchFamily="2" charset="-122"/>
-                <a:ea typeface="宋体" panose="02010600030101010101" pitchFamily="2" charset="-122"/>
-                <a:cs typeface="宋体" panose="02010600030101010101" pitchFamily="2" charset="-122"/>
-              </a:rPr>
-              <a:t>   ① value： value值对应XmlAccessType枚举，XmlAccessType包含：</a:t>
-            </a:r>
-            <a:endParaRPr sz="1600">
-              <a:latin typeface="宋体" panose="02010600030101010101" pitchFamily="2" charset="-122"/>
-              <a:ea typeface="宋体" panose="02010600030101010101" pitchFamily="2" charset="-122"/>
-              <a:cs typeface="宋体" panose="02010600030101010101" pitchFamily="2" charset="-122"/>
-            </a:endParaRPr>
-          </a:p>
-          <a:p>
-            <a:r>
-              <a:rPr sz="1600">
-                <a:latin typeface="宋体" panose="02010600030101010101" pitchFamily="2" charset="-122"/>
-                <a:ea typeface="宋体" panose="02010600030101010101" pitchFamily="2" charset="-122"/>
-                <a:cs typeface="宋体" panose="02010600030101010101" pitchFamily="2" charset="-122"/>
-              </a:rPr>
-              <a:t>    1）PROPERTY：JavaBean中所有成对出现的getter/setter都将自动绑定到XML，由@XmlTransient注释的getter/setter除外。</a:t>
-            </a:r>
-            <a:endParaRPr sz="1600">
-              <a:latin typeface="宋体" panose="02010600030101010101" pitchFamily="2" charset="-122"/>
-              <a:ea typeface="宋体" panose="02010600030101010101" pitchFamily="2" charset="-122"/>
-              <a:cs typeface="宋体" panose="02010600030101010101" pitchFamily="2" charset="-122"/>
-            </a:endParaRPr>
-          </a:p>
-          <a:p>
-            <a:r>
-              <a:rPr sz="1600">
-                <a:latin typeface="宋体" panose="02010600030101010101" pitchFamily="2" charset="-122"/>
-                <a:ea typeface="宋体" panose="02010600030101010101" pitchFamily="2" charset="-122"/>
-                <a:cs typeface="宋体" panose="02010600030101010101" pitchFamily="2" charset="-122"/>
-              </a:rPr>
-              <a:t>    2）FIELD：JavaBean中所有非静态、非瞬态字段都将自动绑定到XML，由@XmlTransient注释的字段除外。</a:t>
-            </a:r>
-            <a:endParaRPr sz="1600">
-              <a:latin typeface="宋体" panose="02010600030101010101" pitchFamily="2" charset="-122"/>
-              <a:ea typeface="宋体" panose="02010600030101010101" pitchFamily="2" charset="-122"/>
-              <a:cs typeface="宋体" panose="02010600030101010101" pitchFamily="2" charset="-122"/>
-            </a:endParaRPr>
-          </a:p>
-          <a:p>
-            <a:r>
-              <a:rPr sz="1600">
-                <a:latin typeface="宋体" panose="02010600030101010101" pitchFamily="2" charset="-122"/>
-                <a:ea typeface="宋体" panose="02010600030101010101" pitchFamily="2" charset="-122"/>
-                <a:cs typeface="宋体" panose="02010600030101010101" pitchFamily="2" charset="-122"/>
-              </a:rPr>
-              <a:t>    3）PUBLIC_MEMBER：JavaBean中所有公共的成对出现的getter/setter和字段都将自动绑定到XML，由@XmlTransient注释的除外。</a:t>
-            </a:r>
-            <a:endParaRPr sz="1600">
-              <a:latin typeface="宋体" panose="02010600030101010101" pitchFamily="2" charset="-122"/>
-              <a:ea typeface="宋体" panose="02010600030101010101" pitchFamily="2" charset="-122"/>
-              <a:cs typeface="宋体" panose="02010600030101010101" pitchFamily="2" charset="-122"/>
-            </a:endParaRPr>
-          </a:p>
-          <a:p>
-            <a:r>
-              <a:rPr sz="1600">
-                <a:latin typeface="宋体" panose="02010600030101010101" pitchFamily="2" charset="-122"/>
-                <a:ea typeface="宋体" panose="02010600030101010101" pitchFamily="2" charset="-122"/>
-                <a:cs typeface="宋体" panose="02010600030101010101" pitchFamily="2" charset="-122"/>
-              </a:rPr>
-              <a:t>    4）NONE：默认所有内容都不自动绑定到XML。</a:t>
-            </a:r>
-            <a:endParaRPr sz="1600">
-              <a:latin typeface="宋体" panose="02010600030101010101" pitchFamily="2" charset="-122"/>
-              <a:ea typeface="宋体" panose="02010600030101010101" pitchFamily="2" charset="-122"/>
-              <a:cs typeface="宋体" panose="02010600030101010101" pitchFamily="2" charset="-122"/>
-            </a:endParaRPr>
-          </a:p>
-          <a:p>
-            <a:r>
-              <a:rPr sz="1600">
-                <a:latin typeface="宋体" panose="02010600030101010101" pitchFamily="2" charset="-122"/>
-                <a:ea typeface="宋体" panose="02010600030101010101" pitchFamily="2" charset="-122"/>
-                <a:cs typeface="宋体" panose="02010600030101010101" pitchFamily="2" charset="-122"/>
-              </a:rPr>
-              <a:t>    上面XmlAccessType的几个枚举值，都提到自动绑定，即在类上设置其中任一值时，并不会影响到被特定注解注释的getter/setter、属性、字段等。</a:t>
-            </a:r>
-            <a:endParaRPr sz="1600">
-              <a:latin typeface="宋体" panose="02010600030101010101" pitchFamily="2" charset="-122"/>
-              <a:ea typeface="宋体" panose="02010600030101010101" pitchFamily="2" charset="-122"/>
-              <a:cs typeface="宋体" panose="02010600030101010101" pitchFamily="2" charset="-122"/>
-            </a:endParaRPr>
-          </a:p>
-          <a:p>
-            <a:endParaRPr sz="1600">
-              <a:latin typeface="宋体" panose="02010600030101010101" pitchFamily="2" charset="-122"/>
-              <a:ea typeface="宋体" panose="02010600030101010101" pitchFamily="2" charset="-122"/>
-              <a:cs typeface="宋体" panose="02010600030101010101" pitchFamily="2" charset="-122"/>
-            </a:endParaRPr>
-          </a:p>
-          <a:p>
-            <a:r>
-              <a:rPr sz="1600">
-                <a:latin typeface="宋体" panose="02010600030101010101" pitchFamily="2" charset="-122"/>
-                <a:ea typeface="宋体" panose="02010600030101010101" pitchFamily="2" charset="-122"/>
-                <a:cs typeface="宋体" panose="02010600030101010101" pitchFamily="2" charset="-122"/>
-              </a:rPr>
-              <a:t>@XmlElement： 将getter/setter或非静态、非瞬态字段绑定到XML。</a:t>
-            </a:r>
-            <a:endParaRPr sz="1600">
-              <a:latin typeface="宋体" panose="02010600030101010101" pitchFamily="2" charset="-122"/>
-              <a:ea typeface="宋体" panose="02010600030101010101" pitchFamily="2" charset="-122"/>
-              <a:cs typeface="宋体" panose="02010600030101010101" pitchFamily="2" charset="-122"/>
-            </a:endParaRPr>
-          </a:p>
-          <a:p>
-            <a:r>
-              <a:rPr sz="1600">
-                <a:latin typeface="宋体" panose="02010600030101010101" pitchFamily="2" charset="-122"/>
-                <a:ea typeface="宋体" panose="02010600030101010101" pitchFamily="2" charset="-122"/>
-                <a:cs typeface="宋体" panose="02010600030101010101" pitchFamily="2" charset="-122"/>
-              </a:rPr>
-              <a:t>   级别： 字段、方法、参数。</a:t>
-            </a:r>
-            <a:endParaRPr sz="1600">
-              <a:latin typeface="宋体" panose="02010600030101010101" pitchFamily="2" charset="-122"/>
-              <a:ea typeface="宋体" panose="02010600030101010101" pitchFamily="2" charset="-122"/>
-              <a:cs typeface="宋体" panose="02010600030101010101" pitchFamily="2" charset="-122"/>
-            </a:endParaRPr>
-          </a:p>
-          <a:p>
-            <a:r>
-              <a:rPr sz="1600">
+            <a:endParaRPr lang="zh-CN" altLang="en-US" sz="1600">
+              <a:latin typeface="宋体" panose="02010600030101010101" pitchFamily="2" charset="-122"/>
+              <a:ea typeface="宋体" panose="02010600030101010101" pitchFamily="2" charset="-122"/>
+              <a:cs typeface="宋体" panose="02010600030101010101" pitchFamily="2" charset="-122"/>
+            </a:endParaRPr>
+          </a:p>
+          <a:p>
+            <a:r>
+              <a:rPr lang="zh-CN" altLang="en-US" sz="1600">
+                <a:latin typeface="宋体" panose="02010600030101010101" pitchFamily="2" charset="-122"/>
+                <a:ea typeface="宋体" panose="02010600030101010101" pitchFamily="2" charset="-122"/>
+                <a:cs typeface="宋体" panose="02010600030101010101" pitchFamily="2" charset="-122"/>
+              </a:rPr>
+              <a:t>   ① name： 指定根节点名称，若未指定，则使用类名小写形式作为根节点名称。</a:t>
+            </a:r>
+            <a:endParaRPr lang="zh-CN" altLang="en-US" sz="1600">
+              <a:latin typeface="宋体" panose="02010600030101010101" pitchFamily="2" charset="-122"/>
+              <a:ea typeface="宋体" panose="02010600030101010101" pitchFamily="2" charset="-122"/>
+              <a:cs typeface="宋体" panose="02010600030101010101" pitchFamily="2" charset="-122"/>
+            </a:endParaRPr>
+          </a:p>
+          <a:p>
+            <a:r>
+              <a:rPr lang="zh-CN" altLang="en-US" sz="1600">
+                <a:latin typeface="宋体" panose="02010600030101010101" pitchFamily="2" charset="-122"/>
+                <a:ea typeface="宋体" panose="02010600030101010101" pitchFamily="2" charset="-122"/>
+                <a:cs typeface="宋体" panose="02010600030101010101" pitchFamily="2" charset="-122"/>
+              </a:rPr>
+              <a:t>   ② namespace： 指定根节点命名空间。</a:t>
+            </a:r>
+            <a:endParaRPr lang="zh-CN" altLang="en-US" sz="1600">
+              <a:latin typeface="宋体" panose="02010600030101010101" pitchFamily="2" charset="-122"/>
+              <a:ea typeface="宋体" panose="02010600030101010101" pitchFamily="2" charset="-122"/>
+              <a:cs typeface="宋体" panose="02010600030101010101" pitchFamily="2" charset="-122"/>
+            </a:endParaRPr>
+          </a:p>
+          <a:p>
+            <a:endParaRPr lang="zh-CN" altLang="en-US" sz="1600">
+              <a:latin typeface="宋体" panose="02010600030101010101" pitchFamily="2" charset="-122"/>
+              <a:ea typeface="宋体" panose="02010600030101010101" pitchFamily="2" charset="-122"/>
+              <a:cs typeface="宋体" panose="02010600030101010101" pitchFamily="2" charset="-122"/>
+            </a:endParaRPr>
+          </a:p>
+          <a:p>
+            <a:r>
+              <a:rPr lang="zh-CN" altLang="en-US" sz="1600">
+                <a:latin typeface="宋体" panose="02010600030101010101" pitchFamily="2" charset="-122"/>
+                <a:ea typeface="宋体" panose="02010600030101010101" pitchFamily="2" charset="-122"/>
+                <a:cs typeface="宋体" panose="02010600030101010101" pitchFamily="2" charset="-122"/>
+              </a:rPr>
+              <a:t>@XmlType： 将一个类映射到 XML 模式类型。类是通过属性和字段表示的值的数据容器。模式类型是一个数据容器，用于模式类型的内容模式中的模式组件（如模型组件、属性等）所表示的值。</a:t>
+            </a:r>
+            <a:endParaRPr lang="zh-CN" altLang="en-US" sz="1600">
+              <a:latin typeface="宋体" panose="02010600030101010101" pitchFamily="2" charset="-122"/>
+              <a:ea typeface="宋体" panose="02010600030101010101" pitchFamily="2" charset="-122"/>
+              <a:cs typeface="宋体" panose="02010600030101010101" pitchFamily="2" charset="-122"/>
+            </a:endParaRPr>
+          </a:p>
+          <a:p>
+            <a:r>
+              <a:rPr lang="zh-CN" altLang="en-US" sz="1600">
+                <a:latin typeface="宋体" panose="02010600030101010101" pitchFamily="2" charset="-122"/>
+                <a:ea typeface="宋体" panose="02010600030101010101" pitchFamily="2" charset="-122"/>
+                <a:cs typeface="宋体" panose="02010600030101010101" pitchFamily="2" charset="-122"/>
+              </a:rPr>
+              <a:t>   级别： 类。</a:t>
+            </a:r>
+            <a:endParaRPr lang="zh-CN" altLang="en-US" sz="1600">
+              <a:latin typeface="宋体" panose="02010600030101010101" pitchFamily="2" charset="-122"/>
+              <a:ea typeface="宋体" panose="02010600030101010101" pitchFamily="2" charset="-122"/>
+              <a:cs typeface="宋体" panose="02010600030101010101" pitchFamily="2" charset="-122"/>
+            </a:endParaRPr>
+          </a:p>
+          <a:p>
+            <a:r>
+              <a:rPr lang="zh-CN" altLang="en-US" sz="1600">
                 <a:latin typeface="宋体" panose="02010600030101010101" pitchFamily="2" charset="-122"/>
                 <a:ea typeface="宋体" panose="02010600030101010101" pitchFamily="2" charset="-122"/>
                 <a:cs typeface="宋体" panose="02010600030101010101" pitchFamily="2" charset="-122"/>
               </a:rPr>
               <a:t>   属性：</a:t>
             </a:r>
-            <a:endParaRPr sz="1600">
-              <a:latin typeface="宋体" panose="02010600030101010101" pitchFamily="2" charset="-122"/>
-              <a:ea typeface="宋体" panose="02010600030101010101" pitchFamily="2" charset="-122"/>
-              <a:cs typeface="宋体" panose="02010600030101010101" pitchFamily="2" charset="-122"/>
-            </a:endParaRPr>
-          </a:p>
-          <a:p>
-            <a:r>
-              <a:rPr sz="1600">
-                <a:latin typeface="宋体" panose="02010600030101010101" pitchFamily="2" charset="-122"/>
-                <a:ea typeface="宋体" panose="02010600030101010101" pitchFamily="2" charset="-122"/>
-                <a:cs typeface="宋体" panose="02010600030101010101" pitchFamily="2" charset="-122"/>
-              </a:rPr>
-              <a:t>   ① name： XML元素名称，若未指定，则从JavaBean中取getter/setter或非静态、非瞬态字段作为默认值。</a:t>
-            </a:r>
-            <a:endParaRPr sz="1600">
-              <a:latin typeface="宋体" panose="02010600030101010101" pitchFamily="2" charset="-122"/>
-              <a:ea typeface="宋体" panose="02010600030101010101" pitchFamily="2" charset="-122"/>
-              <a:cs typeface="宋体" panose="02010600030101010101" pitchFamily="2" charset="-122"/>
-            </a:endParaRPr>
-          </a:p>
-          <a:p>
-            <a:r>
-              <a:rPr sz="1600">
-                <a:latin typeface="宋体" panose="02010600030101010101" pitchFamily="2" charset="-122"/>
-                <a:ea typeface="宋体" panose="02010600030101010101" pitchFamily="2" charset="-122"/>
-                <a:cs typeface="宋体" panose="02010600030101010101" pitchFamily="2" charset="-122"/>
-              </a:rPr>
-              <a:t>   ② nillable： 是否处理空参数。</a:t>
-            </a:r>
-            <a:endParaRPr sz="1600">
-              <a:latin typeface="宋体" panose="02010600030101010101" pitchFamily="2" charset="-122"/>
-              <a:ea typeface="宋体" panose="02010600030101010101" pitchFamily="2" charset="-122"/>
-              <a:cs typeface="宋体" panose="02010600030101010101" pitchFamily="2" charset="-122"/>
-            </a:endParaRPr>
-          </a:p>
-          <a:p>
-            <a:r>
-              <a:rPr sz="1600">
-                <a:latin typeface="宋体" panose="02010600030101010101" pitchFamily="2" charset="-122"/>
-                <a:ea typeface="宋体" panose="02010600030101010101" pitchFamily="2" charset="-122"/>
-                <a:cs typeface="宋体" panose="02010600030101010101" pitchFamily="2" charset="-122"/>
-              </a:rPr>
-              <a:t>​   ③ required： 指定该元素是否必需。</a:t>
-            </a:r>
-            <a:endParaRPr sz="1600">
-              <a:latin typeface="宋体" panose="02010600030101010101" pitchFamily="2" charset="-122"/>
-              <a:ea typeface="宋体" panose="02010600030101010101" pitchFamily="2" charset="-122"/>
-              <a:cs typeface="宋体" panose="02010600030101010101" pitchFamily="2" charset="-122"/>
-            </a:endParaRPr>
-          </a:p>
-          <a:p>
-            <a:r>
-              <a:rPr sz="1600">
-                <a:latin typeface="宋体" panose="02010600030101010101" pitchFamily="2" charset="-122"/>
-                <a:ea typeface="宋体" panose="02010600030101010101" pitchFamily="2" charset="-122"/>
-                <a:cs typeface="宋体" panose="02010600030101010101" pitchFamily="2" charset="-122"/>
-              </a:rPr>
-              <a:t>   ④ namespace： 指定XML绑定时命名空间。</a:t>
-            </a:r>
-            <a:endParaRPr sz="1600">
-              <a:latin typeface="宋体" panose="02010600030101010101" pitchFamily="2" charset="-122"/>
-              <a:ea typeface="宋体" panose="02010600030101010101" pitchFamily="2" charset="-122"/>
-              <a:cs typeface="宋体" panose="02010600030101010101" pitchFamily="2" charset="-122"/>
-            </a:endParaRPr>
-          </a:p>
-          <a:p>
-            <a:r>
-              <a:rPr sz="1600">
-                <a:latin typeface="宋体" panose="02010600030101010101" pitchFamily="2" charset="-122"/>
-                <a:ea typeface="宋体" panose="02010600030101010101" pitchFamily="2" charset="-122"/>
-                <a:cs typeface="宋体" panose="02010600030101010101" pitchFamily="2" charset="-122"/>
-              </a:rPr>
-              <a:t>   ⑤ defaultValue： 指定XML绑定时默认值。</a:t>
-            </a:r>
-            <a:endParaRPr sz="1600">
-              <a:latin typeface="宋体" panose="02010600030101010101" pitchFamily="2" charset="-122"/>
-              <a:ea typeface="宋体" panose="02010600030101010101" pitchFamily="2" charset="-122"/>
-              <a:cs typeface="宋体" panose="02010600030101010101" pitchFamily="2" charset="-122"/>
-            </a:endParaRPr>
-          </a:p>
-          <a:p>
-            <a:r>
-              <a:rPr sz="1600">
-                <a:latin typeface="宋体" panose="02010600030101010101" pitchFamily="2" charset="-122"/>
-                <a:ea typeface="宋体" panose="02010600030101010101" pitchFamily="2" charset="-122"/>
-                <a:cs typeface="宋体" panose="02010600030101010101" pitchFamily="2" charset="-122"/>
-              </a:rPr>
-              <a:t>   ⑥ type： 指定getter/setter或非静态、非瞬态字段的关联类型。</a:t>
-            </a:r>
-            <a:endParaRPr sz="1600">
+            <a:endParaRPr lang="zh-CN" altLang="en-US" sz="1600">
+              <a:latin typeface="宋体" panose="02010600030101010101" pitchFamily="2" charset="-122"/>
+              <a:ea typeface="宋体" panose="02010600030101010101" pitchFamily="2" charset="-122"/>
+              <a:cs typeface="宋体" panose="02010600030101010101" pitchFamily="2" charset="-122"/>
+            </a:endParaRPr>
+          </a:p>
+          <a:p>
+            <a:r>
+              <a:rPr lang="zh-CN" altLang="en-US" sz="1600">
+                <a:latin typeface="宋体" panose="02010600030101010101" pitchFamily="2" charset="-122"/>
+                <a:ea typeface="宋体" panose="02010600030101010101" pitchFamily="2" charset="-122"/>
+                <a:cs typeface="宋体" panose="02010600030101010101" pitchFamily="2" charset="-122"/>
+              </a:rPr>
+              <a:t>   ① name： 类映射的XML模型类型的名称。</a:t>
+            </a:r>
+            <a:endParaRPr lang="zh-CN" altLang="en-US" sz="1600">
+              <a:latin typeface="宋体" panose="02010600030101010101" pitchFamily="2" charset="-122"/>
+              <a:ea typeface="宋体" panose="02010600030101010101" pitchFamily="2" charset="-122"/>
+              <a:cs typeface="宋体" panose="02010600030101010101" pitchFamily="2" charset="-122"/>
+            </a:endParaRPr>
+          </a:p>
+          <a:p>
+            <a:r>
+              <a:rPr lang="zh-CN" altLang="en-US" sz="1600">
+                <a:latin typeface="宋体" panose="02010600030101010101" pitchFamily="2" charset="-122"/>
+                <a:ea typeface="宋体" panose="02010600030101010101" pitchFamily="2" charset="-122"/>
+                <a:cs typeface="宋体" panose="02010600030101010101" pitchFamily="2" charset="-122"/>
+              </a:rPr>
+              <a:t>   ② propOrder： 指定类型映射到XML模式复合类型时XML Schema元素的顺序。propOrder中列出的JavaBean属性或字段不得被@XmlTransient注释。propOrder定义的情况下，JavaBean中需要将所有参与属性或字段必须全部列出。</a:t>
+            </a:r>
+            <a:endParaRPr lang="zh-CN" altLang="en-US" sz="1600">
+              <a:latin typeface="宋体" panose="02010600030101010101" pitchFamily="2" charset="-122"/>
+              <a:ea typeface="宋体" panose="02010600030101010101" pitchFamily="2" charset="-122"/>
+              <a:cs typeface="宋体" panose="02010600030101010101" pitchFamily="2" charset="-122"/>
+            </a:endParaRPr>
+          </a:p>
+          <a:p>
+            <a:r>
+              <a:rPr lang="zh-CN" altLang="en-US" sz="1600">
+                <a:latin typeface="宋体" panose="02010600030101010101" pitchFamily="2" charset="-122"/>
+                <a:ea typeface="宋体" panose="02010600030101010101" pitchFamily="2" charset="-122"/>
+                <a:cs typeface="宋体" panose="02010600030101010101" pitchFamily="2" charset="-122"/>
+              </a:rPr>
+              <a:t>   ③ namespace： XML Schema类型的目标命名空间的名称，默认情况下，这是包含该类的包的映射目标命名空间。</a:t>
+            </a:r>
+            <a:endParaRPr lang="zh-CN" altLang="en-US" sz="1600">
+              <a:latin typeface="宋体" panose="02010600030101010101" pitchFamily="2" charset="-122"/>
+              <a:ea typeface="宋体" panose="02010600030101010101" pitchFamily="2" charset="-122"/>
+              <a:cs typeface="宋体" panose="02010600030101010101" pitchFamily="2" charset="-122"/>
+            </a:endParaRPr>
+          </a:p>
+          <a:p>
+            <a:r>
+              <a:rPr lang="zh-CN" altLang="en-US" sz="1600">
+                <a:latin typeface="宋体" panose="02010600030101010101" pitchFamily="2" charset="-122"/>
+                <a:ea typeface="宋体" panose="02010600030101010101" pitchFamily="2" charset="-122"/>
+                <a:cs typeface="宋体" panose="02010600030101010101" pitchFamily="2" charset="-122"/>
+              </a:rPr>
+              <a:t>   ④ factoryClass： 包含用于创建此类的实例的无参数工厂方法的类。</a:t>
+            </a:r>
+            <a:endParaRPr lang="zh-CN" altLang="en-US" sz="1600">
+              <a:latin typeface="宋体" panose="02010600030101010101" pitchFamily="2" charset="-122"/>
+              <a:ea typeface="宋体" panose="02010600030101010101" pitchFamily="2" charset="-122"/>
+              <a:cs typeface="宋体" panose="02010600030101010101" pitchFamily="2" charset="-122"/>
+            </a:endParaRPr>
+          </a:p>
+          <a:p>
+            <a:r>
+              <a:rPr lang="zh-CN" altLang="en-US" sz="1600">
+                <a:latin typeface="宋体" panose="02010600030101010101" pitchFamily="2" charset="-122"/>
+                <a:ea typeface="宋体" panose="02010600030101010101" pitchFamily="2" charset="-122"/>
+                <a:cs typeface="宋体" panose="02010600030101010101" pitchFamily="2" charset="-122"/>
+              </a:rPr>
+              <a:t>   ⑤ factoryMethod： 在factoryClass factoryClass()中指定的类中的无参工厂方法的名称。</a:t>
+            </a:r>
+            <a:endParaRPr lang="zh-CN" altLang="en-US" sz="1600">
+              <a:latin typeface="宋体" panose="02010600030101010101" pitchFamily="2" charset="-122"/>
+              <a:ea typeface="宋体" panose="02010600030101010101" pitchFamily="2" charset="-122"/>
+              <a:cs typeface="宋体" panose="02010600030101010101" pitchFamily="2" charset="-122"/>
+            </a:endParaRPr>
+          </a:p>
+          <a:p>
+            <a:endParaRPr lang="zh-CN" altLang="en-US" sz="1600">
               <a:latin typeface="宋体" panose="02010600030101010101" pitchFamily="2" charset="-122"/>
               <a:ea typeface="宋体" panose="02010600030101010101" pitchFamily="2" charset="-122"/>
               <a:cs typeface="宋体" panose="02010600030101010101" pitchFamily="2" charset="-122"/>
@@ -9592,7 +9363,7 @@
         <p:spPr>
           <a:xfrm>
             <a:off x="156845" y="810260"/>
-            <a:ext cx="11894185" cy="4769485"/>
+            <a:ext cx="11894185" cy="5262245"/>
           </a:xfrm>
           <a:prstGeom prst="rect">
             <a:avLst/>
@@ -9610,7 +9381,7 @@
                 <a:ea typeface="宋体" panose="02010600030101010101" pitchFamily="2" charset="-122"/>
                 <a:cs typeface="宋体" panose="02010600030101010101" pitchFamily="2" charset="-122"/>
               </a:rPr>
-              <a:t>@XmlElementWrapper： 围绕getter/setter或非静态、非瞬态字段生成一个包装元素。</a:t>
+              <a:t>@XmlAccessorType： 指定属性或字段是否进行默认序列化。</a:t>
             </a:r>
             <a:endParaRPr sz="1600">
               <a:latin typeface="宋体" panose="02010600030101010101" pitchFamily="2" charset="-122"/>
@@ -9625,7 +9396,7 @@
                 <a:ea typeface="宋体" panose="02010600030101010101" pitchFamily="2" charset="-122"/>
                 <a:cs typeface="宋体" panose="02010600030101010101" pitchFamily="2" charset="-122"/>
               </a:rPr>
-              <a:t>   级别： 字段、方法。</a:t>
+              <a:t>   级别： 类。</a:t>
             </a:r>
             <a:endParaRPr sz="1600">
               <a:latin typeface="宋体" panose="02010600030101010101" pitchFamily="2" charset="-122"/>
@@ -9655,7 +9426,7 @@
                 <a:ea typeface="宋体" panose="02010600030101010101" pitchFamily="2" charset="-122"/>
                 <a:cs typeface="宋体" panose="02010600030101010101" pitchFamily="2" charset="-122"/>
               </a:rPr>
-              <a:t>   ① name： 指定包装元素的名称，默认从JavaBean中取默认值。</a:t>
+              <a:t>   ① value： value值对应XmlAccessType枚举，XmlAccessType包含：</a:t>
             </a:r>
             <a:endParaRPr sz="1600">
               <a:latin typeface="宋体" panose="02010600030101010101" pitchFamily="2" charset="-122"/>
@@ -9670,7 +9441,7 @@
                 <a:ea typeface="宋体" panose="02010600030101010101" pitchFamily="2" charset="-122"/>
                 <a:cs typeface="宋体" panose="02010600030101010101" pitchFamily="2" charset="-122"/>
               </a:rPr>
-              <a:t>   ② namespace： 指定包装元素的命名空间。</a:t>
+              <a:t>    1）PROPERTY：JavaBean中所有成对出现的getter/setter都将自动绑定到XML，由@XmlTransient注释的getter/setter除外。</a:t>
             </a:r>
             <a:endParaRPr sz="1600">
               <a:latin typeface="宋体" panose="02010600030101010101" pitchFamily="2" charset="-122"/>
@@ -9685,7 +9456,7 @@
                 <a:ea typeface="宋体" panose="02010600030101010101" pitchFamily="2" charset="-122"/>
                 <a:cs typeface="宋体" panose="02010600030101010101" pitchFamily="2" charset="-122"/>
               </a:rPr>
-              <a:t>   ③ nillable： 是否处理空参数。</a:t>
+              <a:t>    2）FIELD：JavaBean中所有非静态、非瞬态字段都将自动绑定到XML，由@XmlTransient注释的字段除外。</a:t>
             </a:r>
             <a:endParaRPr sz="1600">
               <a:latin typeface="宋体" panose="02010600030101010101" pitchFamily="2" charset="-122"/>
@@ -9700,7 +9471,7 @@
                 <a:ea typeface="宋体" panose="02010600030101010101" pitchFamily="2" charset="-122"/>
                 <a:cs typeface="宋体" panose="02010600030101010101" pitchFamily="2" charset="-122"/>
               </a:rPr>
-              <a:t>   ④ required： 指定该元素是否必需。</a:t>
+              <a:t>    3）PUBLIC_MEMBER：JavaBean中所有公共的成对出现的getter/setter和字段都将自动绑定到XML，由@XmlTransient注释的除外。</a:t>
             </a:r>
             <a:endParaRPr sz="1600">
               <a:latin typeface="宋体" panose="02010600030101010101" pitchFamily="2" charset="-122"/>
@@ -9709,6 +9480,14 @@
             </a:endParaRPr>
           </a:p>
           <a:p>
+            <a:r>
+              <a:rPr sz="1600">
+                <a:latin typeface="宋体" panose="02010600030101010101" pitchFamily="2" charset="-122"/>
+                <a:ea typeface="宋体" panose="02010600030101010101" pitchFamily="2" charset="-122"/>
+                <a:cs typeface="宋体" panose="02010600030101010101" pitchFamily="2" charset="-122"/>
+              </a:rPr>
+              <a:t>    4）NONE：默认所有内容都不自动绑定到XML。</a:t>
+            </a:r>
             <a:endParaRPr sz="1600">
               <a:latin typeface="宋体" panose="02010600030101010101" pitchFamily="2" charset="-122"/>
               <a:ea typeface="宋体" panose="02010600030101010101" pitchFamily="2" charset="-122"/>
@@ -9722,7 +9501,7 @@
                 <a:ea typeface="宋体" panose="02010600030101010101" pitchFamily="2" charset="-122"/>
                 <a:cs typeface="宋体" panose="02010600030101010101" pitchFamily="2" charset="-122"/>
               </a:rPr>
-              <a:t>@XmlAttribute： 被@XmlAttribute注释的字段、方法，将被绑定为本类对应元素的属性。属性名取getter/setter或非静态、非瞬态字段作为默认值。</a:t>
+              <a:t>    上面XmlAccessType的几个枚举值，都提到自动绑定，即在类上设置其中任一值时，并不会影响到被特定注解注释的getter/setter、属性、字段等。</a:t>
             </a:r>
             <a:endParaRPr sz="1600">
               <a:latin typeface="宋体" panose="02010600030101010101" pitchFamily="2" charset="-122"/>
@@ -9731,13 +9510,20 @@
             </a:endParaRPr>
           </a:p>
           <a:p>
+            <a:endParaRPr sz="1600">
+              <a:latin typeface="宋体" panose="02010600030101010101" pitchFamily="2" charset="-122"/>
+              <a:ea typeface="宋体" panose="02010600030101010101" pitchFamily="2" charset="-122"/>
+              <a:cs typeface="宋体" panose="02010600030101010101" pitchFamily="2" charset="-122"/>
+            </a:endParaRPr>
+          </a:p>
+          <a:p>
             <a:r>
               <a:rPr sz="1600">
                 <a:latin typeface="宋体" panose="02010600030101010101" pitchFamily="2" charset="-122"/>
                 <a:ea typeface="宋体" panose="02010600030101010101" pitchFamily="2" charset="-122"/>
                 <a:cs typeface="宋体" panose="02010600030101010101" pitchFamily="2" charset="-122"/>
               </a:rPr>
-              <a:t>   级别： 字段、方法。</a:t>
+              <a:t>@XmlElement： 将getter/setter或非静态、非瞬态字段绑定到XML。</a:t>
             </a:r>
             <a:endParaRPr sz="1600">
               <a:latin typeface="宋体" panose="02010600030101010101" pitchFamily="2" charset="-122"/>
@@ -9752,6 +9538,21 @@
                 <a:ea typeface="宋体" panose="02010600030101010101" pitchFamily="2" charset="-122"/>
                 <a:cs typeface="宋体" panose="02010600030101010101" pitchFamily="2" charset="-122"/>
               </a:rPr>
+              <a:t>   级别： 字段、方法、参数。</a:t>
+            </a:r>
+            <a:endParaRPr sz="1600">
+              <a:latin typeface="宋体" panose="02010600030101010101" pitchFamily="2" charset="-122"/>
+              <a:ea typeface="宋体" panose="02010600030101010101" pitchFamily="2" charset="-122"/>
+              <a:cs typeface="宋体" panose="02010600030101010101" pitchFamily="2" charset="-122"/>
+            </a:endParaRPr>
+          </a:p>
+          <a:p>
+            <a:r>
+              <a:rPr sz="1600">
+                <a:latin typeface="宋体" panose="02010600030101010101" pitchFamily="2" charset="-122"/>
+                <a:ea typeface="宋体" panose="02010600030101010101" pitchFamily="2" charset="-122"/>
+                <a:cs typeface="宋体" panose="02010600030101010101" pitchFamily="2" charset="-122"/>
+              </a:rPr>
               <a:t>   属性：</a:t>
             </a:r>
             <a:endParaRPr sz="1600">
@@ -9767,7 +9568,7 @@
                 <a:ea typeface="宋体" panose="02010600030101010101" pitchFamily="2" charset="-122"/>
                 <a:cs typeface="宋体" panose="02010600030101010101" pitchFamily="2" charset="-122"/>
               </a:rPr>
-              <a:t>   ① name： 属性名称，默认情况下，在不指定的情况下，默认是从JavaBean取默认值作为属性名。指定的情况下，使用name的值作为属性名。</a:t>
+              <a:t>   ① name： XML元素名称，若未指定，则从JavaBean中取getter/setter或非静态、非瞬态字段作为默认值。</a:t>
             </a:r>
             <a:endParaRPr sz="1600">
               <a:latin typeface="宋体" panose="02010600030101010101" pitchFamily="2" charset="-122"/>
@@ -9782,7 +9583,7 @@
                 <a:ea typeface="宋体" panose="02010600030101010101" pitchFamily="2" charset="-122"/>
                 <a:cs typeface="宋体" panose="02010600030101010101" pitchFamily="2" charset="-122"/>
               </a:rPr>
-              <a:t>   ② namespace： 指定属性名对应的命名空间。</a:t>
+              <a:t>   ② nillable： 是否处理空参数。</a:t>
             </a:r>
             <a:endParaRPr sz="1600">
               <a:latin typeface="宋体" panose="02010600030101010101" pitchFamily="2" charset="-122"/>
@@ -9797,7 +9598,7 @@
                 <a:ea typeface="宋体" panose="02010600030101010101" pitchFamily="2" charset="-122"/>
                 <a:cs typeface="宋体" panose="02010600030101010101" pitchFamily="2" charset="-122"/>
               </a:rPr>
-              <a:t>   ③ required： 指定该属性是否必需。</a:t>
+              <a:t>​   ③ required： 指定该元素是否必需。</a:t>
             </a:r>
             <a:endParaRPr sz="1600">
               <a:latin typeface="宋体" panose="02010600030101010101" pitchFamily="2" charset="-122"/>
@@ -9806,6 +9607,14 @@
             </a:endParaRPr>
           </a:p>
           <a:p>
+            <a:r>
+              <a:rPr sz="1600">
+                <a:latin typeface="宋体" panose="02010600030101010101" pitchFamily="2" charset="-122"/>
+                <a:ea typeface="宋体" panose="02010600030101010101" pitchFamily="2" charset="-122"/>
+                <a:cs typeface="宋体" panose="02010600030101010101" pitchFamily="2" charset="-122"/>
+              </a:rPr>
+              <a:t>   ④ namespace： 指定XML绑定时命名空间。</a:t>
+            </a:r>
             <a:endParaRPr sz="1600">
               <a:latin typeface="宋体" panose="02010600030101010101" pitchFamily="2" charset="-122"/>
               <a:ea typeface="宋体" panose="02010600030101010101" pitchFamily="2" charset="-122"/>
@@ -9819,7 +9628,7 @@
                 <a:ea typeface="宋体" panose="02010600030101010101" pitchFamily="2" charset="-122"/>
                 <a:cs typeface="宋体" panose="02010600030101010101" pitchFamily="2" charset="-122"/>
               </a:rPr>
-              <a:t>@XmlTransient： 被@XmlTransient注释的类、字段、方法，在进行XML绑定时将被忽略，和序列化时transient关键字作用类似。</a:t>
+              <a:t>   ⑤ defaultValue： 指定XML绑定时默认值。</a:t>
             </a:r>
             <a:endParaRPr sz="1600">
               <a:latin typeface="宋体" panose="02010600030101010101" pitchFamily="2" charset="-122"/>
@@ -9834,7 +9643,7 @@
                 <a:ea typeface="宋体" panose="02010600030101010101" pitchFamily="2" charset="-122"/>
                 <a:cs typeface="宋体" panose="02010600030101010101" pitchFamily="2" charset="-122"/>
               </a:rPr>
-              <a:t>   级别： 类、字段、方法。</a:t>
+              <a:t>   ⑥ type： 指定getter/setter或非静态、非瞬态字段的关联类型。</a:t>
             </a:r>
             <a:endParaRPr sz="1600">
               <a:latin typeface="宋体" panose="02010600030101010101" pitchFamily="2" charset="-122"/>
@@ -9856,6 +9665,684 @@
 </file>
 
 <file path=ppt/slides/slide19.xml><?xml version="1.0" encoding="utf-8"?>
+<p:sld xmlns:a="http://schemas.openxmlformats.org/drawingml/2006/main" xmlns:r="http://schemas.openxmlformats.org/officeDocument/2006/relationships" xmlns:p="http://schemas.openxmlformats.org/presentationml/2006/main">
+  <p:cSld>
+    <p:bg>
+      <p:bgPr>
+        <a:blipFill rotWithShape="1">
+          <a:blip r:embed="rId1"/>
+          <a:stretch>
+            <a:fillRect/>
+          </a:stretch>
+        </a:blipFill>
+        <a:effectLst/>
+      </p:bgPr>
+    </p:bg>
+    <p:spTree>
+      <p:nvGrpSpPr>
+        <p:cNvPr id="1" name=""/>
+        <p:cNvGrpSpPr/>
+        <p:nvPr/>
+      </p:nvGrpSpPr>
+      <p:grpSpPr/>
+      <p:sp>
+        <p:nvSpPr>
+          <p:cNvPr id="3" name="文本框 2"/>
+          <p:cNvSpPr txBox="1"/>
+          <p:nvPr/>
+        </p:nvSpPr>
+        <p:spPr>
+          <a:xfrm>
+            <a:off x="156845" y="810260"/>
+            <a:ext cx="11894185" cy="4769485"/>
+          </a:xfrm>
+          <a:prstGeom prst="rect">
+            <a:avLst/>
+          </a:prstGeom>
+          <a:noFill/>
+        </p:spPr>
+        <p:txBody>
+          <a:bodyPr wrap="square" rtlCol="0">
+            <a:spAutoFit/>
+          </a:bodyPr>
+          <a:p>
+            <a:r>
+              <a:rPr sz="1600">
+                <a:latin typeface="宋体" panose="02010600030101010101" pitchFamily="2" charset="-122"/>
+                <a:ea typeface="宋体" panose="02010600030101010101" pitchFamily="2" charset="-122"/>
+                <a:cs typeface="宋体" panose="02010600030101010101" pitchFamily="2" charset="-122"/>
+              </a:rPr>
+              <a:t>@XmlElementWrapper： 围绕getter/setter或非静态、非瞬态字段生成一个包装元素。</a:t>
+            </a:r>
+            <a:endParaRPr sz="1600">
+              <a:latin typeface="宋体" panose="02010600030101010101" pitchFamily="2" charset="-122"/>
+              <a:ea typeface="宋体" panose="02010600030101010101" pitchFamily="2" charset="-122"/>
+              <a:cs typeface="宋体" panose="02010600030101010101" pitchFamily="2" charset="-122"/>
+            </a:endParaRPr>
+          </a:p>
+          <a:p>
+            <a:r>
+              <a:rPr sz="1600">
+                <a:latin typeface="宋体" panose="02010600030101010101" pitchFamily="2" charset="-122"/>
+                <a:ea typeface="宋体" panose="02010600030101010101" pitchFamily="2" charset="-122"/>
+                <a:cs typeface="宋体" panose="02010600030101010101" pitchFamily="2" charset="-122"/>
+              </a:rPr>
+              <a:t>   级别： 字段、方法。</a:t>
+            </a:r>
+            <a:endParaRPr sz="1600">
+              <a:latin typeface="宋体" panose="02010600030101010101" pitchFamily="2" charset="-122"/>
+              <a:ea typeface="宋体" panose="02010600030101010101" pitchFamily="2" charset="-122"/>
+              <a:cs typeface="宋体" panose="02010600030101010101" pitchFamily="2" charset="-122"/>
+            </a:endParaRPr>
+          </a:p>
+          <a:p>
+            <a:r>
+              <a:rPr sz="1600">
+                <a:latin typeface="宋体" panose="02010600030101010101" pitchFamily="2" charset="-122"/>
+                <a:ea typeface="宋体" panose="02010600030101010101" pitchFamily="2" charset="-122"/>
+                <a:cs typeface="宋体" panose="02010600030101010101" pitchFamily="2" charset="-122"/>
+              </a:rPr>
+              <a:t>   属性：</a:t>
+            </a:r>
+            <a:endParaRPr sz="1600">
+              <a:latin typeface="宋体" panose="02010600030101010101" pitchFamily="2" charset="-122"/>
+              <a:ea typeface="宋体" panose="02010600030101010101" pitchFamily="2" charset="-122"/>
+              <a:cs typeface="宋体" panose="02010600030101010101" pitchFamily="2" charset="-122"/>
+            </a:endParaRPr>
+          </a:p>
+          <a:p>
+            <a:r>
+              <a:rPr sz="1600">
+                <a:latin typeface="宋体" panose="02010600030101010101" pitchFamily="2" charset="-122"/>
+                <a:ea typeface="宋体" panose="02010600030101010101" pitchFamily="2" charset="-122"/>
+                <a:cs typeface="宋体" panose="02010600030101010101" pitchFamily="2" charset="-122"/>
+              </a:rPr>
+              <a:t>   ① name： 指定包装元素的名称，默认从JavaBean中取默认值。</a:t>
+            </a:r>
+            <a:endParaRPr sz="1600">
+              <a:latin typeface="宋体" panose="02010600030101010101" pitchFamily="2" charset="-122"/>
+              <a:ea typeface="宋体" panose="02010600030101010101" pitchFamily="2" charset="-122"/>
+              <a:cs typeface="宋体" panose="02010600030101010101" pitchFamily="2" charset="-122"/>
+            </a:endParaRPr>
+          </a:p>
+          <a:p>
+            <a:r>
+              <a:rPr sz="1600">
+                <a:latin typeface="宋体" panose="02010600030101010101" pitchFamily="2" charset="-122"/>
+                <a:ea typeface="宋体" panose="02010600030101010101" pitchFamily="2" charset="-122"/>
+                <a:cs typeface="宋体" panose="02010600030101010101" pitchFamily="2" charset="-122"/>
+              </a:rPr>
+              <a:t>   ② namespace： 指定包装元素的命名空间。</a:t>
+            </a:r>
+            <a:endParaRPr sz="1600">
+              <a:latin typeface="宋体" panose="02010600030101010101" pitchFamily="2" charset="-122"/>
+              <a:ea typeface="宋体" panose="02010600030101010101" pitchFamily="2" charset="-122"/>
+              <a:cs typeface="宋体" panose="02010600030101010101" pitchFamily="2" charset="-122"/>
+            </a:endParaRPr>
+          </a:p>
+          <a:p>
+            <a:r>
+              <a:rPr sz="1600">
+                <a:latin typeface="宋体" panose="02010600030101010101" pitchFamily="2" charset="-122"/>
+                <a:ea typeface="宋体" panose="02010600030101010101" pitchFamily="2" charset="-122"/>
+                <a:cs typeface="宋体" panose="02010600030101010101" pitchFamily="2" charset="-122"/>
+              </a:rPr>
+              <a:t>   ③ nillable： 是否处理空参数。</a:t>
+            </a:r>
+            <a:endParaRPr sz="1600">
+              <a:latin typeface="宋体" panose="02010600030101010101" pitchFamily="2" charset="-122"/>
+              <a:ea typeface="宋体" panose="02010600030101010101" pitchFamily="2" charset="-122"/>
+              <a:cs typeface="宋体" panose="02010600030101010101" pitchFamily="2" charset="-122"/>
+            </a:endParaRPr>
+          </a:p>
+          <a:p>
+            <a:r>
+              <a:rPr sz="1600">
+                <a:latin typeface="宋体" panose="02010600030101010101" pitchFamily="2" charset="-122"/>
+                <a:ea typeface="宋体" panose="02010600030101010101" pitchFamily="2" charset="-122"/>
+                <a:cs typeface="宋体" panose="02010600030101010101" pitchFamily="2" charset="-122"/>
+              </a:rPr>
+              <a:t>   ④ required： 指定该元素是否必需。</a:t>
+            </a:r>
+            <a:endParaRPr sz="1600">
+              <a:latin typeface="宋体" panose="02010600030101010101" pitchFamily="2" charset="-122"/>
+              <a:ea typeface="宋体" panose="02010600030101010101" pitchFamily="2" charset="-122"/>
+              <a:cs typeface="宋体" panose="02010600030101010101" pitchFamily="2" charset="-122"/>
+            </a:endParaRPr>
+          </a:p>
+          <a:p>
+            <a:endParaRPr sz="1600">
+              <a:latin typeface="宋体" panose="02010600030101010101" pitchFamily="2" charset="-122"/>
+              <a:ea typeface="宋体" panose="02010600030101010101" pitchFamily="2" charset="-122"/>
+              <a:cs typeface="宋体" panose="02010600030101010101" pitchFamily="2" charset="-122"/>
+            </a:endParaRPr>
+          </a:p>
+          <a:p>
+            <a:r>
+              <a:rPr sz="1600">
+                <a:latin typeface="宋体" panose="02010600030101010101" pitchFamily="2" charset="-122"/>
+                <a:ea typeface="宋体" panose="02010600030101010101" pitchFamily="2" charset="-122"/>
+                <a:cs typeface="宋体" panose="02010600030101010101" pitchFamily="2" charset="-122"/>
+              </a:rPr>
+              <a:t>@XmlAttribute： 被@XmlAttribute注释的字段、方法，将被绑定为本类对应元素的属性。属性名取getter/setter或非静态、非瞬态字段作为默认值。</a:t>
+            </a:r>
+            <a:endParaRPr sz="1600">
+              <a:latin typeface="宋体" panose="02010600030101010101" pitchFamily="2" charset="-122"/>
+              <a:ea typeface="宋体" panose="02010600030101010101" pitchFamily="2" charset="-122"/>
+              <a:cs typeface="宋体" panose="02010600030101010101" pitchFamily="2" charset="-122"/>
+            </a:endParaRPr>
+          </a:p>
+          <a:p>
+            <a:r>
+              <a:rPr sz="1600">
+                <a:latin typeface="宋体" panose="02010600030101010101" pitchFamily="2" charset="-122"/>
+                <a:ea typeface="宋体" panose="02010600030101010101" pitchFamily="2" charset="-122"/>
+                <a:cs typeface="宋体" panose="02010600030101010101" pitchFamily="2" charset="-122"/>
+              </a:rPr>
+              <a:t>   级别： 字段、方法。</a:t>
+            </a:r>
+            <a:endParaRPr sz="1600">
+              <a:latin typeface="宋体" panose="02010600030101010101" pitchFamily="2" charset="-122"/>
+              <a:ea typeface="宋体" panose="02010600030101010101" pitchFamily="2" charset="-122"/>
+              <a:cs typeface="宋体" panose="02010600030101010101" pitchFamily="2" charset="-122"/>
+            </a:endParaRPr>
+          </a:p>
+          <a:p>
+            <a:r>
+              <a:rPr sz="1600">
+                <a:latin typeface="宋体" panose="02010600030101010101" pitchFamily="2" charset="-122"/>
+                <a:ea typeface="宋体" panose="02010600030101010101" pitchFamily="2" charset="-122"/>
+                <a:cs typeface="宋体" panose="02010600030101010101" pitchFamily="2" charset="-122"/>
+              </a:rPr>
+              <a:t>   属性：</a:t>
+            </a:r>
+            <a:endParaRPr sz="1600">
+              <a:latin typeface="宋体" panose="02010600030101010101" pitchFamily="2" charset="-122"/>
+              <a:ea typeface="宋体" panose="02010600030101010101" pitchFamily="2" charset="-122"/>
+              <a:cs typeface="宋体" panose="02010600030101010101" pitchFamily="2" charset="-122"/>
+            </a:endParaRPr>
+          </a:p>
+          <a:p>
+            <a:r>
+              <a:rPr sz="1600">
+                <a:latin typeface="宋体" panose="02010600030101010101" pitchFamily="2" charset="-122"/>
+                <a:ea typeface="宋体" panose="02010600030101010101" pitchFamily="2" charset="-122"/>
+                <a:cs typeface="宋体" panose="02010600030101010101" pitchFamily="2" charset="-122"/>
+              </a:rPr>
+              <a:t>   ① name： 属性名称，默认情况下，在不指定的情况下，默认是从JavaBean取默认值作为属性名。指定的情况下，使用name的值作为属性名。</a:t>
+            </a:r>
+            <a:endParaRPr sz="1600">
+              <a:latin typeface="宋体" panose="02010600030101010101" pitchFamily="2" charset="-122"/>
+              <a:ea typeface="宋体" panose="02010600030101010101" pitchFamily="2" charset="-122"/>
+              <a:cs typeface="宋体" panose="02010600030101010101" pitchFamily="2" charset="-122"/>
+            </a:endParaRPr>
+          </a:p>
+          <a:p>
+            <a:r>
+              <a:rPr sz="1600">
+                <a:latin typeface="宋体" panose="02010600030101010101" pitchFamily="2" charset="-122"/>
+                <a:ea typeface="宋体" panose="02010600030101010101" pitchFamily="2" charset="-122"/>
+                <a:cs typeface="宋体" panose="02010600030101010101" pitchFamily="2" charset="-122"/>
+              </a:rPr>
+              <a:t>   ② namespace： 指定属性名对应的命名空间。</a:t>
+            </a:r>
+            <a:endParaRPr sz="1600">
+              <a:latin typeface="宋体" panose="02010600030101010101" pitchFamily="2" charset="-122"/>
+              <a:ea typeface="宋体" panose="02010600030101010101" pitchFamily="2" charset="-122"/>
+              <a:cs typeface="宋体" panose="02010600030101010101" pitchFamily="2" charset="-122"/>
+            </a:endParaRPr>
+          </a:p>
+          <a:p>
+            <a:r>
+              <a:rPr sz="1600">
+                <a:latin typeface="宋体" panose="02010600030101010101" pitchFamily="2" charset="-122"/>
+                <a:ea typeface="宋体" panose="02010600030101010101" pitchFamily="2" charset="-122"/>
+                <a:cs typeface="宋体" panose="02010600030101010101" pitchFamily="2" charset="-122"/>
+              </a:rPr>
+              <a:t>   ③ required： 指定该属性是否必需。</a:t>
+            </a:r>
+            <a:endParaRPr sz="1600">
+              <a:latin typeface="宋体" panose="02010600030101010101" pitchFamily="2" charset="-122"/>
+              <a:ea typeface="宋体" panose="02010600030101010101" pitchFamily="2" charset="-122"/>
+              <a:cs typeface="宋体" panose="02010600030101010101" pitchFamily="2" charset="-122"/>
+            </a:endParaRPr>
+          </a:p>
+          <a:p>
+            <a:endParaRPr sz="1600">
+              <a:latin typeface="宋体" panose="02010600030101010101" pitchFamily="2" charset="-122"/>
+              <a:ea typeface="宋体" panose="02010600030101010101" pitchFamily="2" charset="-122"/>
+              <a:cs typeface="宋体" panose="02010600030101010101" pitchFamily="2" charset="-122"/>
+            </a:endParaRPr>
+          </a:p>
+          <a:p>
+            <a:r>
+              <a:rPr sz="1600">
+                <a:latin typeface="宋体" panose="02010600030101010101" pitchFamily="2" charset="-122"/>
+                <a:ea typeface="宋体" panose="02010600030101010101" pitchFamily="2" charset="-122"/>
+                <a:cs typeface="宋体" panose="02010600030101010101" pitchFamily="2" charset="-122"/>
+              </a:rPr>
+              <a:t>@XmlTransient： 被@XmlTransient注释的类、字段、方法，在进行XML绑定时将被忽略，和序列化时transient关键字作用类似。</a:t>
+            </a:r>
+            <a:endParaRPr sz="1600">
+              <a:latin typeface="宋体" panose="02010600030101010101" pitchFamily="2" charset="-122"/>
+              <a:ea typeface="宋体" panose="02010600030101010101" pitchFamily="2" charset="-122"/>
+              <a:cs typeface="宋体" panose="02010600030101010101" pitchFamily="2" charset="-122"/>
+            </a:endParaRPr>
+          </a:p>
+          <a:p>
+            <a:r>
+              <a:rPr sz="1600">
+                <a:latin typeface="宋体" panose="02010600030101010101" pitchFamily="2" charset="-122"/>
+                <a:ea typeface="宋体" panose="02010600030101010101" pitchFamily="2" charset="-122"/>
+                <a:cs typeface="宋体" panose="02010600030101010101" pitchFamily="2" charset="-122"/>
+              </a:rPr>
+              <a:t>   级别： 类、字段、方法。</a:t>
+            </a:r>
+            <a:endParaRPr sz="1600">
+              <a:latin typeface="宋体" panose="02010600030101010101" pitchFamily="2" charset="-122"/>
+              <a:ea typeface="宋体" panose="02010600030101010101" pitchFamily="2" charset="-122"/>
+              <a:cs typeface="宋体" panose="02010600030101010101" pitchFamily="2" charset="-122"/>
+            </a:endParaRPr>
+          </a:p>
+        </p:txBody>
+      </p:sp>
+    </p:spTree>
+    <p:custDataLst>
+      <p:tags r:id="rId2"/>
+    </p:custDataLst>
+  </p:cSld>
+  <p:clrMapOvr>
+    <a:masterClrMapping/>
+  </p:clrMapOvr>
+</p:sld>
+</file>
+
+<file path=ppt/slides/slide2.xml><?xml version="1.0" encoding="utf-8"?>
+<p:sld xmlns:a="http://schemas.openxmlformats.org/drawingml/2006/main" xmlns:r="http://schemas.openxmlformats.org/officeDocument/2006/relationships" xmlns:p="http://schemas.openxmlformats.org/presentationml/2006/main">
+  <p:cSld>
+    <p:bg>
+      <p:bgPr>
+        <a:blipFill rotWithShape="1">
+          <a:blip r:embed="rId1"/>
+          <a:stretch>
+            <a:fillRect/>
+          </a:stretch>
+        </a:blipFill>
+        <a:effectLst/>
+      </p:bgPr>
+    </p:bg>
+    <p:spTree>
+      <p:nvGrpSpPr>
+        <p:cNvPr id="1" name=""/>
+        <p:cNvGrpSpPr/>
+        <p:nvPr/>
+      </p:nvGrpSpPr>
+      <p:grpSpPr/>
+      <p:sp>
+        <p:nvSpPr>
+          <p:cNvPr id="6" name="文本框 5"/>
+          <p:cNvSpPr txBox="1"/>
+          <p:nvPr/>
+        </p:nvSpPr>
+        <p:spPr>
+          <a:xfrm>
+            <a:off x="220980" y="768985"/>
+            <a:ext cx="11749405" cy="583565"/>
+          </a:xfrm>
+          <a:prstGeom prst="rect">
+            <a:avLst/>
+          </a:prstGeom>
+          <a:noFill/>
+        </p:spPr>
+        <p:txBody>
+          <a:bodyPr wrap="square" rtlCol="0">
+            <a:spAutoFit/>
+          </a:bodyPr>
+          <a:p>
+            <a:pPr algn="ctr"/>
+            <a:r>
+              <a:rPr lang="en-US" altLang="zh-CN" sz="3200">
+                <a:latin typeface="+mj-ea"/>
+                <a:ea typeface="+mj-ea"/>
+                <a:cs typeface="+mj-ea"/>
+                <a:sym typeface="+mn-ea"/>
+              </a:rPr>
+              <a:t>XML</a:t>
+            </a:r>
+            <a:r>
+              <a:rPr lang="zh-CN" altLang="en-US" sz="3200">
+                <a:latin typeface="+mj-ea"/>
+                <a:ea typeface="+mj-ea"/>
+                <a:cs typeface="+mj-ea"/>
+                <a:sym typeface="+mn-ea"/>
+              </a:rPr>
+              <a:t>（</a:t>
+            </a:r>
+            <a:r>
+              <a:rPr lang="zh-CN" altLang="en-US" sz="3200">
+                <a:latin typeface="+mj-ea"/>
+                <a:ea typeface="+mj-ea"/>
+                <a:cs typeface="+mj-ea"/>
+                <a:sym typeface="+mn-ea"/>
+              </a:rPr>
+              <a:t>EXtensible Markup Language</a:t>
+            </a:r>
+            <a:r>
+              <a:rPr lang="zh-CN" altLang="en-US" sz="3200">
+                <a:latin typeface="+mj-ea"/>
+                <a:ea typeface="+mj-ea"/>
+                <a:cs typeface="+mj-ea"/>
+                <a:sym typeface="+mn-ea"/>
+              </a:rPr>
+              <a:t>）简介</a:t>
+            </a:r>
+            <a:endParaRPr lang="zh-CN" altLang="en-US" sz="3200">
+              <a:latin typeface="+mj-ea"/>
+              <a:ea typeface="+mj-ea"/>
+              <a:cs typeface="+mj-ea"/>
+              <a:sym typeface="+mn-ea"/>
+            </a:endParaRPr>
+          </a:p>
+        </p:txBody>
+      </p:sp>
+      <p:sp>
+        <p:nvSpPr>
+          <p:cNvPr id="2" name="文本框 1"/>
+          <p:cNvSpPr txBox="1"/>
+          <p:nvPr/>
+        </p:nvSpPr>
+        <p:spPr>
+          <a:xfrm>
+            <a:off x="220980" y="1386205"/>
+            <a:ext cx="11867515" cy="5015865"/>
+          </a:xfrm>
+          <a:prstGeom prst="rect">
+            <a:avLst/>
+          </a:prstGeom>
+          <a:noFill/>
+        </p:spPr>
+        <p:txBody>
+          <a:bodyPr wrap="square" rtlCol="0">
+            <a:spAutoFit/>
+          </a:bodyPr>
+          <a:p>
+            <a:r>
+              <a:rPr lang="zh-CN" altLang="en-US" sz="1600">
+                <a:latin typeface="宋体" panose="02010600030101010101" pitchFamily="2" charset="-122"/>
+                <a:ea typeface="宋体" panose="02010600030101010101" pitchFamily="2" charset="-122"/>
+                <a:cs typeface="宋体" panose="02010600030101010101" pitchFamily="2" charset="-122"/>
+              </a:rPr>
+              <a:t>可扩展标记语言，标准通用标记语言的子集，简称XML。是一种用于标记电子文件使其具有结构性的标记语言。</a:t>
+            </a:r>
+            <a:endParaRPr lang="zh-CN" altLang="en-US" sz="1600">
+              <a:latin typeface="宋体" panose="02010600030101010101" pitchFamily="2" charset="-122"/>
+              <a:ea typeface="宋体" panose="02010600030101010101" pitchFamily="2" charset="-122"/>
+              <a:cs typeface="宋体" panose="02010600030101010101" pitchFamily="2" charset="-122"/>
+            </a:endParaRPr>
+          </a:p>
+          <a:p>
+            <a:endParaRPr lang="zh-CN" altLang="en-US" sz="1600">
+              <a:latin typeface="宋体" panose="02010600030101010101" pitchFamily="2" charset="-122"/>
+              <a:ea typeface="宋体" panose="02010600030101010101" pitchFamily="2" charset="-122"/>
+              <a:cs typeface="宋体" panose="02010600030101010101" pitchFamily="2" charset="-122"/>
+            </a:endParaRPr>
+          </a:p>
+          <a:p>
+            <a:r>
+              <a:rPr lang="zh-CN" altLang="en-US" sz="1600">
+                <a:latin typeface="宋体" panose="02010600030101010101" pitchFamily="2" charset="-122"/>
+                <a:ea typeface="宋体" panose="02010600030101010101" pitchFamily="2" charset="-122"/>
+                <a:cs typeface="宋体" panose="02010600030101010101" pitchFamily="2" charset="-122"/>
+              </a:rPr>
+              <a:t>在电子计算机中，标记指计算机所能理解的信息符号，通过此种标记，计算机之间可以处理包含各种的信息比如文章等。它可以用来标记数据、定义数据类型，是一种允许用户对自己的标记语言进行定义的源语言。 它非常适合万维网传输，提供统一的方法来描述和交换独立于应用程序或供应商的结构化数据。是Internet环境中</a:t>
+            </a:r>
+            <a:r>
+              <a:rPr lang="zh-CN" altLang="en-US" sz="1600">
+                <a:solidFill>
+                  <a:srgbClr val="FF0000"/>
+                </a:solidFill>
+                <a:latin typeface="宋体" panose="02010600030101010101" pitchFamily="2" charset="-122"/>
+                <a:ea typeface="宋体" panose="02010600030101010101" pitchFamily="2" charset="-122"/>
+                <a:cs typeface="宋体" panose="02010600030101010101" pitchFamily="2" charset="-122"/>
+              </a:rPr>
+              <a:t>跨平台</a:t>
+            </a:r>
+            <a:r>
+              <a:rPr lang="zh-CN" altLang="en-US" sz="1600">
+                <a:latin typeface="宋体" panose="02010600030101010101" pitchFamily="2" charset="-122"/>
+                <a:ea typeface="宋体" panose="02010600030101010101" pitchFamily="2" charset="-122"/>
+                <a:cs typeface="宋体" panose="02010600030101010101" pitchFamily="2" charset="-122"/>
+              </a:rPr>
+              <a:t>的、依赖于内容的技术，也是当今处理分布式结构信息的有效工具。早在1998年，W3C就发布了XML1.0规范，使用它来简化Internet的文档信息传输。</a:t>
+            </a:r>
+            <a:endParaRPr lang="zh-CN" altLang="en-US" sz="1600">
+              <a:latin typeface="宋体" panose="02010600030101010101" pitchFamily="2" charset="-122"/>
+              <a:ea typeface="宋体" panose="02010600030101010101" pitchFamily="2" charset="-122"/>
+              <a:cs typeface="宋体" panose="02010600030101010101" pitchFamily="2" charset="-122"/>
+            </a:endParaRPr>
+          </a:p>
+          <a:p>
+            <a:endParaRPr lang="zh-CN" altLang="en-US" sz="1600">
+              <a:latin typeface="宋体" panose="02010600030101010101" pitchFamily="2" charset="-122"/>
+              <a:ea typeface="宋体" panose="02010600030101010101" pitchFamily="2" charset="-122"/>
+              <a:cs typeface="宋体" panose="02010600030101010101" pitchFamily="2" charset="-122"/>
+            </a:endParaRPr>
+          </a:p>
+          <a:p>
+            <a:r>
+              <a:rPr lang="zh-CN" altLang="en-US" sz="1600">
+                <a:latin typeface="宋体" panose="02010600030101010101" pitchFamily="2" charset="-122"/>
+                <a:ea typeface="宋体" panose="02010600030101010101" pitchFamily="2" charset="-122"/>
+                <a:cs typeface="宋体" panose="02010600030101010101" pitchFamily="2" charset="-122"/>
+              </a:rPr>
+              <a:t>什么是 XML?</a:t>
+            </a:r>
+            <a:endParaRPr lang="zh-CN" altLang="en-US" sz="1600">
+              <a:latin typeface="宋体" panose="02010600030101010101" pitchFamily="2" charset="-122"/>
+              <a:ea typeface="宋体" panose="02010600030101010101" pitchFamily="2" charset="-122"/>
+              <a:cs typeface="宋体" panose="02010600030101010101" pitchFamily="2" charset="-122"/>
+            </a:endParaRPr>
+          </a:p>
+          <a:p>
+            <a:r>
+              <a:rPr lang="zh-CN" altLang="en-US" sz="1600">
+                <a:latin typeface="宋体" panose="02010600030101010101" pitchFamily="2" charset="-122"/>
+                <a:ea typeface="宋体" panose="02010600030101010101" pitchFamily="2" charset="-122"/>
+                <a:cs typeface="宋体" panose="02010600030101010101" pitchFamily="2" charset="-122"/>
+              </a:rPr>
+              <a:t>XML 指可扩展标记语言（EXtensible Markup Language）</a:t>
+            </a:r>
+            <a:endParaRPr lang="zh-CN" altLang="en-US" sz="1600">
+              <a:latin typeface="宋体" panose="02010600030101010101" pitchFamily="2" charset="-122"/>
+              <a:ea typeface="宋体" panose="02010600030101010101" pitchFamily="2" charset="-122"/>
+              <a:cs typeface="宋体" panose="02010600030101010101" pitchFamily="2" charset="-122"/>
+            </a:endParaRPr>
+          </a:p>
+          <a:p>
+            <a:r>
+              <a:rPr lang="zh-CN" altLang="en-US" sz="1600">
+                <a:latin typeface="宋体" panose="02010600030101010101" pitchFamily="2" charset="-122"/>
+                <a:ea typeface="宋体" panose="02010600030101010101" pitchFamily="2" charset="-122"/>
+                <a:cs typeface="宋体" panose="02010600030101010101" pitchFamily="2" charset="-122"/>
+              </a:rPr>
+              <a:t>XML 是一种标记语言，很类似 HTML</a:t>
+            </a:r>
+            <a:endParaRPr lang="zh-CN" altLang="en-US" sz="1600">
+              <a:latin typeface="宋体" panose="02010600030101010101" pitchFamily="2" charset="-122"/>
+              <a:ea typeface="宋体" panose="02010600030101010101" pitchFamily="2" charset="-122"/>
+              <a:cs typeface="宋体" panose="02010600030101010101" pitchFamily="2" charset="-122"/>
+            </a:endParaRPr>
+          </a:p>
+          <a:p>
+            <a:r>
+              <a:rPr lang="zh-CN" altLang="en-US" sz="1600">
+                <a:latin typeface="宋体" panose="02010600030101010101" pitchFamily="2" charset="-122"/>
+                <a:ea typeface="宋体" panose="02010600030101010101" pitchFamily="2" charset="-122"/>
+                <a:cs typeface="宋体" panose="02010600030101010101" pitchFamily="2" charset="-122"/>
+              </a:rPr>
+              <a:t>XML 的设计宗旨是</a:t>
+            </a:r>
+            <a:r>
+              <a:rPr lang="zh-CN" altLang="en-US" sz="1600">
+                <a:solidFill>
+                  <a:srgbClr val="FF0000"/>
+                </a:solidFill>
+                <a:latin typeface="宋体" panose="02010600030101010101" pitchFamily="2" charset="-122"/>
+                <a:ea typeface="宋体" panose="02010600030101010101" pitchFamily="2" charset="-122"/>
+                <a:cs typeface="宋体" panose="02010600030101010101" pitchFamily="2" charset="-122"/>
+              </a:rPr>
+              <a:t>传输数据，而非显示数据</a:t>
+            </a:r>
+            <a:r>
+              <a:rPr lang="zh-CN" altLang="en-US" sz="1600">
+                <a:latin typeface="宋体" panose="02010600030101010101" pitchFamily="2" charset="-122"/>
+                <a:ea typeface="宋体" panose="02010600030101010101" pitchFamily="2" charset="-122"/>
+                <a:cs typeface="宋体" panose="02010600030101010101" pitchFamily="2" charset="-122"/>
+                <a:sym typeface="+mn-ea"/>
+              </a:rPr>
+              <a:t>。</a:t>
+            </a:r>
+            <a:endParaRPr lang="zh-CN" altLang="en-US" sz="1600">
+              <a:latin typeface="宋体" panose="02010600030101010101" pitchFamily="2" charset="-122"/>
+              <a:ea typeface="宋体" panose="02010600030101010101" pitchFamily="2" charset="-122"/>
+              <a:cs typeface="宋体" panose="02010600030101010101" pitchFamily="2" charset="-122"/>
+            </a:endParaRPr>
+          </a:p>
+          <a:p>
+            <a:r>
+              <a:rPr lang="zh-CN" altLang="en-US" sz="1600">
+                <a:latin typeface="宋体" panose="02010600030101010101" pitchFamily="2" charset="-122"/>
+                <a:ea typeface="宋体" panose="02010600030101010101" pitchFamily="2" charset="-122"/>
+                <a:cs typeface="宋体" panose="02010600030101010101" pitchFamily="2" charset="-122"/>
+              </a:rPr>
+              <a:t>XML 标签没有被预定义。您需要自行定义标签。</a:t>
+            </a:r>
+            <a:endParaRPr lang="zh-CN" altLang="en-US" sz="1600">
+              <a:latin typeface="宋体" panose="02010600030101010101" pitchFamily="2" charset="-122"/>
+              <a:ea typeface="宋体" panose="02010600030101010101" pitchFamily="2" charset="-122"/>
+              <a:cs typeface="宋体" panose="02010600030101010101" pitchFamily="2" charset="-122"/>
+            </a:endParaRPr>
+          </a:p>
+          <a:p>
+            <a:r>
+              <a:rPr lang="zh-CN" altLang="en-US" sz="1600">
+                <a:latin typeface="宋体" panose="02010600030101010101" pitchFamily="2" charset="-122"/>
+                <a:ea typeface="宋体" panose="02010600030101010101" pitchFamily="2" charset="-122"/>
+                <a:cs typeface="宋体" panose="02010600030101010101" pitchFamily="2" charset="-122"/>
+              </a:rPr>
+              <a:t>XML 被设计为具有自我描述性。</a:t>
+            </a:r>
+            <a:endParaRPr lang="zh-CN" altLang="en-US" sz="1600">
+              <a:latin typeface="宋体" panose="02010600030101010101" pitchFamily="2" charset="-122"/>
+              <a:ea typeface="宋体" panose="02010600030101010101" pitchFamily="2" charset="-122"/>
+              <a:cs typeface="宋体" panose="02010600030101010101" pitchFamily="2" charset="-122"/>
+            </a:endParaRPr>
+          </a:p>
+          <a:p>
+            <a:r>
+              <a:rPr lang="zh-CN" altLang="en-US" sz="1600">
+                <a:latin typeface="宋体" panose="02010600030101010101" pitchFamily="2" charset="-122"/>
+                <a:ea typeface="宋体" panose="02010600030101010101" pitchFamily="2" charset="-122"/>
+                <a:cs typeface="宋体" panose="02010600030101010101" pitchFamily="2" charset="-122"/>
+              </a:rPr>
+              <a:t>XML 是 W3C 的推荐标准</a:t>
+            </a:r>
+            <a:r>
+              <a:rPr lang="zh-CN" altLang="en-US" sz="1600">
+                <a:latin typeface="宋体" panose="02010600030101010101" pitchFamily="2" charset="-122"/>
+                <a:ea typeface="宋体" panose="02010600030101010101" pitchFamily="2" charset="-122"/>
+                <a:cs typeface="宋体" panose="02010600030101010101" pitchFamily="2" charset="-122"/>
+                <a:sym typeface="+mn-ea"/>
+              </a:rPr>
+              <a:t>。</a:t>
+            </a:r>
+            <a:endParaRPr lang="zh-CN" altLang="en-US" sz="1600">
+              <a:latin typeface="宋体" panose="02010600030101010101" pitchFamily="2" charset="-122"/>
+              <a:ea typeface="宋体" panose="02010600030101010101" pitchFamily="2" charset="-122"/>
+              <a:cs typeface="宋体" panose="02010600030101010101" pitchFamily="2" charset="-122"/>
+              <a:sym typeface="+mn-ea"/>
+            </a:endParaRPr>
+          </a:p>
+          <a:p>
+            <a:endParaRPr lang="zh-CN" altLang="en-US" sz="1600">
+              <a:latin typeface="宋体" panose="02010600030101010101" pitchFamily="2" charset="-122"/>
+              <a:ea typeface="宋体" panose="02010600030101010101" pitchFamily="2" charset="-122"/>
+              <a:cs typeface="宋体" panose="02010600030101010101" pitchFamily="2" charset="-122"/>
+            </a:endParaRPr>
+          </a:p>
+          <a:p>
+            <a:endParaRPr lang="zh-CN" altLang="en-US" sz="1600">
+              <a:latin typeface="宋体" panose="02010600030101010101" pitchFamily="2" charset="-122"/>
+              <a:ea typeface="宋体" panose="02010600030101010101" pitchFamily="2" charset="-122"/>
+              <a:cs typeface="宋体" panose="02010600030101010101" pitchFamily="2" charset="-122"/>
+            </a:endParaRPr>
+          </a:p>
+          <a:p>
+            <a:r>
+              <a:rPr lang="zh-CN" altLang="en-US" sz="1600">
+                <a:latin typeface="宋体" panose="02010600030101010101" pitchFamily="2" charset="-122"/>
+                <a:ea typeface="宋体" panose="02010600030101010101" pitchFamily="2" charset="-122"/>
+                <a:cs typeface="宋体" panose="02010600030101010101" pitchFamily="2" charset="-122"/>
+              </a:rPr>
+              <a:t>XML 仅仅是纯文本</a:t>
+            </a:r>
+            <a:endParaRPr lang="zh-CN" altLang="en-US" sz="1600">
+              <a:latin typeface="宋体" panose="02010600030101010101" pitchFamily="2" charset="-122"/>
+              <a:ea typeface="宋体" panose="02010600030101010101" pitchFamily="2" charset="-122"/>
+              <a:cs typeface="宋体" panose="02010600030101010101" pitchFamily="2" charset="-122"/>
+            </a:endParaRPr>
+          </a:p>
+          <a:p>
+            <a:r>
+              <a:rPr lang="zh-CN" altLang="en-US" sz="1600">
+                <a:latin typeface="宋体" panose="02010600030101010101" pitchFamily="2" charset="-122"/>
+                <a:ea typeface="宋体" panose="02010600030101010101" pitchFamily="2" charset="-122"/>
+                <a:cs typeface="宋体" panose="02010600030101010101" pitchFamily="2" charset="-122"/>
+              </a:rPr>
+              <a:t>XML 没什么特别的。它仅仅是纯文本而已。有能力处理纯文本的软件都可以处理 XML。</a:t>
+            </a:r>
+            <a:endParaRPr lang="zh-CN" altLang="en-US" sz="1600">
+              <a:latin typeface="宋体" panose="02010600030101010101" pitchFamily="2" charset="-122"/>
+              <a:ea typeface="宋体" panose="02010600030101010101" pitchFamily="2" charset="-122"/>
+              <a:cs typeface="宋体" panose="02010600030101010101" pitchFamily="2" charset="-122"/>
+            </a:endParaRPr>
+          </a:p>
+          <a:p>
+            <a:endParaRPr lang="zh-CN" altLang="en-US" sz="1600">
+              <a:latin typeface="宋体" panose="02010600030101010101" pitchFamily="2" charset="-122"/>
+              <a:ea typeface="宋体" panose="02010600030101010101" pitchFamily="2" charset="-122"/>
+              <a:cs typeface="宋体" panose="02010600030101010101" pitchFamily="2" charset="-122"/>
+            </a:endParaRPr>
+          </a:p>
+          <a:p>
+            <a:r>
+              <a:rPr lang="zh-CN" altLang="en-US" sz="1600">
+                <a:latin typeface="宋体" panose="02010600030101010101" pitchFamily="2" charset="-122"/>
+                <a:ea typeface="宋体" panose="02010600030101010101" pitchFamily="2" charset="-122"/>
+                <a:cs typeface="宋体" panose="02010600030101010101" pitchFamily="2" charset="-122"/>
+              </a:rPr>
+              <a:t>不过，能够读懂 XML 的应用程序可以有针对性地处理 XML 的标签。标签的功能性意义依赖于应用程序的特性。</a:t>
+            </a:r>
+            <a:endParaRPr lang="zh-CN" altLang="en-US" sz="1600">
+              <a:latin typeface="宋体" panose="02010600030101010101" pitchFamily="2" charset="-122"/>
+              <a:ea typeface="宋体" panose="02010600030101010101" pitchFamily="2" charset="-122"/>
+              <a:cs typeface="宋体" panose="02010600030101010101" pitchFamily="2" charset="-122"/>
+            </a:endParaRPr>
+          </a:p>
+        </p:txBody>
+      </p:sp>
+    </p:spTree>
+    <p:custDataLst>
+      <p:tags r:id="rId2"/>
+    </p:custDataLst>
+  </p:cSld>
+  <p:clrMapOvr>
+    <a:masterClrMapping/>
+  </p:clrMapOvr>
+</p:sld>
+</file>
+
+<file path=ppt/slides/slide20.xml><?xml version="1.0" encoding="utf-8"?>
 <p:sld xmlns:a="http://schemas.openxmlformats.org/drawingml/2006/main" xmlns:r="http://schemas.openxmlformats.org/officeDocument/2006/relationships" xmlns:p="http://schemas.openxmlformats.org/presentationml/2006/main">
   <p:cSld>
     <p:bg>
@@ -10123,373 +10610,7 @@
 </p:sld>
 </file>
 
-<file path=ppt/slides/slide2.xml><?xml version="1.0" encoding="utf-8"?>
-<p:sld xmlns:a="http://schemas.openxmlformats.org/drawingml/2006/main" xmlns:r="http://schemas.openxmlformats.org/officeDocument/2006/relationships" xmlns:p="http://schemas.openxmlformats.org/presentationml/2006/main">
-  <p:cSld>
-    <p:bg>
-      <p:bgPr>
-        <a:blipFill rotWithShape="1">
-          <a:blip r:embed="rId1"/>
-          <a:stretch>
-            <a:fillRect/>
-          </a:stretch>
-        </a:blipFill>
-        <a:effectLst/>
-      </p:bgPr>
-    </p:bg>
-    <p:spTree>
-      <p:nvGrpSpPr>
-        <p:cNvPr id="1" name=""/>
-        <p:cNvGrpSpPr/>
-        <p:nvPr/>
-      </p:nvGrpSpPr>
-      <p:grpSpPr/>
-      <p:sp>
-        <p:nvSpPr>
-          <p:cNvPr id="6" name="文本框 5"/>
-          <p:cNvSpPr txBox="1"/>
-          <p:nvPr/>
-        </p:nvSpPr>
-        <p:spPr>
-          <a:xfrm>
-            <a:off x="4792345" y="502285"/>
-            <a:ext cx="2978785" cy="583565"/>
-          </a:xfrm>
-          <a:prstGeom prst="rect">
-            <a:avLst/>
-          </a:prstGeom>
-          <a:noFill/>
-        </p:spPr>
-        <p:txBody>
-          <a:bodyPr wrap="square" rtlCol="0">
-            <a:spAutoFit/>
-          </a:bodyPr>
-          <a:p>
-            <a:r>
-              <a:rPr lang="en-US" altLang="zh-CN" sz="3200">
-                <a:latin typeface="宋体" panose="02010600030101010101" pitchFamily="2" charset="-122"/>
-                <a:ea typeface="宋体" panose="02010600030101010101" pitchFamily="2" charset="-122"/>
-                <a:cs typeface="宋体" panose="02010600030101010101" pitchFamily="2" charset="-122"/>
-                <a:sym typeface="+mn-ea"/>
-              </a:rPr>
-              <a:t>XML</a:t>
-            </a:r>
-            <a:r>
-              <a:rPr lang="zh-CN" altLang="en-US" sz="3200">
-                <a:latin typeface="宋体" panose="02010600030101010101" pitchFamily="2" charset="-122"/>
-                <a:ea typeface="宋体" panose="02010600030101010101" pitchFamily="2" charset="-122"/>
-                <a:cs typeface="宋体" panose="02010600030101010101" pitchFamily="2" charset="-122"/>
-                <a:sym typeface="+mn-ea"/>
-              </a:rPr>
-              <a:t>简介</a:t>
-            </a:r>
-            <a:endParaRPr lang="zh-CN" altLang="en-US" sz="3200">
-              <a:latin typeface="宋体" panose="02010600030101010101" pitchFamily="2" charset="-122"/>
-              <a:ea typeface="宋体" panose="02010600030101010101" pitchFamily="2" charset="-122"/>
-              <a:cs typeface="宋体" panose="02010600030101010101" pitchFamily="2" charset="-122"/>
-              <a:sym typeface="+mn-ea"/>
-            </a:endParaRPr>
-          </a:p>
-        </p:txBody>
-      </p:sp>
-      <p:sp>
-        <p:nvSpPr>
-          <p:cNvPr id="2" name="文本框 1"/>
-          <p:cNvSpPr txBox="1"/>
-          <p:nvPr/>
-        </p:nvSpPr>
-        <p:spPr>
-          <a:xfrm>
-            <a:off x="220980" y="1205230"/>
-            <a:ext cx="11867515" cy="5015865"/>
-          </a:xfrm>
-          <a:prstGeom prst="rect">
-            <a:avLst/>
-          </a:prstGeom>
-          <a:noFill/>
-        </p:spPr>
-        <p:txBody>
-          <a:bodyPr wrap="square" rtlCol="0">
-            <a:spAutoFit/>
-          </a:bodyPr>
-          <a:p>
-            <a:r>
-              <a:rPr lang="zh-CN" altLang="en-US" sz="1600">
-                <a:latin typeface="宋体" panose="02010600030101010101" pitchFamily="2" charset="-122"/>
-                <a:ea typeface="宋体" panose="02010600030101010101" pitchFamily="2" charset="-122"/>
-                <a:cs typeface="宋体" panose="02010600030101010101" pitchFamily="2" charset="-122"/>
-              </a:rPr>
-              <a:t>可扩展标记语言，标准通用标记语言的子集，简称XML。是一种用于标记电子文件使其具有结构性的标记语言。</a:t>
-            </a:r>
-            <a:endParaRPr lang="zh-CN" altLang="en-US" sz="1600">
-              <a:latin typeface="宋体" panose="02010600030101010101" pitchFamily="2" charset="-122"/>
-              <a:ea typeface="宋体" panose="02010600030101010101" pitchFamily="2" charset="-122"/>
-              <a:cs typeface="宋体" panose="02010600030101010101" pitchFamily="2" charset="-122"/>
-            </a:endParaRPr>
-          </a:p>
-          <a:p>
-            <a:endParaRPr lang="zh-CN" altLang="en-US" sz="1600">
-              <a:latin typeface="宋体" panose="02010600030101010101" pitchFamily="2" charset="-122"/>
-              <a:ea typeface="宋体" panose="02010600030101010101" pitchFamily="2" charset="-122"/>
-              <a:cs typeface="宋体" panose="02010600030101010101" pitchFamily="2" charset="-122"/>
-            </a:endParaRPr>
-          </a:p>
-          <a:p>
-            <a:r>
-              <a:rPr lang="zh-CN" altLang="en-US" sz="1600">
-                <a:latin typeface="宋体" panose="02010600030101010101" pitchFamily="2" charset="-122"/>
-                <a:ea typeface="宋体" panose="02010600030101010101" pitchFamily="2" charset="-122"/>
-                <a:cs typeface="宋体" panose="02010600030101010101" pitchFamily="2" charset="-122"/>
-              </a:rPr>
-              <a:t>在电子计算机中，标记指计算机所能理解的信息符号，通过此种标记，计算机之间可以处理包含各种的信息比如文章等。它可以用来标记数据、定义数据类型，是一种允许用户对自己的标记语言进行定义的源语言。 它非常适合万维网传输，提供统一的方法来描述和交换独立于应用程序或供应商的结构化数据。是Internet环境中</a:t>
-            </a:r>
-            <a:r>
-              <a:rPr lang="zh-CN" altLang="en-US" sz="1600">
-                <a:solidFill>
-                  <a:srgbClr val="FF0000"/>
-                </a:solidFill>
-                <a:latin typeface="宋体" panose="02010600030101010101" pitchFamily="2" charset="-122"/>
-                <a:ea typeface="宋体" panose="02010600030101010101" pitchFamily="2" charset="-122"/>
-                <a:cs typeface="宋体" panose="02010600030101010101" pitchFamily="2" charset="-122"/>
-              </a:rPr>
-              <a:t>跨平台</a:t>
-            </a:r>
-            <a:r>
-              <a:rPr lang="zh-CN" altLang="en-US" sz="1600">
-                <a:latin typeface="宋体" panose="02010600030101010101" pitchFamily="2" charset="-122"/>
-                <a:ea typeface="宋体" panose="02010600030101010101" pitchFamily="2" charset="-122"/>
-                <a:cs typeface="宋体" panose="02010600030101010101" pitchFamily="2" charset="-122"/>
-              </a:rPr>
-              <a:t>的、依赖于内容的技术，也是当今处理分布式结构信息的有效工具。早在1998年，W3C就发布了XML1.0规范，使用它来简化Internet的文档信息传输。</a:t>
-            </a:r>
-            <a:endParaRPr lang="zh-CN" altLang="en-US" sz="1600">
-              <a:latin typeface="宋体" panose="02010600030101010101" pitchFamily="2" charset="-122"/>
-              <a:ea typeface="宋体" panose="02010600030101010101" pitchFamily="2" charset="-122"/>
-              <a:cs typeface="宋体" panose="02010600030101010101" pitchFamily="2" charset="-122"/>
-            </a:endParaRPr>
-          </a:p>
-          <a:p>
-            <a:endParaRPr lang="zh-CN" altLang="en-US" sz="1600">
-              <a:latin typeface="宋体" panose="02010600030101010101" pitchFamily="2" charset="-122"/>
-              <a:ea typeface="宋体" panose="02010600030101010101" pitchFamily="2" charset="-122"/>
-              <a:cs typeface="宋体" panose="02010600030101010101" pitchFamily="2" charset="-122"/>
-            </a:endParaRPr>
-          </a:p>
-          <a:p>
-            <a:r>
-              <a:rPr lang="zh-CN" altLang="en-US" sz="1600">
-                <a:latin typeface="宋体" panose="02010600030101010101" pitchFamily="2" charset="-122"/>
-                <a:ea typeface="宋体" panose="02010600030101010101" pitchFamily="2" charset="-122"/>
-                <a:cs typeface="宋体" panose="02010600030101010101" pitchFamily="2" charset="-122"/>
-              </a:rPr>
-              <a:t>什么是 XML?</a:t>
-            </a:r>
-            <a:endParaRPr lang="zh-CN" altLang="en-US" sz="1600">
-              <a:latin typeface="宋体" panose="02010600030101010101" pitchFamily="2" charset="-122"/>
-              <a:ea typeface="宋体" panose="02010600030101010101" pitchFamily="2" charset="-122"/>
-              <a:cs typeface="宋体" panose="02010600030101010101" pitchFamily="2" charset="-122"/>
-            </a:endParaRPr>
-          </a:p>
-          <a:p>
-            <a:r>
-              <a:rPr lang="zh-CN" altLang="en-US" sz="1600">
-                <a:latin typeface="宋体" panose="02010600030101010101" pitchFamily="2" charset="-122"/>
-                <a:ea typeface="宋体" panose="02010600030101010101" pitchFamily="2" charset="-122"/>
-                <a:cs typeface="宋体" panose="02010600030101010101" pitchFamily="2" charset="-122"/>
-              </a:rPr>
-              <a:t>XML 指可扩展标记语言（EXtensible Markup Language）</a:t>
-            </a:r>
-            <a:endParaRPr lang="zh-CN" altLang="en-US" sz="1600">
-              <a:latin typeface="宋体" panose="02010600030101010101" pitchFamily="2" charset="-122"/>
-              <a:ea typeface="宋体" panose="02010600030101010101" pitchFamily="2" charset="-122"/>
-              <a:cs typeface="宋体" panose="02010600030101010101" pitchFamily="2" charset="-122"/>
-            </a:endParaRPr>
-          </a:p>
-          <a:p>
-            <a:r>
-              <a:rPr lang="zh-CN" altLang="en-US" sz="1600">
-                <a:latin typeface="宋体" panose="02010600030101010101" pitchFamily="2" charset="-122"/>
-                <a:ea typeface="宋体" panose="02010600030101010101" pitchFamily="2" charset="-122"/>
-                <a:cs typeface="宋体" panose="02010600030101010101" pitchFamily="2" charset="-122"/>
-              </a:rPr>
-              <a:t>XML 是一种标记语言，很类似 HTML</a:t>
-            </a:r>
-            <a:endParaRPr lang="zh-CN" altLang="en-US" sz="1600">
-              <a:latin typeface="宋体" panose="02010600030101010101" pitchFamily="2" charset="-122"/>
-              <a:ea typeface="宋体" panose="02010600030101010101" pitchFamily="2" charset="-122"/>
-              <a:cs typeface="宋体" panose="02010600030101010101" pitchFamily="2" charset="-122"/>
-            </a:endParaRPr>
-          </a:p>
-          <a:p>
-            <a:r>
-              <a:rPr lang="zh-CN" altLang="en-US" sz="1600">
-                <a:latin typeface="宋体" panose="02010600030101010101" pitchFamily="2" charset="-122"/>
-                <a:ea typeface="宋体" panose="02010600030101010101" pitchFamily="2" charset="-122"/>
-                <a:cs typeface="宋体" panose="02010600030101010101" pitchFamily="2" charset="-122"/>
-              </a:rPr>
-              <a:t>XML 的设计宗旨是</a:t>
-            </a:r>
-            <a:r>
-              <a:rPr lang="zh-CN" altLang="en-US" sz="1600">
-                <a:solidFill>
-                  <a:srgbClr val="FF0000"/>
-                </a:solidFill>
-                <a:latin typeface="宋体" panose="02010600030101010101" pitchFamily="2" charset="-122"/>
-                <a:ea typeface="宋体" panose="02010600030101010101" pitchFamily="2" charset="-122"/>
-                <a:cs typeface="宋体" panose="02010600030101010101" pitchFamily="2" charset="-122"/>
-              </a:rPr>
-              <a:t>传输数据，而非显示数据</a:t>
-            </a:r>
-            <a:r>
-              <a:rPr lang="zh-CN" altLang="en-US" sz="1600">
-                <a:latin typeface="宋体" panose="02010600030101010101" pitchFamily="2" charset="-122"/>
-                <a:ea typeface="宋体" panose="02010600030101010101" pitchFamily="2" charset="-122"/>
-                <a:cs typeface="宋体" panose="02010600030101010101" pitchFamily="2" charset="-122"/>
-                <a:sym typeface="+mn-ea"/>
-              </a:rPr>
-              <a:t>。</a:t>
-            </a:r>
-            <a:endParaRPr lang="zh-CN" altLang="en-US" sz="1600">
-              <a:latin typeface="宋体" panose="02010600030101010101" pitchFamily="2" charset="-122"/>
-              <a:ea typeface="宋体" panose="02010600030101010101" pitchFamily="2" charset="-122"/>
-              <a:cs typeface="宋体" panose="02010600030101010101" pitchFamily="2" charset="-122"/>
-            </a:endParaRPr>
-          </a:p>
-          <a:p>
-            <a:r>
-              <a:rPr lang="zh-CN" altLang="en-US" sz="1600">
-                <a:latin typeface="宋体" panose="02010600030101010101" pitchFamily="2" charset="-122"/>
-                <a:ea typeface="宋体" panose="02010600030101010101" pitchFamily="2" charset="-122"/>
-                <a:cs typeface="宋体" panose="02010600030101010101" pitchFamily="2" charset="-122"/>
-              </a:rPr>
-              <a:t>XML 标签没有被预定义。您需要自行定义标签。</a:t>
-            </a:r>
-            <a:endParaRPr lang="zh-CN" altLang="en-US" sz="1600">
-              <a:latin typeface="宋体" panose="02010600030101010101" pitchFamily="2" charset="-122"/>
-              <a:ea typeface="宋体" panose="02010600030101010101" pitchFamily="2" charset="-122"/>
-              <a:cs typeface="宋体" panose="02010600030101010101" pitchFamily="2" charset="-122"/>
-            </a:endParaRPr>
-          </a:p>
-          <a:p>
-            <a:r>
-              <a:rPr lang="zh-CN" altLang="en-US" sz="1600">
-                <a:latin typeface="宋体" panose="02010600030101010101" pitchFamily="2" charset="-122"/>
-                <a:ea typeface="宋体" panose="02010600030101010101" pitchFamily="2" charset="-122"/>
-                <a:cs typeface="宋体" panose="02010600030101010101" pitchFamily="2" charset="-122"/>
-              </a:rPr>
-              <a:t>XML 被设计为具有自我描述性。</a:t>
-            </a:r>
-            <a:endParaRPr lang="zh-CN" altLang="en-US" sz="1600">
-              <a:latin typeface="宋体" panose="02010600030101010101" pitchFamily="2" charset="-122"/>
-              <a:ea typeface="宋体" panose="02010600030101010101" pitchFamily="2" charset="-122"/>
-              <a:cs typeface="宋体" panose="02010600030101010101" pitchFamily="2" charset="-122"/>
-            </a:endParaRPr>
-          </a:p>
-          <a:p>
-            <a:r>
-              <a:rPr lang="zh-CN" altLang="en-US" sz="1600">
-                <a:latin typeface="宋体" panose="02010600030101010101" pitchFamily="2" charset="-122"/>
-                <a:ea typeface="宋体" panose="02010600030101010101" pitchFamily="2" charset="-122"/>
-                <a:cs typeface="宋体" panose="02010600030101010101" pitchFamily="2" charset="-122"/>
-              </a:rPr>
-              <a:t>XML 是 W3C 的推荐标准</a:t>
-            </a:r>
-            <a:r>
-              <a:rPr lang="zh-CN" altLang="en-US" sz="1600">
-                <a:latin typeface="宋体" panose="02010600030101010101" pitchFamily="2" charset="-122"/>
-                <a:ea typeface="宋体" panose="02010600030101010101" pitchFamily="2" charset="-122"/>
-                <a:cs typeface="宋体" panose="02010600030101010101" pitchFamily="2" charset="-122"/>
-                <a:sym typeface="+mn-ea"/>
-              </a:rPr>
-              <a:t>。</a:t>
-            </a:r>
-            <a:endParaRPr lang="zh-CN" altLang="en-US" sz="1600">
-              <a:latin typeface="宋体" panose="02010600030101010101" pitchFamily="2" charset="-122"/>
-              <a:ea typeface="宋体" panose="02010600030101010101" pitchFamily="2" charset="-122"/>
-              <a:cs typeface="宋体" panose="02010600030101010101" pitchFamily="2" charset="-122"/>
-              <a:sym typeface="+mn-ea"/>
-            </a:endParaRPr>
-          </a:p>
-          <a:p>
-            <a:endParaRPr lang="zh-CN" altLang="en-US" sz="1600">
-              <a:latin typeface="宋体" panose="02010600030101010101" pitchFamily="2" charset="-122"/>
-              <a:ea typeface="宋体" panose="02010600030101010101" pitchFamily="2" charset="-122"/>
-              <a:cs typeface="宋体" panose="02010600030101010101" pitchFamily="2" charset="-122"/>
-            </a:endParaRPr>
-          </a:p>
-          <a:p>
-            <a:endParaRPr lang="zh-CN" altLang="en-US" sz="1600">
-              <a:latin typeface="宋体" panose="02010600030101010101" pitchFamily="2" charset="-122"/>
-              <a:ea typeface="宋体" panose="02010600030101010101" pitchFamily="2" charset="-122"/>
-              <a:cs typeface="宋体" panose="02010600030101010101" pitchFamily="2" charset="-122"/>
-            </a:endParaRPr>
-          </a:p>
-          <a:p>
-            <a:r>
-              <a:rPr lang="zh-CN" altLang="en-US" sz="1600">
-                <a:latin typeface="宋体" panose="02010600030101010101" pitchFamily="2" charset="-122"/>
-                <a:ea typeface="宋体" panose="02010600030101010101" pitchFamily="2" charset="-122"/>
-                <a:cs typeface="宋体" panose="02010600030101010101" pitchFamily="2" charset="-122"/>
-              </a:rPr>
-              <a:t>XML 仅仅是纯文本</a:t>
-            </a:r>
-            <a:endParaRPr lang="zh-CN" altLang="en-US" sz="1600">
-              <a:latin typeface="宋体" panose="02010600030101010101" pitchFamily="2" charset="-122"/>
-              <a:ea typeface="宋体" panose="02010600030101010101" pitchFamily="2" charset="-122"/>
-              <a:cs typeface="宋体" panose="02010600030101010101" pitchFamily="2" charset="-122"/>
-            </a:endParaRPr>
-          </a:p>
-          <a:p>
-            <a:r>
-              <a:rPr lang="zh-CN" altLang="en-US" sz="1600">
-                <a:latin typeface="宋体" panose="02010600030101010101" pitchFamily="2" charset="-122"/>
-                <a:ea typeface="宋体" panose="02010600030101010101" pitchFamily="2" charset="-122"/>
-                <a:cs typeface="宋体" panose="02010600030101010101" pitchFamily="2" charset="-122"/>
-              </a:rPr>
-              <a:t>XML 没什么特别的。它仅仅是纯文本而已。有能力处理纯文本的软件都可以处理 XML。</a:t>
-            </a:r>
-            <a:endParaRPr lang="zh-CN" altLang="en-US" sz="1600">
-              <a:latin typeface="宋体" panose="02010600030101010101" pitchFamily="2" charset="-122"/>
-              <a:ea typeface="宋体" panose="02010600030101010101" pitchFamily="2" charset="-122"/>
-              <a:cs typeface="宋体" panose="02010600030101010101" pitchFamily="2" charset="-122"/>
-            </a:endParaRPr>
-          </a:p>
-          <a:p>
-            <a:endParaRPr lang="zh-CN" altLang="en-US" sz="1600">
-              <a:latin typeface="宋体" panose="02010600030101010101" pitchFamily="2" charset="-122"/>
-              <a:ea typeface="宋体" panose="02010600030101010101" pitchFamily="2" charset="-122"/>
-              <a:cs typeface="宋体" panose="02010600030101010101" pitchFamily="2" charset="-122"/>
-            </a:endParaRPr>
-          </a:p>
-          <a:p>
-            <a:r>
-              <a:rPr lang="zh-CN" altLang="en-US" sz="1600">
-                <a:latin typeface="宋体" panose="02010600030101010101" pitchFamily="2" charset="-122"/>
-                <a:ea typeface="宋体" panose="02010600030101010101" pitchFamily="2" charset="-122"/>
-                <a:cs typeface="宋体" panose="02010600030101010101" pitchFamily="2" charset="-122"/>
-              </a:rPr>
-              <a:t>不过，能够读懂 XML 的应用程序可以有针对性地处理 XML 的标签。标签的功能性意义依赖于应用程序的特性。</a:t>
-            </a:r>
-            <a:endParaRPr lang="zh-CN" altLang="en-US" sz="1600">
-              <a:latin typeface="宋体" panose="02010600030101010101" pitchFamily="2" charset="-122"/>
-              <a:ea typeface="宋体" panose="02010600030101010101" pitchFamily="2" charset="-122"/>
-              <a:cs typeface="宋体" panose="02010600030101010101" pitchFamily="2" charset="-122"/>
-            </a:endParaRPr>
-          </a:p>
-        </p:txBody>
-      </p:sp>
-    </p:spTree>
-    <p:custDataLst>
-      <p:tags r:id="rId2"/>
-    </p:custDataLst>
-  </p:cSld>
-  <p:clrMapOvr>
-    <a:masterClrMapping/>
-  </p:clrMapOvr>
-</p:sld>
-</file>
-
-<file path=ppt/slides/slide20.xml><?xml version="1.0" encoding="utf-8"?>
+<file path=ppt/slides/slide21.xml><?xml version="1.0" encoding="utf-8"?>
 <p:sld xmlns:a="http://schemas.openxmlformats.org/drawingml/2006/main" xmlns:r="http://schemas.openxmlformats.org/officeDocument/2006/relationships" xmlns:p="http://schemas.openxmlformats.org/presentationml/2006/main">
   <p:cSld>
     <p:bg>
@@ -10545,7 +10666,7 @@
 </p:sld>
 </file>
 
-<file path=ppt/slides/slide21.xml><?xml version="1.0" encoding="utf-8"?>
+<file path=ppt/slides/slide22.xml><?xml version="1.0" encoding="utf-8"?>
 <p:sld xmlns:a="http://schemas.openxmlformats.org/drawingml/2006/main" xmlns:r="http://schemas.openxmlformats.org/officeDocument/2006/relationships" xmlns:p="http://schemas.openxmlformats.org/presentationml/2006/main">
   <p:cSld>
     <p:bg>
@@ -10601,7 +10722,7 @@
 </p:sld>
 </file>
 
-<file path=ppt/slides/slide22.xml><?xml version="1.0" encoding="utf-8"?>
+<file path=ppt/slides/slide23.xml><?xml version="1.0" encoding="utf-8"?>
 <p:sld xmlns:a="http://schemas.openxmlformats.org/drawingml/2006/main" xmlns:r="http://schemas.openxmlformats.org/officeDocument/2006/relationships" xmlns:p="http://schemas.openxmlformats.org/presentationml/2006/main">
   <p:cSld>
     <p:bg>
@@ -10730,7 +10851,7 @@
 </p:sld>
 </file>
 
-<file path=ppt/slides/slide23.xml><?xml version="1.0" encoding="utf-8"?>
+<file path=ppt/slides/slide24.xml><?xml version="1.0" encoding="utf-8"?>
 <p:sld xmlns:a="http://schemas.openxmlformats.org/drawingml/2006/main" xmlns:r="http://schemas.openxmlformats.org/officeDocument/2006/relationships" xmlns:p="http://schemas.openxmlformats.org/presentationml/2006/main">
   <p:cSld>
     <p:bg>
@@ -11065,38 +11186,6 @@
           </a:p>
         </p:txBody>
       </p:sp>
-    </p:spTree>
-    <p:custDataLst>
-      <p:tags r:id="rId2"/>
-    </p:custDataLst>
-  </p:cSld>
-  <p:clrMapOvr>
-    <a:masterClrMapping/>
-  </p:clrMapOvr>
-</p:sld>
-</file>
-
-<file path=ppt/slides/slide24.xml><?xml version="1.0" encoding="utf-8"?>
-<p:sld xmlns:a="http://schemas.openxmlformats.org/drawingml/2006/main" xmlns:r="http://schemas.openxmlformats.org/officeDocument/2006/relationships" xmlns:p="http://schemas.openxmlformats.org/presentationml/2006/main">
-  <p:cSld>
-    <p:bg>
-      <p:bgPr>
-        <a:blipFill rotWithShape="1">
-          <a:blip r:embed="rId1"/>
-          <a:stretch>
-            <a:fillRect/>
-          </a:stretch>
-        </a:blipFill>
-        <a:effectLst/>
-      </p:bgPr>
-    </p:bg>
-    <p:spTree>
-      <p:nvGrpSpPr>
-        <p:cNvPr id="1" name=""/>
-        <p:cNvGrpSpPr/>
-        <p:nvPr/>
-      </p:nvGrpSpPr>
-      <p:grpSpPr/>
     </p:spTree>
     <p:custDataLst>
       <p:tags r:id="rId2"/>
@@ -11141,102 +11230,6 @@
 </file>
 
 <file path=ppt/slides/slide26.xml><?xml version="1.0" encoding="utf-8"?>
-<p:sld xmlns:a="http://schemas.openxmlformats.org/drawingml/2006/main" xmlns:r="http://schemas.openxmlformats.org/officeDocument/2006/relationships" xmlns:p="http://schemas.openxmlformats.org/presentationml/2006/main">
-  <p:cSld>
-    <p:bg>
-      <p:bgPr>
-        <a:blipFill rotWithShape="1">
-          <a:blip r:embed="rId1"/>
-          <a:stretch>
-            <a:fillRect/>
-          </a:stretch>
-        </a:blipFill>
-        <a:effectLst/>
-      </p:bgPr>
-    </p:bg>
-    <p:spTree>
-      <p:nvGrpSpPr>
-        <p:cNvPr id="1" name=""/>
-        <p:cNvGrpSpPr/>
-        <p:nvPr/>
-      </p:nvGrpSpPr>
-      <p:grpSpPr/>
-    </p:spTree>
-    <p:custDataLst>
-      <p:tags r:id="rId2"/>
-    </p:custDataLst>
-  </p:cSld>
-  <p:clrMapOvr>
-    <a:masterClrMapping/>
-  </p:clrMapOvr>
-</p:sld>
-</file>
-
-<file path=ppt/slides/slide27.xml><?xml version="1.0" encoding="utf-8"?>
-<p:sld xmlns:a="http://schemas.openxmlformats.org/drawingml/2006/main" xmlns:r="http://schemas.openxmlformats.org/officeDocument/2006/relationships" xmlns:p="http://schemas.openxmlformats.org/presentationml/2006/main">
-  <p:cSld>
-    <p:bg>
-      <p:bgPr>
-        <a:blipFill rotWithShape="1">
-          <a:blip r:embed="rId1"/>
-          <a:stretch>
-            <a:fillRect/>
-          </a:stretch>
-        </a:blipFill>
-        <a:effectLst/>
-      </p:bgPr>
-    </p:bg>
-    <p:spTree>
-      <p:nvGrpSpPr>
-        <p:cNvPr id="1" name=""/>
-        <p:cNvGrpSpPr/>
-        <p:nvPr/>
-      </p:nvGrpSpPr>
-      <p:grpSpPr/>
-    </p:spTree>
-    <p:custDataLst>
-      <p:tags r:id="rId2"/>
-    </p:custDataLst>
-  </p:cSld>
-  <p:clrMapOvr>
-    <a:masterClrMapping/>
-  </p:clrMapOvr>
-</p:sld>
-</file>
-
-<file path=ppt/slides/slide28.xml><?xml version="1.0" encoding="utf-8"?>
-<p:sld xmlns:a="http://schemas.openxmlformats.org/drawingml/2006/main" xmlns:r="http://schemas.openxmlformats.org/officeDocument/2006/relationships" xmlns:p="http://schemas.openxmlformats.org/presentationml/2006/main">
-  <p:cSld>
-    <p:bg>
-      <p:bgPr>
-        <a:blipFill rotWithShape="1">
-          <a:blip r:embed="rId1"/>
-          <a:stretch>
-            <a:fillRect/>
-          </a:stretch>
-        </a:blipFill>
-        <a:effectLst/>
-      </p:bgPr>
-    </p:bg>
-    <p:spTree>
-      <p:nvGrpSpPr>
-        <p:cNvPr id="1" name=""/>
-        <p:cNvGrpSpPr/>
-        <p:nvPr/>
-      </p:nvGrpSpPr>
-      <p:grpSpPr/>
-    </p:spTree>
-    <p:custDataLst>
-      <p:tags r:id="rId2"/>
-    </p:custDataLst>
-  </p:cSld>
-  <p:clrMapOvr>
-    <a:masterClrMapping/>
-  </p:clrMapOvr>
-</p:sld>
-</file>
-
-<file path=ppt/slides/slide29.xml><?xml version="1.0" encoding="utf-8"?>
 <p:sld xmlns:a="http://schemas.openxmlformats.org/drawingml/2006/main" xmlns:r="http://schemas.openxmlformats.org/officeDocument/2006/relationships" xmlns:p="http://schemas.openxmlformats.org/presentationml/2006/main">
   <p:cSld>
     <p:bg>
@@ -12606,6 +12599,256 @@
         <p:nvPr/>
       </p:nvGrpSpPr>
       <p:grpSpPr/>
+      <p:sp>
+        <p:nvSpPr>
+          <p:cNvPr id="6" name="文本框 5"/>
+          <p:cNvSpPr txBox="1"/>
+          <p:nvPr/>
+        </p:nvSpPr>
+        <p:spPr>
+          <a:xfrm>
+            <a:off x="220980" y="768985"/>
+            <a:ext cx="11749405" cy="583565"/>
+          </a:xfrm>
+          <a:prstGeom prst="rect">
+            <a:avLst/>
+          </a:prstGeom>
+          <a:noFill/>
+        </p:spPr>
+        <p:txBody>
+          <a:bodyPr wrap="square" rtlCol="0">
+            <a:spAutoFit/>
+          </a:bodyPr>
+          <a:p>
+            <a:pPr algn="ctr"/>
+            <a:r>
+              <a:rPr lang="en-US" sz="3200">
+                <a:latin typeface="+mj-ea"/>
+                <a:ea typeface="+mj-ea"/>
+                <a:cs typeface="+mj-ea"/>
+                <a:sym typeface="+mn-ea"/>
+              </a:rPr>
+              <a:t>CDATA </a:t>
+            </a:r>
+            <a:r>
+              <a:rPr lang="zh-CN" altLang="en-US" sz="3200">
+                <a:latin typeface="+mj-ea"/>
+                <a:ea typeface="+mj-ea"/>
+                <a:cs typeface="+mj-ea"/>
+                <a:sym typeface="+mn-ea"/>
+              </a:rPr>
+              <a:t>段</a:t>
+            </a:r>
+            <a:endParaRPr lang="zh-CN" altLang="en-US" sz="3200">
+              <a:latin typeface="+mj-ea"/>
+              <a:ea typeface="+mj-ea"/>
+              <a:cs typeface="+mj-ea"/>
+              <a:sym typeface="+mn-ea"/>
+            </a:endParaRPr>
+          </a:p>
+        </p:txBody>
+      </p:sp>
+      <p:sp>
+        <p:nvSpPr>
+          <p:cNvPr id="2" name="文本框 1"/>
+          <p:cNvSpPr txBox="1"/>
+          <p:nvPr/>
+        </p:nvSpPr>
+        <p:spPr>
+          <a:xfrm>
+            <a:off x="220980" y="1386205"/>
+            <a:ext cx="11867515" cy="3692525"/>
+          </a:xfrm>
+          <a:prstGeom prst="rect">
+            <a:avLst/>
+          </a:prstGeom>
+          <a:noFill/>
+        </p:spPr>
+        <p:txBody>
+          <a:bodyPr wrap="square" rtlCol="0">
+            <a:spAutoFit/>
+          </a:bodyPr>
+          <a:p>
+            <a:r>
+              <a:rPr lang="zh-CN" altLang="en-US">
+                <a:latin typeface="宋体" panose="02010600030101010101" pitchFamily="2" charset="-122"/>
+                <a:ea typeface="宋体" panose="02010600030101010101" pitchFamily="2" charset="-122"/>
+                <a:cs typeface="宋体" panose="02010600030101010101" pitchFamily="2" charset="-122"/>
+              </a:rPr>
+              <a:t>CDATA 指的是不应由 XML 解析器进行解析的文本数据（Unparsed Character Data）。</a:t>
+            </a:r>
+            <a:endParaRPr lang="zh-CN" altLang="en-US">
+              <a:latin typeface="宋体" panose="02010600030101010101" pitchFamily="2" charset="-122"/>
+              <a:ea typeface="宋体" panose="02010600030101010101" pitchFamily="2" charset="-122"/>
+              <a:cs typeface="宋体" panose="02010600030101010101" pitchFamily="2" charset="-122"/>
+            </a:endParaRPr>
+          </a:p>
+          <a:p>
+            <a:endParaRPr lang="zh-CN" altLang="en-US">
+              <a:latin typeface="宋体" panose="02010600030101010101" pitchFamily="2" charset="-122"/>
+              <a:ea typeface="宋体" panose="02010600030101010101" pitchFamily="2" charset="-122"/>
+              <a:cs typeface="宋体" panose="02010600030101010101" pitchFamily="2" charset="-122"/>
+            </a:endParaRPr>
+          </a:p>
+          <a:p>
+            <a:r>
+              <a:rPr lang="zh-CN" altLang="en-US">
+                <a:latin typeface="宋体" panose="02010600030101010101" pitchFamily="2" charset="-122"/>
+                <a:ea typeface="宋体" panose="02010600030101010101" pitchFamily="2" charset="-122"/>
+                <a:cs typeface="宋体" panose="02010600030101010101" pitchFamily="2" charset="-122"/>
+              </a:rPr>
+              <a:t>在 XML 元素中，"&lt;" 和 "&amp;" 是非法的。</a:t>
+            </a:r>
+            <a:endParaRPr lang="zh-CN" altLang="en-US">
+              <a:latin typeface="宋体" panose="02010600030101010101" pitchFamily="2" charset="-122"/>
+              <a:ea typeface="宋体" panose="02010600030101010101" pitchFamily="2" charset="-122"/>
+              <a:cs typeface="宋体" panose="02010600030101010101" pitchFamily="2" charset="-122"/>
+            </a:endParaRPr>
+          </a:p>
+          <a:p>
+            <a:endParaRPr lang="zh-CN" altLang="en-US">
+              <a:latin typeface="宋体" panose="02010600030101010101" pitchFamily="2" charset="-122"/>
+              <a:ea typeface="宋体" panose="02010600030101010101" pitchFamily="2" charset="-122"/>
+              <a:cs typeface="宋体" panose="02010600030101010101" pitchFamily="2" charset="-122"/>
+            </a:endParaRPr>
+          </a:p>
+          <a:p>
+            <a:r>
+              <a:rPr lang="zh-CN" altLang="en-US">
+                <a:latin typeface="宋体" panose="02010600030101010101" pitchFamily="2" charset="-122"/>
+                <a:ea typeface="宋体" panose="02010600030101010101" pitchFamily="2" charset="-122"/>
+                <a:cs typeface="宋体" panose="02010600030101010101" pitchFamily="2" charset="-122"/>
+              </a:rPr>
+              <a:t>"&lt;" 会产生错误，因为解析器会把该字符解释为新元素的开始。</a:t>
+            </a:r>
+            <a:endParaRPr lang="zh-CN" altLang="en-US">
+              <a:latin typeface="宋体" panose="02010600030101010101" pitchFamily="2" charset="-122"/>
+              <a:ea typeface="宋体" panose="02010600030101010101" pitchFamily="2" charset="-122"/>
+              <a:cs typeface="宋体" panose="02010600030101010101" pitchFamily="2" charset="-122"/>
+            </a:endParaRPr>
+          </a:p>
+          <a:p>
+            <a:endParaRPr lang="zh-CN" altLang="en-US">
+              <a:latin typeface="宋体" panose="02010600030101010101" pitchFamily="2" charset="-122"/>
+              <a:ea typeface="宋体" panose="02010600030101010101" pitchFamily="2" charset="-122"/>
+              <a:cs typeface="宋体" panose="02010600030101010101" pitchFamily="2" charset="-122"/>
+            </a:endParaRPr>
+          </a:p>
+          <a:p>
+            <a:r>
+              <a:rPr lang="zh-CN" altLang="en-US">
+                <a:latin typeface="宋体" panose="02010600030101010101" pitchFamily="2" charset="-122"/>
+                <a:ea typeface="宋体" panose="02010600030101010101" pitchFamily="2" charset="-122"/>
+                <a:cs typeface="宋体" panose="02010600030101010101" pitchFamily="2" charset="-122"/>
+              </a:rPr>
+              <a:t>"&amp;" 也会产生错误，因为解析器会把该字符解释为字符实体的开始。</a:t>
+            </a:r>
+            <a:endParaRPr lang="zh-CN" altLang="en-US">
+              <a:latin typeface="宋体" panose="02010600030101010101" pitchFamily="2" charset="-122"/>
+              <a:ea typeface="宋体" panose="02010600030101010101" pitchFamily="2" charset="-122"/>
+              <a:cs typeface="宋体" panose="02010600030101010101" pitchFamily="2" charset="-122"/>
+            </a:endParaRPr>
+          </a:p>
+          <a:p>
+            <a:endParaRPr lang="zh-CN" altLang="en-US">
+              <a:latin typeface="宋体" panose="02010600030101010101" pitchFamily="2" charset="-122"/>
+              <a:ea typeface="宋体" panose="02010600030101010101" pitchFamily="2" charset="-122"/>
+              <a:cs typeface="宋体" panose="02010600030101010101" pitchFamily="2" charset="-122"/>
+            </a:endParaRPr>
+          </a:p>
+          <a:p>
+            <a:r>
+              <a:rPr lang="zh-CN" altLang="en-US">
+                <a:latin typeface="宋体" panose="02010600030101010101" pitchFamily="2" charset="-122"/>
+                <a:ea typeface="宋体" panose="02010600030101010101" pitchFamily="2" charset="-122"/>
+                <a:cs typeface="宋体" panose="02010600030101010101" pitchFamily="2" charset="-122"/>
+              </a:rPr>
+              <a:t>某些文本，比如 JavaScript 代码，包含大量 "&lt;" 或 "&amp;" 字符。为了避免错误，可以将脚本代码定义为 CDATA。</a:t>
+            </a:r>
+            <a:endParaRPr lang="zh-CN" altLang="en-US">
+              <a:latin typeface="宋体" panose="02010600030101010101" pitchFamily="2" charset="-122"/>
+              <a:ea typeface="宋体" panose="02010600030101010101" pitchFamily="2" charset="-122"/>
+              <a:cs typeface="宋体" panose="02010600030101010101" pitchFamily="2" charset="-122"/>
+            </a:endParaRPr>
+          </a:p>
+          <a:p>
+            <a:endParaRPr lang="zh-CN" altLang="en-US">
+              <a:latin typeface="宋体" panose="02010600030101010101" pitchFamily="2" charset="-122"/>
+              <a:ea typeface="宋体" panose="02010600030101010101" pitchFamily="2" charset="-122"/>
+              <a:cs typeface="宋体" panose="02010600030101010101" pitchFamily="2" charset="-122"/>
+            </a:endParaRPr>
+          </a:p>
+          <a:p>
+            <a:r>
+              <a:rPr lang="zh-CN" altLang="en-US">
+                <a:latin typeface="宋体" panose="02010600030101010101" pitchFamily="2" charset="-122"/>
+                <a:ea typeface="宋体" panose="02010600030101010101" pitchFamily="2" charset="-122"/>
+                <a:cs typeface="宋体" panose="02010600030101010101" pitchFamily="2" charset="-122"/>
+              </a:rPr>
+              <a:t>CDATA 部分中的所有内容都会被解析器忽略。</a:t>
+            </a:r>
+            <a:endParaRPr lang="zh-CN" altLang="en-US">
+              <a:latin typeface="宋体" panose="02010600030101010101" pitchFamily="2" charset="-122"/>
+              <a:ea typeface="宋体" panose="02010600030101010101" pitchFamily="2" charset="-122"/>
+              <a:cs typeface="宋体" panose="02010600030101010101" pitchFamily="2" charset="-122"/>
+            </a:endParaRPr>
+          </a:p>
+          <a:p>
+            <a:endParaRPr lang="zh-CN" altLang="en-US">
+              <a:latin typeface="宋体" panose="02010600030101010101" pitchFamily="2" charset="-122"/>
+              <a:ea typeface="宋体" panose="02010600030101010101" pitchFamily="2" charset="-122"/>
+              <a:cs typeface="宋体" panose="02010600030101010101" pitchFamily="2" charset="-122"/>
+            </a:endParaRPr>
+          </a:p>
+          <a:p>
+            <a:r>
+              <a:rPr lang="zh-CN" altLang="en-US">
+                <a:latin typeface="宋体" panose="02010600030101010101" pitchFamily="2" charset="-122"/>
+                <a:ea typeface="宋体" panose="02010600030101010101" pitchFamily="2" charset="-122"/>
+                <a:cs typeface="宋体" panose="02010600030101010101" pitchFamily="2" charset="-122"/>
+              </a:rPr>
+              <a:t>CDATA 部分由 "&lt;![CDATA[" 开始，由 "]]&gt;" 结束</a:t>
+            </a:r>
+            <a:endParaRPr lang="zh-CN" altLang="en-US">
+              <a:latin typeface="宋体" panose="02010600030101010101" pitchFamily="2" charset="-122"/>
+              <a:ea typeface="宋体" panose="02010600030101010101" pitchFamily="2" charset="-122"/>
+              <a:cs typeface="宋体" panose="02010600030101010101" pitchFamily="2" charset="-122"/>
+            </a:endParaRPr>
+          </a:p>
+        </p:txBody>
+      </p:sp>
+    </p:spTree>
+    <p:custDataLst>
+      <p:tags r:id="rId2"/>
+    </p:custDataLst>
+  </p:cSld>
+  <p:clrMapOvr>
+    <a:masterClrMapping/>
+  </p:clrMapOvr>
+</p:sld>
+</file>
+
+<file path=ppt/slides/slide6.xml><?xml version="1.0" encoding="utf-8"?>
+<p:sld xmlns:a="http://schemas.openxmlformats.org/drawingml/2006/main" xmlns:r="http://schemas.openxmlformats.org/officeDocument/2006/relationships" xmlns:p="http://schemas.openxmlformats.org/presentationml/2006/main">
+  <p:cSld>
+    <p:bg>
+      <p:bgPr>
+        <a:blipFill rotWithShape="1">
+          <a:blip r:embed="rId1"/>
+          <a:stretch>
+            <a:fillRect/>
+          </a:stretch>
+        </a:blipFill>
+        <a:effectLst/>
+      </p:bgPr>
+    </p:bg>
+    <p:spTree>
+      <p:nvGrpSpPr>
+        <p:cNvPr id="1" name=""/>
+        <p:cNvGrpSpPr/>
+        <p:nvPr/>
+      </p:nvGrpSpPr>
+      <p:grpSpPr/>
       <p:pic>
         <p:nvPicPr>
           <p:cNvPr id="2" name="图片 1"/>
@@ -12686,7 +12929,7 @@
 </p:sld>
 </file>
 
-<file path=ppt/slides/slide6.xml><?xml version="1.0" encoding="utf-8"?>
+<file path=ppt/slides/slide7.xml><?xml version="1.0" encoding="utf-8"?>
 <p:sld xmlns:a="http://schemas.openxmlformats.org/drawingml/2006/main" xmlns:r="http://schemas.openxmlformats.org/officeDocument/2006/relationships" xmlns:p="http://schemas.openxmlformats.org/presentationml/2006/main">
   <p:cSld>
     <p:bg>
@@ -12938,7 +13181,7 @@
 </p:sld>
 </file>
 
-<file path=ppt/slides/slide7.xml><?xml version="1.0" encoding="utf-8"?>
+<file path=ppt/slides/slide8.xml><?xml version="1.0" encoding="utf-8"?>
 <p:sld xmlns:a="http://schemas.openxmlformats.org/drawingml/2006/main" xmlns:r="http://schemas.openxmlformats.org/officeDocument/2006/relationships" xmlns:p="http://schemas.openxmlformats.org/presentationml/2006/main">
   <p:cSld>
     <p:bg>
@@ -13018,7 +13261,7 @@
 </p:sld>
 </file>
 
-<file path=ppt/slides/slide8.xml><?xml version="1.0" encoding="utf-8"?>
+<file path=ppt/slides/slide9.xml><?xml version="1.0" encoding="utf-8"?>
 <p:sld xmlns:a="http://schemas.openxmlformats.org/drawingml/2006/main" xmlns:r="http://schemas.openxmlformats.org/officeDocument/2006/relationships" xmlns:p="http://schemas.openxmlformats.org/presentationml/2006/main">
   <p:cSld>
     <p:bg>
@@ -13098,62 +13341,6 @@
 </p:sld>
 </file>
 
-<file path=ppt/slides/slide9.xml><?xml version="1.0" encoding="utf-8"?>
-<p:sld xmlns:a="http://schemas.openxmlformats.org/drawingml/2006/main" xmlns:r="http://schemas.openxmlformats.org/officeDocument/2006/relationships" xmlns:p="http://schemas.openxmlformats.org/presentationml/2006/main">
-  <p:cSld>
-    <p:bg>
-      <p:bgPr>
-        <a:blipFill rotWithShape="1">
-          <a:blip r:embed="rId1"/>
-          <a:stretch>
-            <a:fillRect/>
-          </a:stretch>
-        </a:blipFill>
-        <a:effectLst/>
-      </p:bgPr>
-    </p:bg>
-    <p:spTree>
-      <p:nvGrpSpPr>
-        <p:cNvPr id="1" name=""/>
-        <p:cNvGrpSpPr/>
-        <p:nvPr/>
-      </p:nvGrpSpPr>
-      <p:grpSpPr/>
-      <p:pic>
-        <p:nvPicPr>
-          <p:cNvPr id="2" name="图片 1"/>
-          <p:cNvPicPr>
-            <a:picLocks noChangeAspect="1"/>
-          </p:cNvPicPr>
-          <p:nvPr/>
-        </p:nvPicPr>
-        <p:blipFill>
-          <a:blip r:embed="rId2"/>
-          <a:stretch>
-            <a:fillRect/>
-          </a:stretch>
-        </p:blipFill>
-        <p:spPr>
-          <a:xfrm>
-            <a:off x="1813560" y="782320"/>
-            <a:ext cx="8564880" cy="5364480"/>
-          </a:xfrm>
-          <a:prstGeom prst="rect">
-            <a:avLst/>
-          </a:prstGeom>
-        </p:spPr>
-      </p:pic>
-    </p:spTree>
-    <p:custDataLst>
-      <p:tags r:id="rId3"/>
-    </p:custDataLst>
-  </p:cSld>
-  <p:clrMapOvr>
-    <a:masterClrMapping/>
-  </p:clrMapOvr>
-</p:sld>
-</file>
-
 <file path=ppt/tags/tag1.xml><?xml version="1.0" encoding="utf-8"?>
 <p:tagLst xmlns:p="http://schemas.openxmlformats.org/presentationml/2006/main">
   <p:tag name="KSO_WM_UNIT_HIGHLIGHT" val="0"/>
@@ -13208,33 +13395,6 @@
 </file>
 
 <file path=ppt/tags/tag103.xml><?xml version="1.0" encoding="utf-8"?>
-<p:tagLst xmlns:p="http://schemas.openxmlformats.org/presentationml/2006/main">
-  <p:tag name="KSO_WM_BEAUTIFY_FLAG" val="#wm#"/>
-  <p:tag name="KSO_WM_TEMPLATE_CATEGORY" val="custom"/>
-  <p:tag name="KSO_WM_TEMPLATE_INDEX" val="20203858"/>
-  <p:tag name="KSO_WM_SPECIAL_SOURCE" val="bdnull"/>
-</p:tagLst>
-</file>
-
-<file path=ppt/tags/tag104.xml><?xml version="1.0" encoding="utf-8"?>
-<p:tagLst xmlns:p="http://schemas.openxmlformats.org/presentationml/2006/main">
-  <p:tag name="KSO_WM_BEAUTIFY_FLAG" val="#wm#"/>
-  <p:tag name="KSO_WM_TEMPLATE_CATEGORY" val="custom"/>
-  <p:tag name="KSO_WM_TEMPLATE_INDEX" val="20203858"/>
-  <p:tag name="KSO_WM_SPECIAL_SOURCE" val="bdnull"/>
-</p:tagLst>
-</file>
-
-<file path=ppt/tags/tag105.xml><?xml version="1.0" encoding="utf-8"?>
-<p:tagLst xmlns:p="http://schemas.openxmlformats.org/presentationml/2006/main">
-  <p:tag name="KSO_WM_BEAUTIFY_FLAG" val="#wm#"/>
-  <p:tag name="KSO_WM_TEMPLATE_CATEGORY" val="custom"/>
-  <p:tag name="KSO_WM_TEMPLATE_INDEX" val="20203858"/>
-  <p:tag name="KSO_WM_SPECIAL_SOURCE" val="bdnull"/>
-</p:tagLst>
-</file>
-
-<file path=ppt/tags/tag106.xml><?xml version="1.0" encoding="utf-8"?>
 <p:tagLst xmlns:p="http://schemas.openxmlformats.org/presentationml/2006/main">
   <p:tag name="KSO_WM_BEAUTIFY_FLAG" val="#wm#"/>
   <p:tag name="KSO_WM_TEMPLATE_CATEGORY" val="custom"/>

--- a/基础PPT/第16章：Java XML简介.pptx
+++ b/基础PPT/第16章：Java XML简介.pptx
@@ -7153,7 +7153,31 @@
                 <a:cs typeface="宋体" panose="02010600030101010101" pitchFamily="2" charset="-122"/>
                 <a:sym typeface="+mn-ea"/>
               </a:rPr>
-              <a:t>nodename	选取此节点的所有子节点。</a:t>
+              <a:t>nodename	选取元素名  </a:t>
+            </a:r>
+            <a:r>
+              <a:rPr lang="en-US" altLang="zh-CN" sz="1600">
+                <a:solidFill>
+                  <a:srgbClr val="FF0000"/>
+                </a:solidFill>
+                <a:latin typeface="宋体" panose="02010600030101010101" pitchFamily="2" charset="-122"/>
+                <a:ea typeface="宋体" panose="02010600030101010101" pitchFamily="2" charset="-122"/>
+                <a:cs typeface="宋体" panose="02010600030101010101" pitchFamily="2" charset="-122"/>
+                <a:sym typeface="+mn-ea"/>
+              </a:rPr>
+              <a:t>nodename </a:t>
+            </a:r>
+            <a:r>
+              <a:rPr lang="zh-CN" altLang="en-US" sz="1600">
+                <a:solidFill>
+                  <a:srgbClr val="FF0000"/>
+                </a:solidFill>
+                <a:latin typeface="宋体" panose="02010600030101010101" pitchFamily="2" charset="-122"/>
+                <a:ea typeface="宋体" panose="02010600030101010101" pitchFamily="2" charset="-122"/>
+                <a:cs typeface="宋体" panose="02010600030101010101" pitchFamily="2" charset="-122"/>
+                <a:sym typeface="+mn-ea"/>
+              </a:rPr>
+              <a:t>的所有节点。</a:t>
             </a:r>
             <a:endParaRPr lang="zh-CN" altLang="en-US" sz="1600">
               <a:solidFill>
@@ -7172,6 +7196,18 @@
               <a:buNone/>
             </a:pPr>
             <a:r>
+              <a:rPr lang="en-US" altLang="zh-CN" sz="1600">
+                <a:solidFill>
+                  <a:srgbClr val="FF0000"/>
+                </a:solidFill>
+                <a:latin typeface="宋体" panose="02010600030101010101" pitchFamily="2" charset="-122"/>
+                <a:ea typeface="宋体" panose="02010600030101010101" pitchFamily="2" charset="-122"/>
+                <a:cs typeface="宋体" panose="02010600030101010101" pitchFamily="2" charset="-122"/>
+                <a:sym typeface="+mn-ea"/>
+              </a:rPr>
+              <a:t>/</a:t>
+            </a:r>
+            <a:r>
               <a:rPr lang="zh-CN" altLang="en-US" sz="1600">
                 <a:solidFill>
                   <a:srgbClr val="FF0000"/>
@@ -7368,7 +7404,7 @@
                 <a:cs typeface="宋体" panose="02010600030101010101" pitchFamily="2" charset="-122"/>
                 <a:sym typeface="+mn-ea"/>
               </a:rPr>
-              <a:t>bookstore	选取 bookstore 元素的所有子节点。</a:t>
+              <a:t>bookstore	选取元素名为 bookstore 的所有节点。</a:t>
             </a:r>
             <a:endParaRPr lang="zh-CN" altLang="en-US" sz="1600">
               <a:solidFill>

--- a/基础PPT/第16章：Java XML简介.pptx
+++ b/基础PPT/第16章：Java XML简介.pptx
@@ -6514,7 +6514,31 @@
               <a:t>是一门在 </a:t>
             </a:r>
             <a:r>
-              <a:rPr lang="en-US" altLang="zh-CN" sz="1600">
+              <a:rPr lang="en-US" altLang="zh-CN" sz="1600" b="1">
+                <a:solidFill>
+                  <a:srgbClr val="FF0000"/>
+                </a:solidFill>
+                <a:latin typeface="宋体" panose="02010600030101010101" pitchFamily="2" charset="-122"/>
+                <a:ea typeface="宋体" panose="02010600030101010101" pitchFamily="2" charset="-122"/>
+                <a:cs typeface="宋体" panose="02010600030101010101" pitchFamily="2" charset="-122"/>
+                <a:sym typeface="+mn-ea"/>
+              </a:rPr>
+              <a:t>XML </a:t>
+            </a:r>
+            <a:r>
+              <a:rPr lang="zh-CN" altLang="en-US" sz="1600" b="1">
+                <a:solidFill>
+                  <a:srgbClr val="FF0000"/>
+                </a:solidFill>
+                <a:latin typeface="宋体" panose="02010600030101010101" pitchFamily="2" charset="-122"/>
+                <a:ea typeface="宋体" panose="02010600030101010101" pitchFamily="2" charset="-122"/>
+                <a:cs typeface="宋体" panose="02010600030101010101" pitchFamily="2" charset="-122"/>
+                <a:sym typeface="+mn-ea"/>
+              </a:rPr>
+              <a:t>文档中查找信息的语言</a:t>
+            </a:r>
+            <a:r>
+              <a:rPr lang="zh-CN" altLang="en-US" sz="1600">
                 <a:solidFill>
                   <a:schemeClr val="tx1"/>
                 </a:solidFill>
@@ -6523,19 +6547,7 @@
                 <a:cs typeface="宋体" panose="02010600030101010101" pitchFamily="2" charset="-122"/>
                 <a:sym typeface="+mn-ea"/>
               </a:rPr>
-              <a:t>XML </a:t>
-            </a:r>
-            <a:r>
-              <a:rPr lang="zh-CN" altLang="en-US" sz="1600">
-                <a:solidFill>
-                  <a:schemeClr val="tx1"/>
-                </a:solidFill>
-                <a:latin typeface="宋体" panose="02010600030101010101" pitchFamily="2" charset="-122"/>
-                <a:ea typeface="宋体" panose="02010600030101010101" pitchFamily="2" charset="-122"/>
-                <a:cs typeface="宋体" panose="02010600030101010101" pitchFamily="2" charset="-122"/>
-                <a:sym typeface="+mn-ea"/>
-              </a:rPr>
-              <a:t>文档中查找信息的语言。</a:t>
+              <a:t>。</a:t>
             </a:r>
             <a:r>
               <a:rPr lang="en-US" altLang="zh-CN" sz="1600">
@@ -12564,14 +12576,20 @@
           </a:p>
           <a:p>
             <a:r>
-              <a:rPr lang="zh-CN" altLang="en-US" sz="1600">
+              <a:rPr lang="zh-CN" altLang="en-US" sz="1600" b="1">
+                <a:solidFill>
+                  <a:srgbClr val="FF0000"/>
+                </a:solidFill>
                 <a:latin typeface="宋体" panose="02010600030101010101" pitchFamily="2" charset="-122"/>
                 <a:ea typeface="宋体" panose="02010600030101010101" pitchFamily="2" charset="-122"/>
                 <a:cs typeface="宋体" panose="02010600030101010101" pitchFamily="2" charset="-122"/>
               </a:rPr>
               <a:t>&lt;!-- This is a comment --&gt;  </a:t>
             </a:r>
-            <a:endParaRPr lang="zh-CN" altLang="en-US" sz="1600">
+            <a:endParaRPr lang="zh-CN" altLang="en-US" sz="1600" b="1">
+              <a:solidFill>
+                <a:srgbClr val="FF0000"/>
+              </a:solidFill>
               <a:latin typeface="宋体" panose="02010600030101010101" pitchFamily="2" charset="-122"/>
               <a:ea typeface="宋体" panose="02010600030101010101" pitchFamily="2" charset="-122"/>
               <a:cs typeface="宋体" panose="02010600030101010101" pitchFamily="2" charset="-122"/>
@@ -12843,7 +12861,26 @@
                 <a:ea typeface="宋体" panose="02010600030101010101" pitchFamily="2" charset="-122"/>
                 <a:cs typeface="宋体" panose="02010600030101010101" pitchFamily="2" charset="-122"/>
               </a:rPr>
-              <a:t>CDATA 部分由 "&lt;![CDATA[" 开始，由 "]]&gt;" 结束</a:t>
+              <a:t>CDATA 部分由 "</a:t>
+            </a:r>
+            <a:r>
+              <a:rPr lang="zh-CN" altLang="en-US" b="1">
+                <a:solidFill>
+                  <a:srgbClr val="FF0000"/>
+                </a:solidFill>
+                <a:latin typeface="宋体" panose="02010600030101010101" pitchFamily="2" charset="-122"/>
+                <a:ea typeface="宋体" panose="02010600030101010101" pitchFamily="2" charset="-122"/>
+                <a:cs typeface="宋体" panose="02010600030101010101" pitchFamily="2" charset="-122"/>
+              </a:rPr>
+              <a:t>&lt;![CDATA[" 开始，由 "]]&gt;</a:t>
+            </a:r>
+            <a:r>
+              <a:rPr lang="zh-CN" altLang="en-US">
+                <a:latin typeface="宋体" panose="02010600030101010101" pitchFamily="2" charset="-122"/>
+                <a:ea typeface="宋体" panose="02010600030101010101" pitchFamily="2" charset="-122"/>
+                <a:cs typeface="宋体" panose="02010600030101010101" pitchFamily="2" charset="-122"/>
+              </a:rPr>
+              <a:t>" 结束</a:t>
             </a:r>
             <a:endParaRPr lang="zh-CN" altLang="en-US">
               <a:latin typeface="宋体" panose="02010600030101010101" pitchFamily="2" charset="-122"/>
